--- a/Behind the LINQ- Diagnosing What EF Core Is Really Doing to Your Database.pptx
+++ b/Behind the LINQ- Diagnosing What EF Core Is Really Doing to Your Database.pptx
@@ -3,33 +3,35 @@
 <p:presentation xmlns:a="http://schemas.openxmlformats.org/drawingml/2006/main" xmlns:r="http://schemas.openxmlformats.org/officeDocument/2006/relationships" xmlns:p="http://schemas.openxmlformats.org/presentationml/2006/main" saveSubsetFonts="1">
   <p:sldMasterIdLst>
     <p:sldMasterId id="2147483648" r:id="rId1"/>
+    <p:sldMasterId id="2147483662" r:id="rId2"/>
   </p:sldMasterIdLst>
   <p:notesMasterIdLst>
-    <p:notesMasterId r:id="rId24"/>
+    <p:notesMasterId r:id="rId26"/>
   </p:notesMasterIdLst>
   <p:sldIdLst>
-    <p:sldId id="262" r:id="rId2"/>
-    <p:sldId id="258" r:id="rId3"/>
-    <p:sldId id="257" r:id="rId4"/>
-    <p:sldId id="267" r:id="rId5"/>
-    <p:sldId id="266" r:id="rId6"/>
-    <p:sldId id="259" r:id="rId7"/>
-    <p:sldId id="293" r:id="rId8"/>
-    <p:sldId id="299" r:id="rId9"/>
-    <p:sldId id="260" r:id="rId10"/>
-    <p:sldId id="285" r:id="rId11"/>
-    <p:sldId id="291" r:id="rId12"/>
-    <p:sldId id="287" r:id="rId13"/>
-    <p:sldId id="288" r:id="rId14"/>
-    <p:sldId id="290" r:id="rId15"/>
-    <p:sldId id="289" r:id="rId16"/>
-    <p:sldId id="261" r:id="rId17"/>
-    <p:sldId id="264" r:id="rId18"/>
-    <p:sldId id="272" r:id="rId19"/>
-    <p:sldId id="273" r:id="rId20"/>
-    <p:sldId id="292" r:id="rId21"/>
-    <p:sldId id="265" r:id="rId22"/>
-    <p:sldId id="297" r:id="rId23"/>
+    <p:sldId id="262" r:id="rId3"/>
+    <p:sldId id="258" r:id="rId4"/>
+    <p:sldId id="257" r:id="rId5"/>
+    <p:sldId id="267" r:id="rId6"/>
+    <p:sldId id="266" r:id="rId7"/>
+    <p:sldId id="259" r:id="rId8"/>
+    <p:sldId id="300" r:id="rId9"/>
+    <p:sldId id="293" r:id="rId10"/>
+    <p:sldId id="299" r:id="rId11"/>
+    <p:sldId id="260" r:id="rId12"/>
+    <p:sldId id="285" r:id="rId13"/>
+    <p:sldId id="291" r:id="rId14"/>
+    <p:sldId id="287" r:id="rId15"/>
+    <p:sldId id="288" r:id="rId16"/>
+    <p:sldId id="290" r:id="rId17"/>
+    <p:sldId id="289" r:id="rId18"/>
+    <p:sldId id="261" r:id="rId19"/>
+    <p:sldId id="264" r:id="rId20"/>
+    <p:sldId id="272" r:id="rId21"/>
+    <p:sldId id="273" r:id="rId22"/>
+    <p:sldId id="292" r:id="rId23"/>
+    <p:sldId id="265" r:id="rId24"/>
+    <p:sldId id="297" r:id="rId25"/>
   </p:sldIdLst>
   <p:sldSz cx="12192000" cy="6858000"/>
   <p:notesSz cx="6858000" cy="9144000"/>
@@ -582,7 +584,7 @@
           <a:p>
             <a:fld id="{ED91DD3D-A8C7-435A-9592-7745C7B0B046}" type="slidenum">
               <a:rPr lang="cs-CZ" smtClean="0"/>
-              <a:t>22</a:t>
+              <a:t>23</a:t>
             </a:fld>
             <a:endParaRPr lang="cs-CZ"/>
           </a:p>
@@ -2102,6 +2104,1264 @@
 </p:sldLayout>
 </file>
 
+<file path=ppt/slideLayouts/slideLayout14.xml><?xml version="1.0" encoding="utf-8"?>
+<p:sldLayout xmlns:a="http://schemas.openxmlformats.org/drawingml/2006/main" xmlns:r="http://schemas.openxmlformats.org/officeDocument/2006/relationships" xmlns:p="http://schemas.openxmlformats.org/presentationml/2006/main" preserve="1" userDrawn="1">
+  <p:cSld name="Title-slide">
+    <p:bg>
+      <p:bgRef idx="1001">
+        <a:schemeClr val="bg2"/>
+      </p:bgRef>
+    </p:bg>
+    <p:spTree>
+      <p:nvGrpSpPr>
+        <p:cNvPr id="1" name=""/>
+        <p:cNvGrpSpPr/>
+        <p:nvPr/>
+      </p:nvGrpSpPr>
+      <p:grpSpPr>
+        <a:xfrm>
+          <a:off x="0" y="0"/>
+          <a:ext cx="0" cy="0"/>
+          <a:chOff x="0" y="0"/>
+          <a:chExt cx="0" cy="0"/>
+        </a:xfrm>
+      </p:grpSpPr>
+      <p:pic>
+        <p:nvPicPr>
+          <p:cNvPr id="9" name="Obrázek 8" descr="Obsah obrázku hák, design&#10;&#10;Popis byl vytvořen automaticky">
+            <a:extLst>
+              <a:ext uri="{FF2B5EF4-FFF2-40B4-BE49-F238E27FC236}">
+                <a16:creationId xmlns:a16="http://schemas.microsoft.com/office/drawing/2014/main" id="{B217928E-1BCD-57AB-E15F-107279254F18}"/>
+              </a:ext>
+            </a:extLst>
+          </p:cNvPr>
+          <p:cNvPicPr>
+            <a:picLocks noChangeAspect="1"/>
+          </p:cNvPicPr>
+          <p:nvPr userDrawn="1"/>
+        </p:nvPicPr>
+        <p:blipFill>
+          <a:blip r:embed="rId2"/>
+          <a:stretch>
+            <a:fillRect/>
+          </a:stretch>
+        </p:blipFill>
+        <p:spPr>
+          <a:xfrm>
+            <a:off x="0" y="0"/>
+            <a:ext cx="12192000" cy="6858000"/>
+          </a:xfrm>
+          <a:prstGeom prst="rect">
+            <a:avLst/>
+          </a:prstGeom>
+        </p:spPr>
+      </p:pic>
+      <p:sp>
+        <p:nvSpPr>
+          <p:cNvPr id="2" name="Nadpis 1">
+            <a:extLst>
+              <a:ext uri="{FF2B5EF4-FFF2-40B4-BE49-F238E27FC236}">
+                <a16:creationId xmlns:a16="http://schemas.microsoft.com/office/drawing/2014/main" id="{A59116E4-6F6A-4236-B205-7EBF81DEDD75}"/>
+              </a:ext>
+            </a:extLst>
+          </p:cNvPr>
+          <p:cNvSpPr>
+            <a:spLocks noGrp="1"/>
+          </p:cNvSpPr>
+          <p:nvPr>
+            <p:ph type="ctrTitle" hasCustomPrompt="1"/>
+          </p:nvPr>
+        </p:nvSpPr>
+        <p:spPr>
+          <a:xfrm>
+            <a:off x="838200" y="2195020"/>
+            <a:ext cx="5428591" cy="838233"/>
+          </a:xfrm>
+        </p:spPr>
+        <p:txBody>
+          <a:bodyPr anchor="ctr">
+            <a:noAutofit/>
+          </a:bodyPr>
+          <a:lstStyle>
+            <a:lvl1pPr algn="l">
+              <a:defRPr sz="4400">
+                <a:solidFill>
+                  <a:schemeClr val="bg1"/>
+                </a:solidFill>
+                <a:latin typeface="+mj-lt"/>
+                <a:cs typeface="Segoe UI Semibold" panose="020B0702040204020203" pitchFamily="34" charset="0"/>
+              </a:defRPr>
+            </a:lvl1pPr>
+          </a:lstStyle>
+          <a:p>
+            <a:r>
+              <a:rPr lang="en-US"/>
+              <a:t>Type your </a:t>
+            </a:r>
+            <a:r>
+              <a:rPr lang="en-US" err="1"/>
+              <a:t>ti</a:t>
+            </a:r>
+            <a:r>
+              <a:rPr lang="cs-CZ"/>
+              <a:t>t</a:t>
+            </a:r>
+            <a:r>
+              <a:rPr lang="en-US"/>
+              <a:t>le here</a:t>
+            </a:r>
+            <a:endParaRPr lang="cs-CZ"/>
+          </a:p>
+        </p:txBody>
+      </p:sp>
+      <p:sp>
+        <p:nvSpPr>
+          <p:cNvPr id="5" name="Zástupný symbol pro zápatí 4">
+            <a:extLst>
+              <a:ext uri="{FF2B5EF4-FFF2-40B4-BE49-F238E27FC236}">
+                <a16:creationId xmlns:a16="http://schemas.microsoft.com/office/drawing/2014/main" id="{6CD1CE4D-5AA3-4F8D-BB4D-E04B1498FB51}"/>
+              </a:ext>
+            </a:extLst>
+          </p:cNvPr>
+          <p:cNvSpPr>
+            <a:spLocks noGrp="1"/>
+          </p:cNvSpPr>
+          <p:nvPr>
+            <p:ph type="ftr" sz="quarter" idx="11"/>
+          </p:nvPr>
+        </p:nvSpPr>
+        <p:spPr/>
+        <p:txBody>
+          <a:bodyPr/>
+          <a:lstStyle>
+            <a:lvl1pPr>
+              <a:defRPr>
+                <a:solidFill>
+                  <a:schemeClr val="bg2">
+                    <a:lumMod val="50000"/>
+                  </a:schemeClr>
+                </a:solidFill>
+              </a:defRPr>
+            </a:lvl1pPr>
+          </a:lstStyle>
+          <a:p>
+            <a:endParaRPr lang="cs-CZ"/>
+          </a:p>
+        </p:txBody>
+      </p:sp>
+      <p:sp>
+        <p:nvSpPr>
+          <p:cNvPr id="16" name="Zástupný text 13">
+            <a:extLst>
+              <a:ext uri="{FF2B5EF4-FFF2-40B4-BE49-F238E27FC236}">
+                <a16:creationId xmlns:a16="http://schemas.microsoft.com/office/drawing/2014/main" id="{845418B6-3F48-4BB3-95CD-B33ACDC2F1C6}"/>
+              </a:ext>
+            </a:extLst>
+          </p:cNvPr>
+          <p:cNvSpPr>
+            <a:spLocks noGrp="1"/>
+          </p:cNvSpPr>
+          <p:nvPr>
+            <p:ph type="body" sz="quarter" idx="14" hasCustomPrompt="1"/>
+          </p:nvPr>
+        </p:nvSpPr>
+        <p:spPr>
+          <a:xfrm>
+            <a:off x="841375" y="4764898"/>
+            <a:ext cx="5425313" cy="488140"/>
+          </a:xfrm>
+        </p:spPr>
+        <p:txBody>
+          <a:bodyPr anchor="ctr">
+            <a:normAutofit/>
+          </a:bodyPr>
+          <a:lstStyle>
+            <a:lvl1pPr marL="0" indent="0">
+              <a:buNone/>
+              <a:defRPr sz="2400">
+                <a:solidFill>
+                  <a:srgbClr val="FDAD00"/>
+                </a:solidFill>
+                <a:latin typeface="+mj-lt"/>
+              </a:defRPr>
+            </a:lvl1pPr>
+          </a:lstStyle>
+          <a:p>
+            <a:pPr lvl="0"/>
+            <a:r>
+              <a:rPr lang="cs-CZ"/>
+              <a:t>Name</a:t>
+            </a:r>
+          </a:p>
+        </p:txBody>
+      </p:sp>
+      <p:sp>
+        <p:nvSpPr>
+          <p:cNvPr id="13" name="Zástupný text 11">
+            <a:extLst>
+              <a:ext uri="{FF2B5EF4-FFF2-40B4-BE49-F238E27FC236}">
+                <a16:creationId xmlns:a16="http://schemas.microsoft.com/office/drawing/2014/main" id="{966569C8-862A-4685-AF99-952DCD94ADE3}"/>
+              </a:ext>
+            </a:extLst>
+          </p:cNvPr>
+          <p:cNvSpPr>
+            <a:spLocks noGrp="1"/>
+          </p:cNvSpPr>
+          <p:nvPr>
+            <p:ph type="body" sz="quarter" idx="15" hasCustomPrompt="1"/>
+          </p:nvPr>
+        </p:nvSpPr>
+        <p:spPr>
+          <a:xfrm>
+            <a:off x="838200" y="5334226"/>
+            <a:ext cx="5425313" cy="838233"/>
+          </a:xfrm>
+        </p:spPr>
+        <p:txBody>
+          <a:bodyPr anchor="t">
+            <a:normAutofit/>
+          </a:bodyPr>
+          <a:lstStyle>
+            <a:lvl1pPr marL="0" indent="0">
+              <a:buNone/>
+              <a:defRPr sz="2000">
+                <a:solidFill>
+                  <a:schemeClr val="bg1">
+                    <a:lumMod val="85000"/>
+                  </a:schemeClr>
+                </a:solidFill>
+                <a:latin typeface="+mn-lt"/>
+              </a:defRPr>
+            </a:lvl1pPr>
+          </a:lstStyle>
+          <a:p>
+            <a:pPr marL="0" marR="0" lvl="0" indent="0" algn="l" defTabSz="914400" rtl="0" eaLnBrk="1" fontAlgn="auto" latinLnBrk="0" hangingPunct="1">
+              <a:lnSpc>
+                <a:spcPct val="90000"/>
+              </a:lnSpc>
+              <a:spcBef>
+                <a:spcPts val="1000"/>
+              </a:spcBef>
+              <a:spcAft>
+                <a:spcPts val="0"/>
+              </a:spcAft>
+              <a:buClr>
+                <a:srgbClr val="1E2774"/>
+              </a:buClr>
+              <a:buSzTx/>
+              <a:buFont typeface="Arial" panose="020B0604020202020204" pitchFamily="34" charset="0"/>
+              <a:buNone/>
+              <a:tabLst/>
+              <a:defRPr/>
+            </a:pPr>
+            <a:r>
+              <a:rPr lang="en-US"/>
+              <a:t>Job title, Company</a:t>
+            </a:r>
+            <a:endParaRPr lang="cs-CZ"/>
+          </a:p>
+        </p:txBody>
+      </p:sp>
+      <p:sp>
+        <p:nvSpPr>
+          <p:cNvPr id="11" name="Zástupný text 10">
+            <a:extLst>
+              <a:ext uri="{FF2B5EF4-FFF2-40B4-BE49-F238E27FC236}">
+                <a16:creationId xmlns:a16="http://schemas.microsoft.com/office/drawing/2014/main" id="{AD69D3F0-602C-E074-5180-B4AF8F42B79E}"/>
+              </a:ext>
+            </a:extLst>
+          </p:cNvPr>
+          <p:cNvSpPr>
+            <a:spLocks noGrp="1"/>
+          </p:cNvSpPr>
+          <p:nvPr>
+            <p:ph type="body" sz="quarter" idx="18" hasCustomPrompt="1"/>
+          </p:nvPr>
+        </p:nvSpPr>
+        <p:spPr>
+          <a:xfrm>
+            <a:off x="838200" y="3187875"/>
+            <a:ext cx="5429250" cy="711200"/>
+          </a:xfrm>
+          <a:noFill/>
+          <a:ln>
+            <a:noFill/>
+          </a:ln>
+        </p:spPr>
+        <p:txBody>
+          <a:bodyPr/>
+          <a:lstStyle>
+            <a:lvl1pPr marL="0" indent="0">
+              <a:buNone/>
+              <a:defRPr>
+                <a:ln>
+                  <a:solidFill>
+                    <a:schemeClr val="bg1"/>
+                  </a:solidFill>
+                </a:ln>
+                <a:solidFill>
+                  <a:schemeClr val="bg1"/>
+                </a:solidFill>
+                <a:latin typeface="+mn-lt"/>
+              </a:defRPr>
+            </a:lvl1pPr>
+          </a:lstStyle>
+          <a:p>
+            <a:pPr lvl="0"/>
+            <a:r>
+              <a:rPr lang="cs-CZ" err="1"/>
+              <a:t>Lorem</a:t>
+            </a:r>
+            <a:r>
+              <a:rPr lang="cs-CZ"/>
+              <a:t> </a:t>
+            </a:r>
+            <a:r>
+              <a:rPr lang="cs-CZ" err="1"/>
+              <a:t>Ipsum</a:t>
+            </a:r>
+            <a:endParaRPr lang="cs-CZ"/>
+          </a:p>
+        </p:txBody>
+      </p:sp>
+      <p:pic>
+        <p:nvPicPr>
+          <p:cNvPr id="6" name="Obrázek 5" descr="Obsah obrázku Písmo, text, Grafika, logo&#10;&#10;Obsah generovaný pomocí AI může být nesprávný.">
+            <a:extLst>
+              <a:ext uri="{FF2B5EF4-FFF2-40B4-BE49-F238E27FC236}">
+                <a16:creationId xmlns:a16="http://schemas.microsoft.com/office/drawing/2014/main" id="{0093702B-626F-EAF1-1B91-2B226ECA6D7B}"/>
+              </a:ext>
+            </a:extLst>
+          </p:cNvPr>
+          <p:cNvPicPr>
+            <a:picLocks noChangeAspect="1"/>
+          </p:cNvPicPr>
+          <p:nvPr userDrawn="1"/>
+        </p:nvPicPr>
+        <p:blipFill>
+          <a:blip r:embed="rId3">
+            <a:extLst>
+              <a:ext uri="{28A0092B-C50C-407E-A947-70E740481C1C}">
+                <a14:useLocalDpi xmlns:a14="http://schemas.microsoft.com/office/drawing/2010/main" val="0"/>
+              </a:ext>
+            </a:extLst>
+          </a:blip>
+          <a:stretch>
+            <a:fillRect/>
+          </a:stretch>
+        </p:blipFill>
+        <p:spPr>
+          <a:xfrm>
+            <a:off x="942488" y="961323"/>
+            <a:ext cx="3183742" cy="591165"/>
+          </a:xfrm>
+          <a:prstGeom prst="rect">
+            <a:avLst/>
+          </a:prstGeom>
+        </p:spPr>
+      </p:pic>
+    </p:spTree>
+    <p:extLst>
+      <p:ext uri="{BB962C8B-B14F-4D97-AF65-F5344CB8AC3E}">
+        <p14:creationId xmlns:p14="http://schemas.microsoft.com/office/powerpoint/2010/main" val="616051393"/>
+      </p:ext>
+    </p:extLst>
+  </p:cSld>
+  <p:clrMapOvr>
+    <a:overrideClrMapping bg1="lt1" tx1="dk1" bg2="lt2" tx2="dk2" accent1="accent1" accent2="accent2" accent3="accent3" accent4="accent4" accent5="accent5" accent6="accent6" hlink="hlink" folHlink="folHlink"/>
+  </p:clrMapOvr>
+</p:sldLayout>
+</file>
+
+<file path=ppt/slideLayouts/slideLayout15.xml><?xml version="1.0" encoding="utf-8"?>
+<p:sldLayout xmlns:a="http://schemas.openxmlformats.org/drawingml/2006/main" xmlns:r="http://schemas.openxmlformats.org/officeDocument/2006/relationships" xmlns:p="http://schemas.openxmlformats.org/presentationml/2006/main" preserve="1" userDrawn="1">
+  <p:cSld name="1_Content-slide">
+    <p:spTree>
+      <p:nvGrpSpPr>
+        <p:cNvPr id="1" name=""/>
+        <p:cNvGrpSpPr/>
+        <p:nvPr/>
+      </p:nvGrpSpPr>
+      <p:grpSpPr>
+        <a:xfrm>
+          <a:off x="0" y="0"/>
+          <a:ext cx="0" cy="0"/>
+          <a:chOff x="0" y="0"/>
+          <a:chExt cx="0" cy="0"/>
+        </a:xfrm>
+      </p:grpSpPr>
+      <p:pic>
+        <p:nvPicPr>
+          <p:cNvPr id="12" name="Obrázek 11" descr="Obsah obrázku mrakodrap, budova, mlha&#10;&#10;Popis byl vytvořen automaticky">
+            <a:extLst>
+              <a:ext uri="{FF2B5EF4-FFF2-40B4-BE49-F238E27FC236}">
+                <a16:creationId xmlns:a16="http://schemas.microsoft.com/office/drawing/2014/main" id="{DF27DB7E-159D-BF57-82CE-D268F4CBB378}"/>
+              </a:ext>
+            </a:extLst>
+          </p:cNvPr>
+          <p:cNvPicPr>
+            <a:picLocks noChangeAspect="1"/>
+          </p:cNvPicPr>
+          <p:nvPr userDrawn="1"/>
+        </p:nvPicPr>
+        <p:blipFill>
+          <a:blip r:embed="rId2">
+            <a:extLst>
+              <a:ext uri="{28A0092B-C50C-407E-A947-70E740481C1C}">
+                <a14:useLocalDpi xmlns:a14="http://schemas.microsoft.com/office/drawing/2010/main" val="0"/>
+              </a:ext>
+            </a:extLst>
+          </a:blip>
+          <a:stretch>
+            <a:fillRect/>
+          </a:stretch>
+        </p:blipFill>
+        <p:spPr>
+          <a:xfrm>
+            <a:off x="0" y="0"/>
+            <a:ext cx="12192000" cy="6858000"/>
+          </a:xfrm>
+          <a:prstGeom prst="rect">
+            <a:avLst/>
+          </a:prstGeom>
+        </p:spPr>
+      </p:pic>
+      <p:sp>
+        <p:nvSpPr>
+          <p:cNvPr id="2" name="Nadpis 1">
+            <a:extLst>
+              <a:ext uri="{FF2B5EF4-FFF2-40B4-BE49-F238E27FC236}">
+                <a16:creationId xmlns:a16="http://schemas.microsoft.com/office/drawing/2014/main" id="{4B64A33A-BCE6-454E-A148-C2BC6C5F59A2}"/>
+              </a:ext>
+            </a:extLst>
+          </p:cNvPr>
+          <p:cNvSpPr>
+            <a:spLocks noGrp="1"/>
+          </p:cNvSpPr>
+          <p:nvPr>
+            <p:ph type="title" hasCustomPrompt="1"/>
+          </p:nvPr>
+        </p:nvSpPr>
+        <p:spPr/>
+        <p:txBody>
+          <a:bodyPr numCol="1"/>
+          <a:lstStyle>
+            <a:lvl1pPr algn="ctr">
+              <a:defRPr>
+                <a:solidFill>
+                  <a:schemeClr val="tx1"/>
+                </a:solidFill>
+                <a:latin typeface="+mj-lt"/>
+                <a:cs typeface="Segoe UI Semibold" panose="020B0702040204020203" pitchFamily="34" charset="0"/>
+              </a:defRPr>
+            </a:lvl1pPr>
+          </a:lstStyle>
+          <a:p>
+            <a:r>
+              <a:rPr lang="en-US"/>
+              <a:t>Title</a:t>
+            </a:r>
+            <a:endParaRPr lang="cs-CZ"/>
+          </a:p>
+        </p:txBody>
+      </p:sp>
+      <p:sp>
+        <p:nvSpPr>
+          <p:cNvPr id="3" name="Zástupný symbol pro datum 1">
+            <a:extLst>
+              <a:ext uri="{FF2B5EF4-FFF2-40B4-BE49-F238E27FC236}">
+                <a16:creationId xmlns:a16="http://schemas.microsoft.com/office/drawing/2014/main" id="{C3CAC533-5FD2-BB4A-6849-7EA7B648BDC8}"/>
+              </a:ext>
+            </a:extLst>
+          </p:cNvPr>
+          <p:cNvSpPr>
+            <a:spLocks noGrp="1"/>
+          </p:cNvSpPr>
+          <p:nvPr>
+            <p:ph type="dt" sz="half" idx="10"/>
+          </p:nvPr>
+        </p:nvSpPr>
+        <p:spPr>
+          <a:xfrm>
+            <a:off x="908050" y="6197600"/>
+            <a:ext cx="2743200" cy="365125"/>
+          </a:xfrm>
+        </p:spPr>
+        <p:txBody>
+          <a:bodyPr/>
+          <a:lstStyle/>
+          <a:p>
+            <a:fld id="{92357268-C79A-4225-9F2D-63360B661E37}" type="datetimeFigureOut">
+              <a:rPr lang="cs-CZ" smtClean="0"/>
+              <a:t>13.11.2025</a:t>
+            </a:fld>
+            <a:endParaRPr lang="cs-CZ"/>
+          </a:p>
+        </p:txBody>
+      </p:sp>
+      <p:sp>
+        <p:nvSpPr>
+          <p:cNvPr id="8" name="Zástupný symbol pro zápatí 2">
+            <a:extLst>
+              <a:ext uri="{FF2B5EF4-FFF2-40B4-BE49-F238E27FC236}">
+                <a16:creationId xmlns:a16="http://schemas.microsoft.com/office/drawing/2014/main" id="{270FF8D9-8840-98F0-F351-4DA76880F276}"/>
+              </a:ext>
+            </a:extLst>
+          </p:cNvPr>
+          <p:cNvSpPr>
+            <a:spLocks noGrp="1"/>
+          </p:cNvSpPr>
+          <p:nvPr>
+            <p:ph type="ftr" sz="quarter" idx="11"/>
+          </p:nvPr>
+        </p:nvSpPr>
+        <p:spPr>
+          <a:xfrm>
+            <a:off x="4108450" y="6197600"/>
+            <a:ext cx="4114800" cy="365125"/>
+          </a:xfrm>
+        </p:spPr>
+        <p:txBody>
+          <a:bodyPr/>
+          <a:lstStyle/>
+          <a:p>
+            <a:endParaRPr lang="cs-CZ"/>
+          </a:p>
+        </p:txBody>
+      </p:sp>
+      <p:sp>
+        <p:nvSpPr>
+          <p:cNvPr id="6" name="Zástupný text 5">
+            <a:extLst>
+              <a:ext uri="{FF2B5EF4-FFF2-40B4-BE49-F238E27FC236}">
+                <a16:creationId xmlns:a16="http://schemas.microsoft.com/office/drawing/2014/main" id="{2D3F1DB4-97D2-592E-66A0-ED7D5F9C5963}"/>
+              </a:ext>
+            </a:extLst>
+          </p:cNvPr>
+          <p:cNvSpPr>
+            <a:spLocks noGrp="1"/>
+          </p:cNvSpPr>
+          <p:nvPr>
+            <p:ph type="body" sz="quarter" idx="15" hasCustomPrompt="1"/>
+          </p:nvPr>
+        </p:nvSpPr>
+        <p:spPr>
+          <a:xfrm>
+            <a:off x="838199" y="1887538"/>
+            <a:ext cx="10515600" cy="3954462"/>
+          </a:xfrm>
+        </p:spPr>
+        <p:txBody>
+          <a:bodyPr/>
+          <a:lstStyle>
+            <a:lvl1pPr>
+              <a:buClr>
+                <a:srgbClr val="FDAD00"/>
+              </a:buClr>
+              <a:defRPr>
+                <a:latin typeface="+mn-lt"/>
+              </a:defRPr>
+            </a:lvl1pPr>
+          </a:lstStyle>
+          <a:p>
+            <a:pPr lvl="0"/>
+            <a:r>
+              <a:rPr lang="cs-CZ"/>
+              <a:t>Text</a:t>
+            </a:r>
+          </a:p>
+        </p:txBody>
+      </p:sp>
+    </p:spTree>
+    <p:extLst>
+      <p:ext uri="{BB962C8B-B14F-4D97-AF65-F5344CB8AC3E}">
+        <p14:creationId xmlns:p14="http://schemas.microsoft.com/office/powerpoint/2010/main" val="259462436"/>
+      </p:ext>
+    </p:extLst>
+  </p:cSld>
+  <p:clrMapOvr>
+    <a:masterClrMapping/>
+  </p:clrMapOvr>
+</p:sldLayout>
+</file>
+
+<file path=ppt/slideLayouts/slideLayout16.xml><?xml version="1.0" encoding="utf-8"?>
+<p:sldLayout xmlns:a="http://schemas.openxmlformats.org/drawingml/2006/main" xmlns:r="http://schemas.openxmlformats.org/officeDocument/2006/relationships" xmlns:p="http://schemas.openxmlformats.org/presentationml/2006/main" preserve="1" userDrawn="1">
+  <p:cSld name="Code-or-diagram-slide">
+    <p:spTree>
+      <p:nvGrpSpPr>
+        <p:cNvPr id="1" name=""/>
+        <p:cNvGrpSpPr/>
+        <p:nvPr/>
+      </p:nvGrpSpPr>
+      <p:grpSpPr>
+        <a:xfrm>
+          <a:off x="0" y="0"/>
+          <a:ext cx="0" cy="0"/>
+          <a:chOff x="0" y="0"/>
+          <a:chExt cx="0" cy="0"/>
+        </a:xfrm>
+      </p:grpSpPr>
+      <p:pic>
+        <p:nvPicPr>
+          <p:cNvPr id="8" name="Obrázek 7" descr="Obsah obrázku skica, bílé, design&#10;&#10;Popis byl vytvořen automaticky">
+            <a:extLst>
+              <a:ext uri="{FF2B5EF4-FFF2-40B4-BE49-F238E27FC236}">
+                <a16:creationId xmlns:a16="http://schemas.microsoft.com/office/drawing/2014/main" id="{526EC7E6-FF2F-401E-2AD3-3890CEBA8151}"/>
+              </a:ext>
+            </a:extLst>
+          </p:cNvPr>
+          <p:cNvPicPr>
+            <a:picLocks noChangeAspect="1"/>
+          </p:cNvPicPr>
+          <p:nvPr userDrawn="1"/>
+        </p:nvPicPr>
+        <p:blipFill>
+          <a:blip r:embed="rId2">
+            <a:extLst>
+              <a:ext uri="{28A0092B-C50C-407E-A947-70E740481C1C}">
+                <a14:useLocalDpi xmlns:a14="http://schemas.microsoft.com/office/drawing/2010/main" val="0"/>
+              </a:ext>
+            </a:extLst>
+          </a:blip>
+          <a:stretch>
+            <a:fillRect/>
+          </a:stretch>
+        </p:blipFill>
+        <p:spPr>
+          <a:xfrm>
+            <a:off x="0" y="0"/>
+            <a:ext cx="12192000" cy="6858000"/>
+          </a:xfrm>
+          <a:prstGeom prst="rect">
+            <a:avLst/>
+          </a:prstGeom>
+        </p:spPr>
+      </p:pic>
+      <p:sp>
+        <p:nvSpPr>
+          <p:cNvPr id="3" name="Zástupný symbol pro datum 1">
+            <a:extLst>
+              <a:ext uri="{FF2B5EF4-FFF2-40B4-BE49-F238E27FC236}">
+                <a16:creationId xmlns:a16="http://schemas.microsoft.com/office/drawing/2014/main" id="{E9B5E37A-947A-22C0-1431-A92CEFAC7F7A}"/>
+              </a:ext>
+            </a:extLst>
+          </p:cNvPr>
+          <p:cNvSpPr>
+            <a:spLocks noGrp="1"/>
+          </p:cNvSpPr>
+          <p:nvPr>
+            <p:ph type="dt" sz="half" idx="10"/>
+          </p:nvPr>
+        </p:nvSpPr>
+        <p:spPr>
+          <a:xfrm>
+            <a:off x="908050" y="6197600"/>
+            <a:ext cx="2743200" cy="365125"/>
+          </a:xfrm>
+        </p:spPr>
+        <p:txBody>
+          <a:bodyPr/>
+          <a:lstStyle/>
+          <a:p>
+            <a:fld id="{92357268-C79A-4225-9F2D-63360B661E37}" type="datetimeFigureOut">
+              <a:rPr lang="cs-CZ" smtClean="0"/>
+              <a:t>13.11.2025</a:t>
+            </a:fld>
+            <a:endParaRPr lang="cs-CZ"/>
+          </a:p>
+        </p:txBody>
+      </p:sp>
+      <p:sp>
+        <p:nvSpPr>
+          <p:cNvPr id="7" name="Zástupný symbol pro zápatí 2">
+            <a:extLst>
+              <a:ext uri="{FF2B5EF4-FFF2-40B4-BE49-F238E27FC236}">
+                <a16:creationId xmlns:a16="http://schemas.microsoft.com/office/drawing/2014/main" id="{8EFD9B21-E695-CBBF-CA14-F26A4F13DAB2}"/>
+              </a:ext>
+            </a:extLst>
+          </p:cNvPr>
+          <p:cNvSpPr>
+            <a:spLocks noGrp="1"/>
+          </p:cNvSpPr>
+          <p:nvPr>
+            <p:ph type="ftr" sz="quarter" idx="11"/>
+          </p:nvPr>
+        </p:nvSpPr>
+        <p:spPr>
+          <a:xfrm>
+            <a:off x="4108450" y="6197600"/>
+            <a:ext cx="4114800" cy="365125"/>
+          </a:xfrm>
+        </p:spPr>
+        <p:txBody>
+          <a:bodyPr/>
+          <a:lstStyle/>
+          <a:p>
+            <a:endParaRPr lang="cs-CZ"/>
+          </a:p>
+        </p:txBody>
+      </p:sp>
+      <p:sp>
+        <p:nvSpPr>
+          <p:cNvPr id="10" name="Nadpis 1">
+            <a:extLst>
+              <a:ext uri="{FF2B5EF4-FFF2-40B4-BE49-F238E27FC236}">
+                <a16:creationId xmlns:a16="http://schemas.microsoft.com/office/drawing/2014/main" id="{A88B239D-B7EB-C7D0-4548-2B5B5FBAF5E3}"/>
+              </a:ext>
+            </a:extLst>
+          </p:cNvPr>
+          <p:cNvSpPr>
+            <a:spLocks noGrp="1"/>
+          </p:cNvSpPr>
+          <p:nvPr>
+            <p:ph type="title" hasCustomPrompt="1"/>
+          </p:nvPr>
+        </p:nvSpPr>
+        <p:spPr>
+          <a:xfrm>
+            <a:off x="838200" y="365125"/>
+            <a:ext cx="10515600" cy="1325563"/>
+          </a:xfrm>
+        </p:spPr>
+        <p:txBody>
+          <a:bodyPr numCol="1"/>
+          <a:lstStyle>
+            <a:lvl1pPr algn="ctr">
+              <a:defRPr>
+                <a:solidFill>
+                  <a:srgbClr val="2C2E35"/>
+                </a:solidFill>
+                <a:latin typeface="+mj-lt"/>
+                <a:cs typeface="Segoe UI Semibold" panose="020B0702040204020203" pitchFamily="34" charset="0"/>
+              </a:defRPr>
+            </a:lvl1pPr>
+          </a:lstStyle>
+          <a:p>
+            <a:r>
+              <a:rPr lang="en-US"/>
+              <a:t>Title</a:t>
+            </a:r>
+            <a:endParaRPr lang="cs-CZ"/>
+          </a:p>
+        </p:txBody>
+      </p:sp>
+      <p:sp>
+        <p:nvSpPr>
+          <p:cNvPr id="12" name="Zástupný obsah 7">
+            <a:extLst>
+              <a:ext uri="{FF2B5EF4-FFF2-40B4-BE49-F238E27FC236}">
+                <a16:creationId xmlns:a16="http://schemas.microsoft.com/office/drawing/2014/main" id="{55BBEDAF-0E04-144C-A500-9EEE91B030BD}"/>
+              </a:ext>
+            </a:extLst>
+          </p:cNvPr>
+          <p:cNvSpPr>
+            <a:spLocks noGrp="1"/>
+          </p:cNvSpPr>
+          <p:nvPr>
+            <p:ph sz="quarter" idx="13" hasCustomPrompt="1"/>
+          </p:nvPr>
+        </p:nvSpPr>
+        <p:spPr>
+          <a:xfrm>
+            <a:off x="838200" y="1912690"/>
+            <a:ext cx="10515600" cy="3921182"/>
+          </a:xfrm>
+        </p:spPr>
+        <p:txBody>
+          <a:bodyPr>
+            <a:normAutofit/>
+          </a:bodyPr>
+          <a:lstStyle>
+            <a:lvl1pPr marL="0" indent="0">
+              <a:buClr>
+                <a:srgbClr val="5D93DD"/>
+              </a:buClr>
+              <a:buNone/>
+              <a:defRPr sz="2800">
+                <a:solidFill>
+                  <a:srgbClr val="2C2E35"/>
+                </a:solidFill>
+                <a:latin typeface="+mn-lt"/>
+              </a:defRPr>
+            </a:lvl1pPr>
+            <a:lvl2pPr marL="457200" indent="0">
+              <a:buNone/>
+              <a:defRPr/>
+            </a:lvl2pPr>
+          </a:lstStyle>
+          <a:p>
+            <a:pPr lvl="0"/>
+            <a:r>
+              <a:rPr lang="en-US"/>
+              <a:t>Object</a:t>
+            </a:r>
+            <a:endParaRPr lang="cs-CZ"/>
+          </a:p>
+        </p:txBody>
+      </p:sp>
+    </p:spTree>
+    <p:extLst>
+      <p:ext uri="{BB962C8B-B14F-4D97-AF65-F5344CB8AC3E}">
+        <p14:creationId xmlns:p14="http://schemas.microsoft.com/office/powerpoint/2010/main" val="3897106014"/>
+      </p:ext>
+    </p:extLst>
+  </p:cSld>
+  <p:clrMapOvr>
+    <a:masterClrMapping/>
+  </p:clrMapOvr>
+</p:sldLayout>
+</file>
+
+<file path=ppt/slideLayouts/slideLayout17.xml><?xml version="1.0" encoding="utf-8"?>
+<p:sldLayout xmlns:a="http://schemas.openxmlformats.org/drawingml/2006/main" xmlns:r="http://schemas.openxmlformats.org/officeDocument/2006/relationships" xmlns:p="http://schemas.openxmlformats.org/presentationml/2006/main" type="blank" preserve="1">
+  <p:cSld name="Picture-slide">
+    <p:spTree>
+      <p:nvGrpSpPr>
+        <p:cNvPr id="1" name=""/>
+        <p:cNvGrpSpPr/>
+        <p:nvPr/>
+      </p:nvGrpSpPr>
+      <p:grpSpPr>
+        <a:xfrm>
+          <a:off x="0" y="0"/>
+          <a:ext cx="0" cy="0"/>
+          <a:chOff x="0" y="0"/>
+          <a:chExt cx="0" cy="0"/>
+        </a:xfrm>
+      </p:grpSpPr>
+      <p:sp>
+        <p:nvSpPr>
+          <p:cNvPr id="5" name="Zástupný symbol pro datum 1">
+            <a:extLst>
+              <a:ext uri="{FF2B5EF4-FFF2-40B4-BE49-F238E27FC236}">
+                <a16:creationId xmlns:a16="http://schemas.microsoft.com/office/drawing/2014/main" id="{BE5B7837-A4FD-33FA-6CE9-DCBAFB41A8FC}"/>
+              </a:ext>
+            </a:extLst>
+          </p:cNvPr>
+          <p:cNvSpPr>
+            <a:spLocks noGrp="1"/>
+          </p:cNvSpPr>
+          <p:nvPr>
+            <p:ph type="dt" sz="half" idx="10"/>
+          </p:nvPr>
+        </p:nvSpPr>
+        <p:spPr>
+          <a:xfrm>
+            <a:off x="908050" y="6197600"/>
+            <a:ext cx="2743200" cy="365125"/>
+          </a:xfrm>
+        </p:spPr>
+        <p:txBody>
+          <a:bodyPr/>
+          <a:lstStyle/>
+          <a:p>
+            <a:fld id="{92357268-C79A-4225-9F2D-63360B661E37}" type="datetimeFigureOut">
+              <a:rPr lang="cs-CZ" smtClean="0"/>
+              <a:t>13.11.2025</a:t>
+            </a:fld>
+            <a:endParaRPr lang="cs-CZ"/>
+          </a:p>
+        </p:txBody>
+      </p:sp>
+      <p:sp>
+        <p:nvSpPr>
+          <p:cNvPr id="6" name="Zástupný symbol pro zápatí 2">
+            <a:extLst>
+              <a:ext uri="{FF2B5EF4-FFF2-40B4-BE49-F238E27FC236}">
+                <a16:creationId xmlns:a16="http://schemas.microsoft.com/office/drawing/2014/main" id="{DDC60AF0-00E4-3F07-6639-E5938D4367D5}"/>
+              </a:ext>
+            </a:extLst>
+          </p:cNvPr>
+          <p:cNvSpPr>
+            <a:spLocks noGrp="1"/>
+          </p:cNvSpPr>
+          <p:nvPr>
+            <p:ph type="ftr" sz="quarter" idx="11"/>
+          </p:nvPr>
+        </p:nvSpPr>
+        <p:spPr>
+          <a:xfrm>
+            <a:off x="4108450" y="6197600"/>
+            <a:ext cx="4114800" cy="365125"/>
+          </a:xfrm>
+        </p:spPr>
+        <p:txBody>
+          <a:bodyPr/>
+          <a:lstStyle/>
+          <a:p>
+            <a:endParaRPr lang="cs-CZ"/>
+          </a:p>
+        </p:txBody>
+      </p:sp>
+    </p:spTree>
+    <p:extLst>
+      <p:ext uri="{BB962C8B-B14F-4D97-AF65-F5344CB8AC3E}">
+        <p14:creationId xmlns:p14="http://schemas.microsoft.com/office/powerpoint/2010/main" val="3677399418"/>
+      </p:ext>
+    </p:extLst>
+  </p:cSld>
+  <p:clrMapOvr>
+    <a:masterClrMapping/>
+  </p:clrMapOvr>
+</p:sldLayout>
+</file>
+
+<file path=ppt/slideLayouts/slideLayout18.xml><?xml version="1.0" encoding="utf-8"?>
+<p:sldLayout xmlns:a="http://schemas.openxmlformats.org/drawingml/2006/main" xmlns:r="http://schemas.openxmlformats.org/officeDocument/2006/relationships" xmlns:p="http://schemas.openxmlformats.org/presentationml/2006/main" preserve="1" userDrawn="1">
+  <p:cSld name="3_Picture-slide">
+    <p:spTree>
+      <p:nvGrpSpPr>
+        <p:cNvPr id="1" name=""/>
+        <p:cNvGrpSpPr/>
+        <p:nvPr/>
+      </p:nvGrpSpPr>
+      <p:grpSpPr>
+        <a:xfrm>
+          <a:off x="0" y="0"/>
+          <a:ext cx="0" cy="0"/>
+          <a:chOff x="0" y="0"/>
+          <a:chExt cx="0" cy="0"/>
+        </a:xfrm>
+      </p:grpSpPr>
+      <p:sp>
+        <p:nvSpPr>
+          <p:cNvPr id="7" name="Zástupný symbol pro datum 1">
+            <a:extLst>
+              <a:ext uri="{FF2B5EF4-FFF2-40B4-BE49-F238E27FC236}">
+                <a16:creationId xmlns:a16="http://schemas.microsoft.com/office/drawing/2014/main" id="{B9859F0D-D970-E062-4FE9-E31D7A4B88F6}"/>
+              </a:ext>
+            </a:extLst>
+          </p:cNvPr>
+          <p:cNvSpPr>
+            <a:spLocks noGrp="1"/>
+          </p:cNvSpPr>
+          <p:nvPr>
+            <p:ph type="dt" sz="half" idx="10"/>
+          </p:nvPr>
+        </p:nvSpPr>
+        <p:spPr>
+          <a:xfrm>
+            <a:off x="908050" y="6197600"/>
+            <a:ext cx="2743200" cy="365125"/>
+          </a:xfrm>
+        </p:spPr>
+        <p:txBody>
+          <a:bodyPr/>
+          <a:lstStyle/>
+          <a:p>
+            <a:fld id="{92357268-C79A-4225-9F2D-63360B661E37}" type="datetimeFigureOut">
+              <a:rPr lang="cs-CZ" smtClean="0"/>
+              <a:t>13.11.2025</a:t>
+            </a:fld>
+            <a:endParaRPr lang="cs-CZ"/>
+          </a:p>
+        </p:txBody>
+      </p:sp>
+      <p:sp>
+        <p:nvSpPr>
+          <p:cNvPr id="8" name="Zástupný symbol pro zápatí 2">
+            <a:extLst>
+              <a:ext uri="{FF2B5EF4-FFF2-40B4-BE49-F238E27FC236}">
+                <a16:creationId xmlns:a16="http://schemas.microsoft.com/office/drawing/2014/main" id="{7C622EA0-FB28-E9D0-80C1-2E36FE081F64}"/>
+              </a:ext>
+            </a:extLst>
+          </p:cNvPr>
+          <p:cNvSpPr>
+            <a:spLocks noGrp="1"/>
+          </p:cNvSpPr>
+          <p:nvPr>
+            <p:ph type="ftr" sz="quarter" idx="11"/>
+          </p:nvPr>
+        </p:nvSpPr>
+        <p:spPr>
+          <a:xfrm>
+            <a:off x="4108450" y="6197600"/>
+            <a:ext cx="4114800" cy="365125"/>
+          </a:xfrm>
+        </p:spPr>
+        <p:txBody>
+          <a:bodyPr/>
+          <a:lstStyle/>
+          <a:p>
+            <a:endParaRPr lang="cs-CZ"/>
+          </a:p>
+        </p:txBody>
+      </p:sp>
+      <p:sp>
+        <p:nvSpPr>
+          <p:cNvPr id="2" name="Zástupný text 2">
+            <a:extLst>
+              <a:ext uri="{FF2B5EF4-FFF2-40B4-BE49-F238E27FC236}">
+                <a16:creationId xmlns:a16="http://schemas.microsoft.com/office/drawing/2014/main" id="{67335623-491D-E2B1-17CC-5590AD3263D2}"/>
+              </a:ext>
+            </a:extLst>
+          </p:cNvPr>
+          <p:cNvSpPr>
+            <a:spLocks noGrp="1"/>
+          </p:cNvSpPr>
+          <p:nvPr>
+            <p:ph type="body" sz="quarter" idx="13" hasCustomPrompt="1"/>
+          </p:nvPr>
+        </p:nvSpPr>
+        <p:spPr>
+          <a:xfrm>
+            <a:off x="3453606" y="3102769"/>
+            <a:ext cx="5284787" cy="652462"/>
+          </a:xfrm>
+        </p:spPr>
+        <p:txBody>
+          <a:bodyPr>
+            <a:normAutofit/>
+          </a:bodyPr>
+          <a:lstStyle>
+            <a:lvl1pPr marL="0" indent="0" algn="ctr">
+              <a:buNone/>
+              <a:defRPr sz="4400">
+                <a:ln>
+                  <a:solidFill>
+                    <a:schemeClr val="bg1"/>
+                  </a:solidFill>
+                </a:ln>
+                <a:solidFill>
+                  <a:srgbClr val="2C2E35"/>
+                </a:solidFill>
+                <a:latin typeface="+mj-lt"/>
+              </a:defRPr>
+            </a:lvl1pPr>
+          </a:lstStyle>
+          <a:p>
+            <a:pPr lvl="0"/>
+            <a:r>
+              <a:rPr lang="cs-CZ" err="1"/>
+              <a:t>Lorem</a:t>
+            </a:r>
+            <a:r>
+              <a:rPr lang="cs-CZ"/>
+              <a:t> </a:t>
+            </a:r>
+            <a:r>
+              <a:rPr lang="cs-CZ" err="1"/>
+              <a:t>Ipsum</a:t>
+            </a:r>
+            <a:r>
+              <a:rPr lang="cs-CZ"/>
+              <a:t> </a:t>
+            </a:r>
+            <a:r>
+              <a:rPr lang="cs-CZ" err="1"/>
+              <a:t>Dolor</a:t>
+            </a:r>
+            <a:endParaRPr lang="cs-CZ"/>
+          </a:p>
+        </p:txBody>
+      </p:sp>
+    </p:spTree>
+    <p:extLst>
+      <p:ext uri="{BB962C8B-B14F-4D97-AF65-F5344CB8AC3E}">
+        <p14:creationId xmlns:p14="http://schemas.microsoft.com/office/powerpoint/2010/main" val="314267338"/>
+      </p:ext>
+    </p:extLst>
+  </p:cSld>
+  <p:clrMapOvr>
+    <a:masterClrMapping/>
+  </p:clrMapOvr>
+</p:sldLayout>
+</file>
+
+<file path=ppt/slideLayouts/slideLayout19.xml><?xml version="1.0" encoding="utf-8"?>
+<p:sldLayout xmlns:a="http://schemas.openxmlformats.org/drawingml/2006/main" xmlns:r="http://schemas.openxmlformats.org/officeDocument/2006/relationships" xmlns:p="http://schemas.openxmlformats.org/presentationml/2006/main" preserve="1" userDrawn="1">
+  <p:cSld name="4_Picture-slide">
+    <p:bg>
+      <p:bgPr>
+        <a:solidFill>
+          <a:srgbClr val="FDAD00"/>
+        </a:solidFill>
+        <a:effectLst/>
+      </p:bgPr>
+    </p:bg>
+    <p:spTree>
+      <p:nvGrpSpPr>
+        <p:cNvPr id="1" name=""/>
+        <p:cNvGrpSpPr/>
+        <p:nvPr/>
+      </p:nvGrpSpPr>
+      <p:grpSpPr>
+        <a:xfrm>
+          <a:off x="0" y="0"/>
+          <a:ext cx="0" cy="0"/>
+          <a:chOff x="0" y="0"/>
+          <a:chExt cx="0" cy="0"/>
+        </a:xfrm>
+      </p:grpSpPr>
+      <p:sp>
+        <p:nvSpPr>
+          <p:cNvPr id="5" name="Zástupný symbol pro datum 1">
+            <a:extLst>
+              <a:ext uri="{FF2B5EF4-FFF2-40B4-BE49-F238E27FC236}">
+                <a16:creationId xmlns:a16="http://schemas.microsoft.com/office/drawing/2014/main" id="{54CD9274-DFA2-6DDC-2F73-9C28E35B477A}"/>
+              </a:ext>
+            </a:extLst>
+          </p:cNvPr>
+          <p:cNvSpPr>
+            <a:spLocks noGrp="1"/>
+          </p:cNvSpPr>
+          <p:nvPr>
+            <p:ph type="dt" sz="half" idx="10"/>
+          </p:nvPr>
+        </p:nvSpPr>
+        <p:spPr>
+          <a:xfrm>
+            <a:off x="908050" y="6197600"/>
+            <a:ext cx="2743200" cy="365125"/>
+          </a:xfrm>
+        </p:spPr>
+        <p:txBody>
+          <a:bodyPr/>
+          <a:lstStyle>
+            <a:lvl1pPr>
+              <a:defRPr>
+                <a:solidFill>
+                  <a:schemeClr val="bg1">
+                    <a:lumMod val="50000"/>
+                    <a:lumOff val="50000"/>
+                  </a:schemeClr>
+                </a:solidFill>
+              </a:defRPr>
+            </a:lvl1pPr>
+          </a:lstStyle>
+          <a:p>
+            <a:fld id="{92357268-C79A-4225-9F2D-63360B661E37}" type="datetimeFigureOut">
+              <a:rPr lang="cs-CZ" smtClean="0"/>
+              <a:pPr/>
+              <a:t>13.11.2025</a:t>
+            </a:fld>
+            <a:endParaRPr lang="cs-CZ"/>
+          </a:p>
+        </p:txBody>
+      </p:sp>
+      <p:sp>
+        <p:nvSpPr>
+          <p:cNvPr id="7" name="Zástupný symbol pro zápatí 2">
+            <a:extLst>
+              <a:ext uri="{FF2B5EF4-FFF2-40B4-BE49-F238E27FC236}">
+                <a16:creationId xmlns:a16="http://schemas.microsoft.com/office/drawing/2014/main" id="{9698A581-C37C-46FC-67D3-EAA89DC68F65}"/>
+              </a:ext>
+            </a:extLst>
+          </p:cNvPr>
+          <p:cNvSpPr>
+            <a:spLocks noGrp="1"/>
+          </p:cNvSpPr>
+          <p:nvPr>
+            <p:ph type="ftr" sz="quarter" idx="11"/>
+          </p:nvPr>
+        </p:nvSpPr>
+        <p:spPr>
+          <a:xfrm>
+            <a:off x="4108450" y="6197600"/>
+            <a:ext cx="4114800" cy="365125"/>
+          </a:xfrm>
+        </p:spPr>
+        <p:txBody>
+          <a:bodyPr/>
+          <a:lstStyle>
+            <a:lvl1pPr>
+              <a:defRPr>
+                <a:solidFill>
+                  <a:schemeClr val="bg1">
+                    <a:lumMod val="50000"/>
+                    <a:lumOff val="50000"/>
+                  </a:schemeClr>
+                </a:solidFill>
+              </a:defRPr>
+            </a:lvl1pPr>
+          </a:lstStyle>
+          <a:p>
+            <a:endParaRPr lang="cs-CZ"/>
+          </a:p>
+        </p:txBody>
+      </p:sp>
+      <p:sp>
+        <p:nvSpPr>
+          <p:cNvPr id="4" name="Zástupný text 3">
+            <a:extLst>
+              <a:ext uri="{FF2B5EF4-FFF2-40B4-BE49-F238E27FC236}">
+                <a16:creationId xmlns:a16="http://schemas.microsoft.com/office/drawing/2014/main" id="{81110E8D-F590-6F54-2DD5-1E7922B76959}"/>
+              </a:ext>
+            </a:extLst>
+          </p:cNvPr>
+          <p:cNvSpPr>
+            <a:spLocks noGrp="1"/>
+          </p:cNvSpPr>
+          <p:nvPr>
+            <p:ph type="body" sz="quarter" idx="14" hasCustomPrompt="1"/>
+          </p:nvPr>
+        </p:nvSpPr>
+        <p:spPr>
+          <a:xfrm>
+            <a:off x="3432968" y="3077368"/>
+            <a:ext cx="5326063" cy="703263"/>
+          </a:xfrm>
+        </p:spPr>
+        <p:txBody>
+          <a:bodyPr>
+            <a:normAutofit/>
+          </a:bodyPr>
+          <a:lstStyle>
+            <a:lvl1pPr marL="0" indent="0" algn="ctr">
+              <a:buNone/>
+              <a:defRPr sz="4400" b="0">
+                <a:ln>
+                  <a:solidFill>
+                    <a:schemeClr val="tx1"/>
+                  </a:solidFill>
+                </a:ln>
+                <a:solidFill>
+                  <a:schemeClr val="bg1"/>
+                </a:solidFill>
+                <a:latin typeface="+mj-lt"/>
+              </a:defRPr>
+            </a:lvl1pPr>
+          </a:lstStyle>
+          <a:p>
+            <a:pPr lvl="0"/>
+            <a:r>
+              <a:rPr lang="cs-CZ" err="1"/>
+              <a:t>Lorem</a:t>
+            </a:r>
+            <a:r>
+              <a:rPr lang="cs-CZ"/>
+              <a:t> </a:t>
+            </a:r>
+            <a:r>
+              <a:rPr lang="cs-CZ" err="1"/>
+              <a:t>Ipsum</a:t>
+            </a:r>
+            <a:r>
+              <a:rPr lang="cs-CZ"/>
+              <a:t> </a:t>
+            </a:r>
+            <a:r>
+              <a:rPr lang="cs-CZ" err="1"/>
+              <a:t>Dolor</a:t>
+            </a:r>
+            <a:endParaRPr lang="cs-CZ"/>
+          </a:p>
+        </p:txBody>
+      </p:sp>
+    </p:spTree>
+    <p:extLst>
+      <p:ext uri="{BB962C8B-B14F-4D97-AF65-F5344CB8AC3E}">
+        <p14:creationId xmlns:p14="http://schemas.microsoft.com/office/powerpoint/2010/main" val="3556196160"/>
+      </p:ext>
+    </p:extLst>
+  </p:cSld>
+  <p:clrMapOvr>
+    <a:overrideClrMapping bg1="dk1" tx1="lt1" bg2="dk2" tx2="lt2" accent1="accent1" accent2="accent2" accent3="accent3" accent4="accent4" accent5="accent5" accent6="accent6" hlink="hlink" folHlink="folHlink"/>
+  </p:clrMapOvr>
+</p:sldLayout>
+</file>
+
 <file path=ppt/slideLayouts/slideLayout2.xml><?xml version="1.0" encoding="utf-8"?>
 <p:sldLayout xmlns:a="http://schemas.openxmlformats.org/drawingml/2006/main" xmlns:r="http://schemas.openxmlformats.org/officeDocument/2006/relationships" xmlns:p="http://schemas.openxmlformats.org/presentationml/2006/main" type="obj" preserve="1">
   <p:cSld name="Title and Content">
@@ -2296,6 +3556,1847 @@
   </p:cSld>
   <p:clrMapOvr>
     <a:masterClrMapping/>
+  </p:clrMapOvr>
+</p:sldLayout>
+</file>
+
+<file path=ppt/slideLayouts/slideLayout20.xml><?xml version="1.0" encoding="utf-8"?>
+<p:sldLayout xmlns:a="http://schemas.openxmlformats.org/drawingml/2006/main" xmlns:r="http://schemas.openxmlformats.org/officeDocument/2006/relationships" xmlns:p="http://schemas.openxmlformats.org/presentationml/2006/main" preserve="1" userDrawn="1">
+  <p:cSld name="5_Picture-slide">
+    <p:bg>
+      <p:bgRef idx="1001">
+        <a:schemeClr val="bg2"/>
+      </p:bgRef>
+    </p:bg>
+    <p:spTree>
+      <p:nvGrpSpPr>
+        <p:cNvPr id="1" name=""/>
+        <p:cNvGrpSpPr/>
+        <p:nvPr/>
+      </p:nvGrpSpPr>
+      <p:grpSpPr>
+        <a:xfrm>
+          <a:off x="0" y="0"/>
+          <a:ext cx="0" cy="0"/>
+          <a:chOff x="0" y="0"/>
+          <a:chExt cx="0" cy="0"/>
+        </a:xfrm>
+      </p:grpSpPr>
+      <p:sp>
+        <p:nvSpPr>
+          <p:cNvPr id="5" name="Zástupný symbol pro datum 1">
+            <a:extLst>
+              <a:ext uri="{FF2B5EF4-FFF2-40B4-BE49-F238E27FC236}">
+                <a16:creationId xmlns:a16="http://schemas.microsoft.com/office/drawing/2014/main" id="{2D1D61FE-CF0F-B56A-5F96-C63EBEA27495}"/>
+              </a:ext>
+            </a:extLst>
+          </p:cNvPr>
+          <p:cNvSpPr>
+            <a:spLocks noGrp="1"/>
+          </p:cNvSpPr>
+          <p:nvPr>
+            <p:ph type="dt" sz="half" idx="10"/>
+          </p:nvPr>
+        </p:nvSpPr>
+        <p:spPr>
+          <a:xfrm>
+            <a:off x="908050" y="6197600"/>
+            <a:ext cx="2743200" cy="365125"/>
+          </a:xfrm>
+        </p:spPr>
+        <p:txBody>
+          <a:bodyPr/>
+          <a:lstStyle/>
+          <a:p>
+            <a:fld id="{92357268-C79A-4225-9F2D-63360B661E37}" type="datetimeFigureOut">
+              <a:rPr lang="cs-CZ" smtClean="0"/>
+              <a:t>13.11.2025</a:t>
+            </a:fld>
+            <a:endParaRPr lang="cs-CZ"/>
+          </a:p>
+        </p:txBody>
+      </p:sp>
+      <p:sp>
+        <p:nvSpPr>
+          <p:cNvPr id="7" name="Zástupný symbol pro zápatí 2">
+            <a:extLst>
+              <a:ext uri="{FF2B5EF4-FFF2-40B4-BE49-F238E27FC236}">
+                <a16:creationId xmlns:a16="http://schemas.microsoft.com/office/drawing/2014/main" id="{6F259CA2-8A1B-8132-65E0-3A6F7ED3CBAE}"/>
+              </a:ext>
+            </a:extLst>
+          </p:cNvPr>
+          <p:cNvSpPr>
+            <a:spLocks noGrp="1"/>
+          </p:cNvSpPr>
+          <p:nvPr>
+            <p:ph type="ftr" sz="quarter" idx="11"/>
+          </p:nvPr>
+        </p:nvSpPr>
+        <p:spPr>
+          <a:xfrm>
+            <a:off x="4108450" y="6197600"/>
+            <a:ext cx="4114800" cy="365125"/>
+          </a:xfrm>
+        </p:spPr>
+        <p:txBody>
+          <a:bodyPr/>
+          <a:lstStyle/>
+          <a:p>
+            <a:endParaRPr lang="cs-CZ"/>
+          </a:p>
+        </p:txBody>
+      </p:sp>
+      <p:sp>
+        <p:nvSpPr>
+          <p:cNvPr id="3" name="Zástupný text 2">
+            <a:extLst>
+              <a:ext uri="{FF2B5EF4-FFF2-40B4-BE49-F238E27FC236}">
+                <a16:creationId xmlns:a16="http://schemas.microsoft.com/office/drawing/2014/main" id="{35BACB64-B10A-F1E8-CBF9-BDD37FA59FE8}"/>
+              </a:ext>
+            </a:extLst>
+          </p:cNvPr>
+          <p:cNvSpPr>
+            <a:spLocks noGrp="1"/>
+          </p:cNvSpPr>
+          <p:nvPr>
+            <p:ph type="body" sz="quarter" idx="13" hasCustomPrompt="1"/>
+          </p:nvPr>
+        </p:nvSpPr>
+        <p:spPr>
+          <a:xfrm>
+            <a:off x="3453606" y="3095493"/>
+            <a:ext cx="5284787" cy="664898"/>
+          </a:xfrm>
+        </p:spPr>
+        <p:txBody>
+          <a:bodyPr>
+            <a:normAutofit/>
+          </a:bodyPr>
+          <a:lstStyle>
+            <a:lvl1pPr marL="0" indent="0" algn="ctr">
+              <a:buNone/>
+              <a:defRPr sz="4400">
+                <a:ln>
+                  <a:solidFill>
+                    <a:schemeClr val="bg1"/>
+                  </a:solidFill>
+                </a:ln>
+                <a:solidFill>
+                  <a:schemeClr val="bg1"/>
+                </a:solidFill>
+                <a:latin typeface="+mj-lt"/>
+              </a:defRPr>
+            </a:lvl1pPr>
+          </a:lstStyle>
+          <a:p>
+            <a:pPr lvl="0"/>
+            <a:r>
+              <a:rPr lang="cs-CZ" err="1"/>
+              <a:t>Lorem</a:t>
+            </a:r>
+            <a:r>
+              <a:rPr lang="cs-CZ"/>
+              <a:t> </a:t>
+            </a:r>
+            <a:r>
+              <a:rPr lang="cs-CZ" err="1"/>
+              <a:t>Ipsum</a:t>
+            </a:r>
+            <a:r>
+              <a:rPr lang="cs-CZ"/>
+              <a:t> </a:t>
+            </a:r>
+            <a:r>
+              <a:rPr lang="cs-CZ" err="1"/>
+              <a:t>Dolor</a:t>
+            </a:r>
+            <a:endParaRPr lang="cs-CZ"/>
+          </a:p>
+        </p:txBody>
+      </p:sp>
+    </p:spTree>
+    <p:extLst>
+      <p:ext uri="{BB962C8B-B14F-4D97-AF65-F5344CB8AC3E}">
+        <p14:creationId xmlns:p14="http://schemas.microsoft.com/office/powerpoint/2010/main" val="1857903002"/>
+      </p:ext>
+    </p:extLst>
+  </p:cSld>
+  <p:clrMapOvr>
+    <a:overrideClrMapping bg1="lt1" tx1="dk1" bg2="lt2" tx2="dk2" accent1="accent1" accent2="accent2" accent3="accent3" accent4="accent4" accent5="accent5" accent6="accent6" hlink="hlink" folHlink="folHlink"/>
+  </p:clrMapOvr>
+</p:sldLayout>
+</file>
+
+<file path=ppt/slideLayouts/slideLayout21.xml><?xml version="1.0" encoding="utf-8"?>
+<p:sldLayout xmlns:a="http://schemas.openxmlformats.org/drawingml/2006/main" xmlns:r="http://schemas.openxmlformats.org/officeDocument/2006/relationships" xmlns:p="http://schemas.openxmlformats.org/presentationml/2006/main" preserve="1" userDrawn="1">
+  <p:cSld name="Picture-with-content-slide">
+    <p:spTree>
+      <p:nvGrpSpPr>
+        <p:cNvPr id="1" name=""/>
+        <p:cNvGrpSpPr/>
+        <p:nvPr/>
+      </p:nvGrpSpPr>
+      <p:grpSpPr>
+        <a:xfrm>
+          <a:off x="0" y="0"/>
+          <a:ext cx="0" cy="0"/>
+          <a:chOff x="0" y="0"/>
+          <a:chExt cx="0" cy="0"/>
+        </a:xfrm>
+      </p:grpSpPr>
+      <p:sp>
+        <p:nvSpPr>
+          <p:cNvPr id="2" name="Nadpis 1">
+            <a:extLst>
+              <a:ext uri="{FF2B5EF4-FFF2-40B4-BE49-F238E27FC236}">
+                <a16:creationId xmlns:a16="http://schemas.microsoft.com/office/drawing/2014/main" id="{A6FF20B1-1A7B-4BEA-9B1E-75EFBAF4CA9C}"/>
+              </a:ext>
+            </a:extLst>
+          </p:cNvPr>
+          <p:cNvSpPr>
+            <a:spLocks noGrp="1"/>
+          </p:cNvSpPr>
+          <p:nvPr>
+            <p:ph type="title" hasCustomPrompt="1"/>
+          </p:nvPr>
+        </p:nvSpPr>
+        <p:spPr>
+          <a:xfrm>
+            <a:off x="839788" y="987424"/>
+            <a:ext cx="4114800" cy="1069975"/>
+          </a:xfrm>
+        </p:spPr>
+        <p:txBody>
+          <a:bodyPr anchor="ctr"/>
+          <a:lstStyle>
+            <a:lvl1pPr>
+              <a:defRPr sz="3200">
+                <a:latin typeface="+mj-lt"/>
+              </a:defRPr>
+            </a:lvl1pPr>
+          </a:lstStyle>
+          <a:p>
+            <a:r>
+              <a:rPr lang="en-US"/>
+              <a:t>Title</a:t>
+            </a:r>
+            <a:endParaRPr lang="cs-CZ"/>
+          </a:p>
+        </p:txBody>
+      </p:sp>
+      <p:sp>
+        <p:nvSpPr>
+          <p:cNvPr id="3" name="Zástupný symbol obrázku 2">
+            <a:extLst>
+              <a:ext uri="{FF2B5EF4-FFF2-40B4-BE49-F238E27FC236}">
+                <a16:creationId xmlns:a16="http://schemas.microsoft.com/office/drawing/2014/main" id="{3CF1BC82-DCC4-45E1-8D44-1FB82CF430A6}"/>
+              </a:ext>
+            </a:extLst>
+          </p:cNvPr>
+          <p:cNvSpPr>
+            <a:spLocks noGrp="1"/>
+          </p:cNvSpPr>
+          <p:nvPr>
+            <p:ph type="pic" idx="1" hasCustomPrompt="1"/>
+          </p:nvPr>
+        </p:nvSpPr>
+        <p:spPr>
+          <a:xfrm>
+            <a:off x="5183188" y="987425"/>
+            <a:ext cx="6172200" cy="4873625"/>
+          </a:xfrm>
+        </p:spPr>
+        <p:txBody>
+          <a:bodyPr>
+            <a:normAutofit/>
+          </a:bodyPr>
+          <a:lstStyle>
+            <a:lvl1pPr marL="0" indent="0">
+              <a:buNone/>
+              <a:defRPr sz="2400"/>
+            </a:lvl1pPr>
+            <a:lvl2pPr marL="457200" indent="0">
+              <a:buNone/>
+              <a:defRPr sz="2800"/>
+            </a:lvl2pPr>
+            <a:lvl3pPr marL="914400" indent="0">
+              <a:buNone/>
+              <a:defRPr sz="2400"/>
+            </a:lvl3pPr>
+            <a:lvl4pPr marL="1371600" indent="0">
+              <a:buNone/>
+              <a:defRPr sz="2000"/>
+            </a:lvl4pPr>
+            <a:lvl5pPr marL="1828800" indent="0">
+              <a:buNone/>
+              <a:defRPr sz="2000"/>
+            </a:lvl5pPr>
+            <a:lvl6pPr marL="2286000" indent="0">
+              <a:buNone/>
+              <a:defRPr sz="2000"/>
+            </a:lvl6pPr>
+            <a:lvl7pPr marL="2743200" indent="0">
+              <a:buNone/>
+              <a:defRPr sz="2000"/>
+            </a:lvl7pPr>
+            <a:lvl8pPr marL="3200400" indent="0">
+              <a:buNone/>
+              <a:defRPr sz="2000"/>
+            </a:lvl8pPr>
+            <a:lvl9pPr marL="3657600" indent="0">
+              <a:buNone/>
+              <a:defRPr sz="2000"/>
+            </a:lvl9pPr>
+          </a:lstStyle>
+          <a:p>
+            <a:r>
+              <a:rPr lang="en-US"/>
+              <a:t>Image</a:t>
+            </a:r>
+            <a:endParaRPr lang="cs-CZ"/>
+          </a:p>
+        </p:txBody>
+      </p:sp>
+      <p:sp>
+        <p:nvSpPr>
+          <p:cNvPr id="9" name="Zástupný text 8">
+            <a:extLst>
+              <a:ext uri="{FF2B5EF4-FFF2-40B4-BE49-F238E27FC236}">
+                <a16:creationId xmlns:a16="http://schemas.microsoft.com/office/drawing/2014/main" id="{0721B265-8CAF-48F3-B8CB-141AC31CFA8F}"/>
+              </a:ext>
+            </a:extLst>
+          </p:cNvPr>
+          <p:cNvSpPr>
+            <a:spLocks noGrp="1"/>
+          </p:cNvSpPr>
+          <p:nvPr>
+            <p:ph type="body" sz="quarter" idx="13" hasCustomPrompt="1"/>
+          </p:nvPr>
+        </p:nvSpPr>
+        <p:spPr>
+          <a:xfrm>
+            <a:off x="836612" y="2261616"/>
+            <a:ext cx="4116388" cy="3599434"/>
+          </a:xfrm>
+        </p:spPr>
+        <p:txBody>
+          <a:bodyPr>
+            <a:normAutofit/>
+          </a:bodyPr>
+          <a:lstStyle>
+            <a:lvl1pPr>
+              <a:buClr>
+                <a:srgbClr val="FDAD00"/>
+              </a:buClr>
+              <a:defRPr sz="2400">
+                <a:solidFill>
+                  <a:schemeClr val="tx1"/>
+                </a:solidFill>
+              </a:defRPr>
+            </a:lvl1pPr>
+            <a:lvl2pPr marL="457200" indent="0">
+              <a:buNone/>
+              <a:defRPr sz="2000"/>
+            </a:lvl2pPr>
+            <a:lvl3pPr>
+              <a:defRPr sz="1800"/>
+            </a:lvl3pPr>
+            <a:lvl4pPr>
+              <a:defRPr sz="1600"/>
+            </a:lvl4pPr>
+            <a:lvl5pPr>
+              <a:defRPr sz="1600"/>
+            </a:lvl5pPr>
+          </a:lstStyle>
+          <a:p>
+            <a:pPr lvl="0"/>
+            <a:r>
+              <a:rPr lang="cs-CZ"/>
+              <a:t>Text</a:t>
+            </a:r>
+          </a:p>
+        </p:txBody>
+      </p:sp>
+      <p:sp>
+        <p:nvSpPr>
+          <p:cNvPr id="4" name="Zástupný symbol pro datum 1">
+            <a:extLst>
+              <a:ext uri="{FF2B5EF4-FFF2-40B4-BE49-F238E27FC236}">
+                <a16:creationId xmlns:a16="http://schemas.microsoft.com/office/drawing/2014/main" id="{5594A8E2-D392-7B23-D961-AE9B9D3134C8}"/>
+              </a:ext>
+            </a:extLst>
+          </p:cNvPr>
+          <p:cNvSpPr>
+            <a:spLocks noGrp="1"/>
+          </p:cNvSpPr>
+          <p:nvPr>
+            <p:ph type="dt" sz="half" idx="10"/>
+          </p:nvPr>
+        </p:nvSpPr>
+        <p:spPr>
+          <a:xfrm>
+            <a:off x="908050" y="6197600"/>
+            <a:ext cx="2743200" cy="365125"/>
+          </a:xfrm>
+        </p:spPr>
+        <p:txBody>
+          <a:bodyPr/>
+          <a:lstStyle/>
+          <a:p>
+            <a:fld id="{92357268-C79A-4225-9F2D-63360B661E37}" type="datetimeFigureOut">
+              <a:rPr lang="cs-CZ" smtClean="0"/>
+              <a:t>13.11.2025</a:t>
+            </a:fld>
+            <a:endParaRPr lang="cs-CZ"/>
+          </a:p>
+        </p:txBody>
+      </p:sp>
+      <p:sp>
+        <p:nvSpPr>
+          <p:cNvPr id="8" name="Zástupný symbol pro zápatí 2">
+            <a:extLst>
+              <a:ext uri="{FF2B5EF4-FFF2-40B4-BE49-F238E27FC236}">
+                <a16:creationId xmlns:a16="http://schemas.microsoft.com/office/drawing/2014/main" id="{6FEC9AA1-3B26-61B1-DA0E-70A7C3A155B4}"/>
+              </a:ext>
+            </a:extLst>
+          </p:cNvPr>
+          <p:cNvSpPr>
+            <a:spLocks noGrp="1"/>
+          </p:cNvSpPr>
+          <p:nvPr>
+            <p:ph type="ftr" sz="quarter" idx="11"/>
+          </p:nvPr>
+        </p:nvSpPr>
+        <p:spPr>
+          <a:xfrm>
+            <a:off x="4108450" y="6197600"/>
+            <a:ext cx="4114800" cy="365125"/>
+          </a:xfrm>
+        </p:spPr>
+        <p:txBody>
+          <a:bodyPr/>
+          <a:lstStyle/>
+          <a:p>
+            <a:endParaRPr lang="cs-CZ"/>
+          </a:p>
+        </p:txBody>
+      </p:sp>
+    </p:spTree>
+    <p:extLst>
+      <p:ext uri="{BB962C8B-B14F-4D97-AF65-F5344CB8AC3E}">
+        <p14:creationId xmlns:p14="http://schemas.microsoft.com/office/powerpoint/2010/main" val="2855985844"/>
+      </p:ext>
+    </p:extLst>
+  </p:cSld>
+  <p:clrMapOvr>
+    <a:masterClrMapping/>
+  </p:clrMapOvr>
+</p:sldLayout>
+</file>
+
+<file path=ppt/slideLayouts/slideLayout22.xml><?xml version="1.0" encoding="utf-8"?>
+<p:sldLayout xmlns:a="http://schemas.openxmlformats.org/drawingml/2006/main" xmlns:r="http://schemas.openxmlformats.org/officeDocument/2006/relationships" xmlns:p="http://schemas.openxmlformats.org/presentationml/2006/main" preserve="1" userDrawn="1">
+  <p:cSld name="2_Content-slide">
+    <p:bg>
+      <p:bgRef idx="1001">
+        <a:schemeClr val="bg2"/>
+      </p:bgRef>
+    </p:bg>
+    <p:spTree>
+      <p:nvGrpSpPr>
+        <p:cNvPr id="1" name=""/>
+        <p:cNvGrpSpPr/>
+        <p:nvPr/>
+      </p:nvGrpSpPr>
+      <p:grpSpPr>
+        <a:xfrm>
+          <a:off x="0" y="0"/>
+          <a:ext cx="0" cy="0"/>
+          <a:chOff x="0" y="0"/>
+          <a:chExt cx="0" cy="0"/>
+        </a:xfrm>
+      </p:grpSpPr>
+      <p:pic>
+        <p:nvPicPr>
+          <p:cNvPr id="6" name="Obrázek 5" descr="Obsah obrázku snímek obrazovky, černá&#10;&#10;Popis byl vytvořen automaticky">
+            <a:extLst>
+              <a:ext uri="{FF2B5EF4-FFF2-40B4-BE49-F238E27FC236}">
+                <a16:creationId xmlns:a16="http://schemas.microsoft.com/office/drawing/2014/main" id="{86E7B99C-0191-CCEF-19AA-9CA0DA4794F9}"/>
+              </a:ext>
+            </a:extLst>
+          </p:cNvPr>
+          <p:cNvPicPr>
+            <a:picLocks noChangeAspect="1"/>
+          </p:cNvPicPr>
+          <p:nvPr userDrawn="1"/>
+        </p:nvPicPr>
+        <p:blipFill>
+          <a:blip r:embed="rId2">
+            <a:extLst>
+              <a:ext uri="{28A0092B-C50C-407E-A947-70E740481C1C}">
+                <a14:useLocalDpi xmlns:a14="http://schemas.microsoft.com/office/drawing/2010/main" val="0"/>
+              </a:ext>
+            </a:extLst>
+          </a:blip>
+          <a:stretch>
+            <a:fillRect/>
+          </a:stretch>
+        </p:blipFill>
+        <p:spPr>
+          <a:xfrm>
+            <a:off x="0" y="0"/>
+            <a:ext cx="12192000" cy="6858000"/>
+          </a:xfrm>
+          <a:prstGeom prst="rect">
+            <a:avLst/>
+          </a:prstGeom>
+        </p:spPr>
+      </p:pic>
+      <p:sp>
+        <p:nvSpPr>
+          <p:cNvPr id="2" name="Nadpis 1">
+            <a:extLst>
+              <a:ext uri="{FF2B5EF4-FFF2-40B4-BE49-F238E27FC236}">
+                <a16:creationId xmlns:a16="http://schemas.microsoft.com/office/drawing/2014/main" id="{4B64A33A-BCE6-454E-A148-C2BC6C5F59A2}"/>
+              </a:ext>
+            </a:extLst>
+          </p:cNvPr>
+          <p:cNvSpPr>
+            <a:spLocks noGrp="1"/>
+          </p:cNvSpPr>
+          <p:nvPr>
+            <p:ph type="title" hasCustomPrompt="1"/>
+          </p:nvPr>
+        </p:nvSpPr>
+        <p:spPr/>
+        <p:txBody>
+          <a:bodyPr numCol="1"/>
+          <a:lstStyle>
+            <a:lvl1pPr algn="ctr">
+              <a:defRPr>
+                <a:solidFill>
+                  <a:schemeClr val="bg1"/>
+                </a:solidFill>
+                <a:latin typeface="+mj-lt"/>
+                <a:cs typeface="Segoe UI Semibold" panose="020B0702040204020203" pitchFamily="34" charset="0"/>
+              </a:defRPr>
+            </a:lvl1pPr>
+          </a:lstStyle>
+          <a:p>
+            <a:r>
+              <a:rPr lang="en-US"/>
+              <a:t>Title</a:t>
+            </a:r>
+            <a:endParaRPr lang="cs-CZ"/>
+          </a:p>
+        </p:txBody>
+      </p:sp>
+      <p:sp>
+        <p:nvSpPr>
+          <p:cNvPr id="4" name="Zástupný symbol pro datum 3">
+            <a:extLst>
+              <a:ext uri="{FF2B5EF4-FFF2-40B4-BE49-F238E27FC236}">
+                <a16:creationId xmlns:a16="http://schemas.microsoft.com/office/drawing/2014/main" id="{633A0526-E99A-4184-9EBB-B3AD1AC688CA}"/>
+              </a:ext>
+            </a:extLst>
+          </p:cNvPr>
+          <p:cNvSpPr>
+            <a:spLocks noGrp="1"/>
+          </p:cNvSpPr>
+          <p:nvPr>
+            <p:ph type="dt" sz="half" idx="10"/>
+          </p:nvPr>
+        </p:nvSpPr>
+        <p:spPr/>
+        <p:txBody>
+          <a:bodyPr/>
+          <a:lstStyle/>
+          <a:p>
+            <a:fld id="{F13906A7-2EE8-4435-808F-0C317E75D4DD}" type="datetime1">
+              <a:rPr lang="cs-CZ" smtClean="0"/>
+              <a:t>13.11.2025</a:t>
+            </a:fld>
+            <a:endParaRPr lang="cs-CZ"/>
+          </a:p>
+        </p:txBody>
+      </p:sp>
+      <p:sp>
+        <p:nvSpPr>
+          <p:cNvPr id="5" name="Zástupný symbol pro zápatí 4">
+            <a:extLst>
+              <a:ext uri="{FF2B5EF4-FFF2-40B4-BE49-F238E27FC236}">
+                <a16:creationId xmlns:a16="http://schemas.microsoft.com/office/drawing/2014/main" id="{0A255894-027D-4BEA-BD5C-9DFF9D3A0497}"/>
+              </a:ext>
+            </a:extLst>
+          </p:cNvPr>
+          <p:cNvSpPr>
+            <a:spLocks noGrp="1"/>
+          </p:cNvSpPr>
+          <p:nvPr>
+            <p:ph type="ftr" sz="quarter" idx="11"/>
+          </p:nvPr>
+        </p:nvSpPr>
+        <p:spPr/>
+        <p:txBody>
+          <a:bodyPr/>
+          <a:lstStyle/>
+          <a:p>
+            <a:endParaRPr lang="cs-CZ"/>
+          </a:p>
+        </p:txBody>
+      </p:sp>
+      <p:sp>
+        <p:nvSpPr>
+          <p:cNvPr id="10" name="Zástupný obsah 7">
+            <a:extLst>
+              <a:ext uri="{FF2B5EF4-FFF2-40B4-BE49-F238E27FC236}">
+                <a16:creationId xmlns:a16="http://schemas.microsoft.com/office/drawing/2014/main" id="{5D08F643-AF14-49BF-AB29-B51882FFC928}"/>
+              </a:ext>
+            </a:extLst>
+          </p:cNvPr>
+          <p:cNvSpPr>
+            <a:spLocks noGrp="1"/>
+          </p:cNvSpPr>
+          <p:nvPr>
+            <p:ph sz="quarter" idx="13" hasCustomPrompt="1"/>
+          </p:nvPr>
+        </p:nvSpPr>
+        <p:spPr>
+          <a:xfrm>
+            <a:off x="838200" y="1912690"/>
+            <a:ext cx="10515600" cy="3921182"/>
+          </a:xfrm>
+        </p:spPr>
+        <p:txBody>
+          <a:bodyPr>
+            <a:normAutofit/>
+          </a:bodyPr>
+          <a:lstStyle>
+            <a:lvl1pPr>
+              <a:buClr>
+                <a:srgbClr val="FDAD00"/>
+              </a:buClr>
+              <a:defRPr sz="2800">
+                <a:solidFill>
+                  <a:schemeClr val="bg1"/>
+                </a:solidFill>
+                <a:latin typeface="+mn-lt"/>
+              </a:defRPr>
+            </a:lvl1pPr>
+            <a:lvl2pPr marL="457200" indent="0">
+              <a:buNone/>
+              <a:defRPr/>
+            </a:lvl2pPr>
+          </a:lstStyle>
+          <a:p>
+            <a:pPr lvl="0"/>
+            <a:r>
+              <a:rPr lang="cs-CZ"/>
+              <a:t>Text</a:t>
+            </a:r>
+          </a:p>
+        </p:txBody>
+      </p:sp>
+    </p:spTree>
+    <p:extLst>
+      <p:ext uri="{BB962C8B-B14F-4D97-AF65-F5344CB8AC3E}">
+        <p14:creationId xmlns:p14="http://schemas.microsoft.com/office/powerpoint/2010/main" val="3960828427"/>
+      </p:ext>
+    </p:extLst>
+  </p:cSld>
+  <p:clrMapOvr>
+    <a:overrideClrMapping bg1="lt1" tx1="dk1" bg2="lt2" tx2="dk2" accent1="accent1" accent2="accent2" accent3="accent3" accent4="accent4" accent5="accent5" accent6="accent6" hlink="hlink" folHlink="folHlink"/>
+  </p:clrMapOvr>
+</p:sldLayout>
+</file>
+
+<file path=ppt/slideLayouts/slideLayout23.xml><?xml version="1.0" encoding="utf-8"?>
+<p:sldLayout xmlns:a="http://schemas.openxmlformats.org/drawingml/2006/main" xmlns:r="http://schemas.openxmlformats.org/officeDocument/2006/relationships" xmlns:p="http://schemas.openxmlformats.org/presentationml/2006/main" preserve="1" userDrawn="1">
+  <p:cSld name="2_Code-or-diagram-slide">
+    <p:bg>
+      <p:bgRef idx="1001">
+        <a:schemeClr val="bg2"/>
+      </p:bgRef>
+    </p:bg>
+    <p:spTree>
+      <p:nvGrpSpPr>
+        <p:cNvPr id="1" name=""/>
+        <p:cNvGrpSpPr/>
+        <p:nvPr/>
+      </p:nvGrpSpPr>
+      <p:grpSpPr>
+        <a:xfrm>
+          <a:off x="0" y="0"/>
+          <a:ext cx="0" cy="0"/>
+          <a:chOff x="0" y="0"/>
+          <a:chExt cx="0" cy="0"/>
+        </a:xfrm>
+      </p:grpSpPr>
+      <p:pic>
+        <p:nvPicPr>
+          <p:cNvPr id="5" name="Obrázek 4" descr="Obsah obrázku černá, design&#10;&#10;Popis byl vytvořen automaticky">
+            <a:extLst>
+              <a:ext uri="{FF2B5EF4-FFF2-40B4-BE49-F238E27FC236}">
+                <a16:creationId xmlns:a16="http://schemas.microsoft.com/office/drawing/2014/main" id="{5B1D49E1-823B-2297-7671-0F2F15B20303}"/>
+              </a:ext>
+            </a:extLst>
+          </p:cNvPr>
+          <p:cNvPicPr>
+            <a:picLocks noChangeAspect="1"/>
+          </p:cNvPicPr>
+          <p:nvPr userDrawn="1"/>
+        </p:nvPicPr>
+        <p:blipFill>
+          <a:blip r:embed="rId2">
+            <a:extLst>
+              <a:ext uri="{28A0092B-C50C-407E-A947-70E740481C1C}">
+                <a14:useLocalDpi xmlns:a14="http://schemas.microsoft.com/office/drawing/2010/main" val="0"/>
+              </a:ext>
+            </a:extLst>
+          </a:blip>
+          <a:stretch>
+            <a:fillRect/>
+          </a:stretch>
+        </p:blipFill>
+        <p:spPr>
+          <a:xfrm>
+            <a:off x="0" y="0"/>
+            <a:ext cx="12192000" cy="6858000"/>
+          </a:xfrm>
+          <a:prstGeom prst="rect">
+            <a:avLst/>
+          </a:prstGeom>
+        </p:spPr>
+      </p:pic>
+      <p:sp>
+        <p:nvSpPr>
+          <p:cNvPr id="3" name="Zástupný symbol pro datum 1">
+            <a:extLst>
+              <a:ext uri="{FF2B5EF4-FFF2-40B4-BE49-F238E27FC236}">
+                <a16:creationId xmlns:a16="http://schemas.microsoft.com/office/drawing/2014/main" id="{E9B5E37A-947A-22C0-1431-A92CEFAC7F7A}"/>
+              </a:ext>
+            </a:extLst>
+          </p:cNvPr>
+          <p:cNvSpPr>
+            <a:spLocks noGrp="1"/>
+          </p:cNvSpPr>
+          <p:nvPr>
+            <p:ph type="dt" sz="half" idx="10"/>
+          </p:nvPr>
+        </p:nvSpPr>
+        <p:spPr>
+          <a:xfrm>
+            <a:off x="908050" y="6197600"/>
+            <a:ext cx="2743200" cy="365125"/>
+          </a:xfrm>
+        </p:spPr>
+        <p:txBody>
+          <a:bodyPr/>
+          <a:lstStyle/>
+          <a:p>
+            <a:fld id="{92357268-C79A-4225-9F2D-63360B661E37}" type="datetimeFigureOut">
+              <a:rPr lang="cs-CZ" smtClean="0"/>
+              <a:t>13.11.2025</a:t>
+            </a:fld>
+            <a:endParaRPr lang="cs-CZ"/>
+          </a:p>
+        </p:txBody>
+      </p:sp>
+      <p:sp>
+        <p:nvSpPr>
+          <p:cNvPr id="7" name="Zástupný symbol pro zápatí 2">
+            <a:extLst>
+              <a:ext uri="{FF2B5EF4-FFF2-40B4-BE49-F238E27FC236}">
+                <a16:creationId xmlns:a16="http://schemas.microsoft.com/office/drawing/2014/main" id="{8EFD9B21-E695-CBBF-CA14-F26A4F13DAB2}"/>
+              </a:ext>
+            </a:extLst>
+          </p:cNvPr>
+          <p:cNvSpPr>
+            <a:spLocks noGrp="1"/>
+          </p:cNvSpPr>
+          <p:nvPr>
+            <p:ph type="ftr" sz="quarter" idx="11"/>
+          </p:nvPr>
+        </p:nvSpPr>
+        <p:spPr>
+          <a:xfrm>
+            <a:off x="4108450" y="6197600"/>
+            <a:ext cx="4114800" cy="365125"/>
+          </a:xfrm>
+        </p:spPr>
+        <p:txBody>
+          <a:bodyPr/>
+          <a:lstStyle/>
+          <a:p>
+            <a:endParaRPr lang="cs-CZ"/>
+          </a:p>
+        </p:txBody>
+      </p:sp>
+      <p:sp>
+        <p:nvSpPr>
+          <p:cNvPr id="10" name="Nadpis 1">
+            <a:extLst>
+              <a:ext uri="{FF2B5EF4-FFF2-40B4-BE49-F238E27FC236}">
+                <a16:creationId xmlns:a16="http://schemas.microsoft.com/office/drawing/2014/main" id="{A88B239D-B7EB-C7D0-4548-2B5B5FBAF5E3}"/>
+              </a:ext>
+            </a:extLst>
+          </p:cNvPr>
+          <p:cNvSpPr>
+            <a:spLocks noGrp="1"/>
+          </p:cNvSpPr>
+          <p:nvPr>
+            <p:ph type="title" hasCustomPrompt="1"/>
+          </p:nvPr>
+        </p:nvSpPr>
+        <p:spPr>
+          <a:xfrm>
+            <a:off x="838200" y="365125"/>
+            <a:ext cx="10515600" cy="1325563"/>
+          </a:xfrm>
+        </p:spPr>
+        <p:txBody>
+          <a:bodyPr numCol="1"/>
+          <a:lstStyle>
+            <a:lvl1pPr algn="ctr">
+              <a:defRPr>
+                <a:solidFill>
+                  <a:schemeClr val="bg1"/>
+                </a:solidFill>
+                <a:latin typeface="Prometo Medium" panose="020B0704030203060203" pitchFamily="34" charset="0"/>
+                <a:cs typeface="Segoe UI Semibold" panose="020B0702040204020203" pitchFamily="34" charset="0"/>
+              </a:defRPr>
+            </a:lvl1pPr>
+          </a:lstStyle>
+          <a:p>
+            <a:r>
+              <a:rPr lang="en-US"/>
+              <a:t>Title</a:t>
+            </a:r>
+            <a:endParaRPr lang="cs-CZ"/>
+          </a:p>
+        </p:txBody>
+      </p:sp>
+      <p:sp>
+        <p:nvSpPr>
+          <p:cNvPr id="12" name="Zástupný obsah 7">
+            <a:extLst>
+              <a:ext uri="{FF2B5EF4-FFF2-40B4-BE49-F238E27FC236}">
+                <a16:creationId xmlns:a16="http://schemas.microsoft.com/office/drawing/2014/main" id="{55BBEDAF-0E04-144C-A500-9EEE91B030BD}"/>
+              </a:ext>
+            </a:extLst>
+          </p:cNvPr>
+          <p:cNvSpPr>
+            <a:spLocks noGrp="1"/>
+          </p:cNvSpPr>
+          <p:nvPr>
+            <p:ph sz="quarter" idx="13" hasCustomPrompt="1"/>
+          </p:nvPr>
+        </p:nvSpPr>
+        <p:spPr>
+          <a:xfrm>
+            <a:off x="838200" y="1912690"/>
+            <a:ext cx="10515600" cy="3921182"/>
+          </a:xfrm>
+        </p:spPr>
+        <p:txBody>
+          <a:bodyPr>
+            <a:normAutofit/>
+          </a:bodyPr>
+          <a:lstStyle>
+            <a:lvl1pPr marL="0" indent="0">
+              <a:buClr>
+                <a:srgbClr val="5D93DD"/>
+              </a:buClr>
+              <a:buNone/>
+              <a:defRPr sz="2800">
+                <a:solidFill>
+                  <a:schemeClr val="bg1"/>
+                </a:solidFill>
+                <a:latin typeface="Prometo Light" panose="020B0404030203060203" pitchFamily="34" charset="0"/>
+              </a:defRPr>
+            </a:lvl1pPr>
+            <a:lvl2pPr marL="457200" indent="0">
+              <a:buNone/>
+              <a:defRPr/>
+            </a:lvl2pPr>
+          </a:lstStyle>
+          <a:p>
+            <a:pPr lvl="0"/>
+            <a:r>
+              <a:rPr lang="en-US"/>
+              <a:t>Object</a:t>
+            </a:r>
+            <a:endParaRPr lang="cs-CZ"/>
+          </a:p>
+        </p:txBody>
+      </p:sp>
+    </p:spTree>
+    <p:extLst>
+      <p:ext uri="{BB962C8B-B14F-4D97-AF65-F5344CB8AC3E}">
+        <p14:creationId xmlns:p14="http://schemas.microsoft.com/office/powerpoint/2010/main" val="1459528775"/>
+      </p:ext>
+    </p:extLst>
+  </p:cSld>
+  <p:clrMapOvr>
+    <a:overrideClrMapping bg1="lt1" tx1="dk1" bg2="lt2" tx2="dk2" accent1="accent1" accent2="accent2" accent3="accent3" accent4="accent4" accent5="accent5" accent6="accent6" hlink="hlink" folHlink="folHlink"/>
+  </p:clrMapOvr>
+</p:sldLayout>
+</file>
+
+<file path=ppt/slideLayouts/slideLayout24.xml><?xml version="1.0" encoding="utf-8"?>
+<p:sldLayout xmlns:a="http://schemas.openxmlformats.org/drawingml/2006/main" xmlns:r="http://schemas.openxmlformats.org/officeDocument/2006/relationships" xmlns:p="http://schemas.openxmlformats.org/presentationml/2006/main" type="blank" preserve="1">
+  <p:cSld name="1_Picture-slide">
+    <p:bg>
+      <p:bgRef idx="1001">
+        <a:schemeClr val="bg2"/>
+      </p:bgRef>
+    </p:bg>
+    <p:spTree>
+      <p:nvGrpSpPr>
+        <p:cNvPr id="1" name=""/>
+        <p:cNvGrpSpPr/>
+        <p:nvPr/>
+      </p:nvGrpSpPr>
+      <p:grpSpPr>
+        <a:xfrm>
+          <a:off x="0" y="0"/>
+          <a:ext cx="0" cy="0"/>
+          <a:chOff x="0" y="0"/>
+          <a:chExt cx="0" cy="0"/>
+        </a:xfrm>
+      </p:grpSpPr>
+      <p:sp>
+        <p:nvSpPr>
+          <p:cNvPr id="5" name="Zástupný symbol pro datum 1">
+            <a:extLst>
+              <a:ext uri="{FF2B5EF4-FFF2-40B4-BE49-F238E27FC236}">
+                <a16:creationId xmlns:a16="http://schemas.microsoft.com/office/drawing/2014/main" id="{B9F2179B-71C7-013D-A59B-52C15F0FC2AD}"/>
+              </a:ext>
+            </a:extLst>
+          </p:cNvPr>
+          <p:cNvSpPr>
+            <a:spLocks noGrp="1"/>
+          </p:cNvSpPr>
+          <p:nvPr>
+            <p:ph type="dt" sz="half" idx="10"/>
+          </p:nvPr>
+        </p:nvSpPr>
+        <p:spPr>
+          <a:xfrm>
+            <a:off x="908050" y="6197600"/>
+            <a:ext cx="2743200" cy="365125"/>
+          </a:xfrm>
+        </p:spPr>
+        <p:txBody>
+          <a:bodyPr/>
+          <a:lstStyle/>
+          <a:p>
+            <a:fld id="{92357268-C79A-4225-9F2D-63360B661E37}" type="datetimeFigureOut">
+              <a:rPr lang="cs-CZ" smtClean="0"/>
+              <a:t>13.11.2025</a:t>
+            </a:fld>
+            <a:endParaRPr lang="cs-CZ"/>
+          </a:p>
+        </p:txBody>
+      </p:sp>
+      <p:sp>
+        <p:nvSpPr>
+          <p:cNvPr id="6" name="Zástupný symbol pro zápatí 2">
+            <a:extLst>
+              <a:ext uri="{FF2B5EF4-FFF2-40B4-BE49-F238E27FC236}">
+                <a16:creationId xmlns:a16="http://schemas.microsoft.com/office/drawing/2014/main" id="{23D2D5D8-AEB7-995D-E651-B783316323E0}"/>
+              </a:ext>
+            </a:extLst>
+          </p:cNvPr>
+          <p:cNvSpPr>
+            <a:spLocks noGrp="1"/>
+          </p:cNvSpPr>
+          <p:nvPr>
+            <p:ph type="ftr" sz="quarter" idx="11"/>
+          </p:nvPr>
+        </p:nvSpPr>
+        <p:spPr>
+          <a:xfrm>
+            <a:off x="4108450" y="6197600"/>
+            <a:ext cx="4114800" cy="365125"/>
+          </a:xfrm>
+        </p:spPr>
+        <p:txBody>
+          <a:bodyPr/>
+          <a:lstStyle/>
+          <a:p>
+            <a:endParaRPr lang="cs-CZ"/>
+          </a:p>
+        </p:txBody>
+      </p:sp>
+    </p:spTree>
+    <p:extLst>
+      <p:ext uri="{BB962C8B-B14F-4D97-AF65-F5344CB8AC3E}">
+        <p14:creationId xmlns:p14="http://schemas.microsoft.com/office/powerpoint/2010/main" val="3924584342"/>
+      </p:ext>
+    </p:extLst>
+  </p:cSld>
+  <p:clrMapOvr>
+    <a:overrideClrMapping bg1="lt1" tx1="dk1" bg2="lt2" tx2="dk2" accent1="accent1" accent2="accent2" accent3="accent3" accent4="accent4" accent5="accent5" accent6="accent6" hlink="hlink" folHlink="folHlink"/>
+  </p:clrMapOvr>
+</p:sldLayout>
+</file>
+
+<file path=ppt/slideLayouts/slideLayout25.xml><?xml version="1.0" encoding="utf-8"?>
+<p:sldLayout xmlns:a="http://schemas.openxmlformats.org/drawingml/2006/main" xmlns:r="http://schemas.openxmlformats.org/officeDocument/2006/relationships" xmlns:p="http://schemas.openxmlformats.org/presentationml/2006/main" preserve="1" userDrawn="1">
+  <p:cSld name="1_Picture-with-content-slide">
+    <p:bg>
+      <p:bgRef idx="1001">
+        <a:schemeClr val="bg2"/>
+      </p:bgRef>
+    </p:bg>
+    <p:spTree>
+      <p:nvGrpSpPr>
+        <p:cNvPr id="1" name=""/>
+        <p:cNvGrpSpPr/>
+        <p:nvPr/>
+      </p:nvGrpSpPr>
+      <p:grpSpPr>
+        <a:xfrm>
+          <a:off x="0" y="0"/>
+          <a:ext cx="0" cy="0"/>
+          <a:chOff x="0" y="0"/>
+          <a:chExt cx="0" cy="0"/>
+        </a:xfrm>
+      </p:grpSpPr>
+      <p:sp>
+        <p:nvSpPr>
+          <p:cNvPr id="2" name="Nadpis 1">
+            <a:extLst>
+              <a:ext uri="{FF2B5EF4-FFF2-40B4-BE49-F238E27FC236}">
+                <a16:creationId xmlns:a16="http://schemas.microsoft.com/office/drawing/2014/main" id="{A6FF20B1-1A7B-4BEA-9B1E-75EFBAF4CA9C}"/>
+              </a:ext>
+            </a:extLst>
+          </p:cNvPr>
+          <p:cNvSpPr>
+            <a:spLocks noGrp="1"/>
+          </p:cNvSpPr>
+          <p:nvPr>
+            <p:ph type="title" hasCustomPrompt="1"/>
+          </p:nvPr>
+        </p:nvSpPr>
+        <p:spPr>
+          <a:xfrm>
+            <a:off x="839788" y="987424"/>
+            <a:ext cx="4114800" cy="1069975"/>
+          </a:xfrm>
+        </p:spPr>
+        <p:txBody>
+          <a:bodyPr anchor="ctr"/>
+          <a:lstStyle>
+            <a:lvl1pPr>
+              <a:defRPr sz="3200">
+                <a:solidFill>
+                  <a:schemeClr val="bg1"/>
+                </a:solidFill>
+                <a:latin typeface="+mj-lt"/>
+              </a:defRPr>
+            </a:lvl1pPr>
+          </a:lstStyle>
+          <a:p>
+            <a:r>
+              <a:rPr lang="en-US"/>
+              <a:t>Title</a:t>
+            </a:r>
+            <a:endParaRPr lang="cs-CZ"/>
+          </a:p>
+        </p:txBody>
+      </p:sp>
+      <p:sp>
+        <p:nvSpPr>
+          <p:cNvPr id="3" name="Zástupný symbol obrázku 2">
+            <a:extLst>
+              <a:ext uri="{FF2B5EF4-FFF2-40B4-BE49-F238E27FC236}">
+                <a16:creationId xmlns:a16="http://schemas.microsoft.com/office/drawing/2014/main" id="{3CF1BC82-DCC4-45E1-8D44-1FB82CF430A6}"/>
+              </a:ext>
+            </a:extLst>
+          </p:cNvPr>
+          <p:cNvSpPr>
+            <a:spLocks noGrp="1"/>
+          </p:cNvSpPr>
+          <p:nvPr>
+            <p:ph type="pic" idx="1" hasCustomPrompt="1"/>
+          </p:nvPr>
+        </p:nvSpPr>
+        <p:spPr>
+          <a:xfrm>
+            <a:off x="5183188" y="987425"/>
+            <a:ext cx="6172200" cy="4873625"/>
+          </a:xfrm>
+        </p:spPr>
+        <p:txBody>
+          <a:bodyPr/>
+          <a:lstStyle>
+            <a:lvl1pPr marL="0" indent="0">
+              <a:buNone/>
+              <a:defRPr sz="3200">
+                <a:solidFill>
+                  <a:schemeClr val="bg1"/>
+                </a:solidFill>
+              </a:defRPr>
+            </a:lvl1pPr>
+            <a:lvl2pPr marL="457200" indent="0">
+              <a:buNone/>
+              <a:defRPr sz="2800"/>
+            </a:lvl2pPr>
+            <a:lvl3pPr marL="914400" indent="0">
+              <a:buNone/>
+              <a:defRPr sz="2400"/>
+            </a:lvl3pPr>
+            <a:lvl4pPr marL="1371600" indent="0">
+              <a:buNone/>
+              <a:defRPr sz="2000"/>
+            </a:lvl4pPr>
+            <a:lvl5pPr marL="1828800" indent="0">
+              <a:buNone/>
+              <a:defRPr sz="2000"/>
+            </a:lvl5pPr>
+            <a:lvl6pPr marL="2286000" indent="0">
+              <a:buNone/>
+              <a:defRPr sz="2000"/>
+            </a:lvl6pPr>
+            <a:lvl7pPr marL="2743200" indent="0">
+              <a:buNone/>
+              <a:defRPr sz="2000"/>
+            </a:lvl7pPr>
+            <a:lvl8pPr marL="3200400" indent="0">
+              <a:buNone/>
+              <a:defRPr sz="2000"/>
+            </a:lvl8pPr>
+            <a:lvl9pPr marL="3657600" indent="0">
+              <a:buNone/>
+              <a:defRPr sz="2000"/>
+            </a:lvl9pPr>
+          </a:lstStyle>
+          <a:p>
+            <a:r>
+              <a:rPr lang="en-US"/>
+              <a:t>Image</a:t>
+            </a:r>
+            <a:endParaRPr lang="cs-CZ"/>
+          </a:p>
+        </p:txBody>
+      </p:sp>
+      <p:sp>
+        <p:nvSpPr>
+          <p:cNvPr id="9" name="Zástupný text 8">
+            <a:extLst>
+              <a:ext uri="{FF2B5EF4-FFF2-40B4-BE49-F238E27FC236}">
+                <a16:creationId xmlns:a16="http://schemas.microsoft.com/office/drawing/2014/main" id="{0721B265-8CAF-48F3-B8CB-141AC31CFA8F}"/>
+              </a:ext>
+            </a:extLst>
+          </p:cNvPr>
+          <p:cNvSpPr>
+            <a:spLocks noGrp="1"/>
+          </p:cNvSpPr>
+          <p:nvPr>
+            <p:ph type="body" sz="quarter" idx="13" hasCustomPrompt="1"/>
+          </p:nvPr>
+        </p:nvSpPr>
+        <p:spPr>
+          <a:xfrm>
+            <a:off x="836612" y="2261616"/>
+            <a:ext cx="4116388" cy="3599434"/>
+          </a:xfrm>
+        </p:spPr>
+        <p:txBody>
+          <a:bodyPr>
+            <a:normAutofit/>
+          </a:bodyPr>
+          <a:lstStyle>
+            <a:lvl1pPr>
+              <a:buClr>
+                <a:srgbClr val="FDAD00"/>
+              </a:buClr>
+              <a:defRPr sz="2400">
+                <a:solidFill>
+                  <a:schemeClr val="bg1"/>
+                </a:solidFill>
+              </a:defRPr>
+            </a:lvl1pPr>
+            <a:lvl2pPr marL="457200" indent="0">
+              <a:buNone/>
+              <a:defRPr sz="2000"/>
+            </a:lvl2pPr>
+            <a:lvl3pPr>
+              <a:defRPr sz="1800"/>
+            </a:lvl3pPr>
+            <a:lvl4pPr>
+              <a:defRPr sz="1600"/>
+            </a:lvl4pPr>
+            <a:lvl5pPr>
+              <a:defRPr sz="1600"/>
+            </a:lvl5pPr>
+          </a:lstStyle>
+          <a:p>
+            <a:pPr lvl="0"/>
+            <a:r>
+              <a:rPr lang="cs-CZ"/>
+              <a:t>Text</a:t>
+            </a:r>
+          </a:p>
+        </p:txBody>
+      </p:sp>
+      <p:sp>
+        <p:nvSpPr>
+          <p:cNvPr id="4" name="Zástupný symbol pro datum 1">
+            <a:extLst>
+              <a:ext uri="{FF2B5EF4-FFF2-40B4-BE49-F238E27FC236}">
+                <a16:creationId xmlns:a16="http://schemas.microsoft.com/office/drawing/2014/main" id="{5D14F6A2-AAF7-1834-59BF-E16839F6E9DB}"/>
+              </a:ext>
+            </a:extLst>
+          </p:cNvPr>
+          <p:cNvSpPr>
+            <a:spLocks noGrp="1"/>
+          </p:cNvSpPr>
+          <p:nvPr>
+            <p:ph type="dt" sz="half" idx="10"/>
+          </p:nvPr>
+        </p:nvSpPr>
+        <p:spPr>
+          <a:xfrm>
+            <a:off x="908050" y="6197600"/>
+            <a:ext cx="2743200" cy="365125"/>
+          </a:xfrm>
+        </p:spPr>
+        <p:txBody>
+          <a:bodyPr/>
+          <a:lstStyle/>
+          <a:p>
+            <a:fld id="{92357268-C79A-4225-9F2D-63360B661E37}" type="datetimeFigureOut">
+              <a:rPr lang="cs-CZ" smtClean="0"/>
+              <a:t>13.11.2025</a:t>
+            </a:fld>
+            <a:endParaRPr lang="cs-CZ"/>
+          </a:p>
+        </p:txBody>
+      </p:sp>
+      <p:sp>
+        <p:nvSpPr>
+          <p:cNvPr id="8" name="Zástupný symbol pro zápatí 2">
+            <a:extLst>
+              <a:ext uri="{FF2B5EF4-FFF2-40B4-BE49-F238E27FC236}">
+                <a16:creationId xmlns:a16="http://schemas.microsoft.com/office/drawing/2014/main" id="{31D93ED4-4A8C-2E3A-3A79-A0A843A7E8FB}"/>
+              </a:ext>
+            </a:extLst>
+          </p:cNvPr>
+          <p:cNvSpPr>
+            <a:spLocks noGrp="1"/>
+          </p:cNvSpPr>
+          <p:nvPr>
+            <p:ph type="ftr" sz="quarter" idx="11"/>
+          </p:nvPr>
+        </p:nvSpPr>
+        <p:spPr>
+          <a:xfrm>
+            <a:off x="4108450" y="6197600"/>
+            <a:ext cx="4114800" cy="365125"/>
+          </a:xfrm>
+        </p:spPr>
+        <p:txBody>
+          <a:bodyPr/>
+          <a:lstStyle/>
+          <a:p>
+            <a:endParaRPr lang="cs-CZ"/>
+          </a:p>
+        </p:txBody>
+      </p:sp>
+    </p:spTree>
+    <p:extLst>
+      <p:ext uri="{BB962C8B-B14F-4D97-AF65-F5344CB8AC3E}">
+        <p14:creationId xmlns:p14="http://schemas.microsoft.com/office/powerpoint/2010/main" val="2311298757"/>
+      </p:ext>
+    </p:extLst>
+  </p:cSld>
+  <p:clrMapOvr>
+    <a:overrideClrMapping bg1="lt1" tx1="dk1" bg2="lt2" tx2="dk2" accent1="accent1" accent2="accent2" accent3="accent3" accent4="accent4" accent5="accent5" accent6="accent6" hlink="hlink" folHlink="folHlink"/>
+  </p:clrMapOvr>
+</p:sldLayout>
+</file>
+
+<file path=ppt/slideLayouts/slideLayout26.xml><?xml version="1.0" encoding="utf-8"?>
+<p:sldLayout xmlns:a="http://schemas.openxmlformats.org/drawingml/2006/main" xmlns:r="http://schemas.openxmlformats.org/officeDocument/2006/relationships" xmlns:p="http://schemas.openxmlformats.org/presentationml/2006/main" type="blank" preserve="1">
+  <p:cSld name="2_Picture-slide">
+    <p:bg>
+      <p:bgPr>
+        <a:solidFill>
+          <a:srgbClr val="FDAD00"/>
+        </a:solidFill>
+        <a:effectLst/>
+      </p:bgPr>
+    </p:bg>
+    <p:spTree>
+      <p:nvGrpSpPr>
+        <p:cNvPr id="1" name=""/>
+        <p:cNvGrpSpPr/>
+        <p:nvPr/>
+      </p:nvGrpSpPr>
+      <p:grpSpPr>
+        <a:xfrm>
+          <a:off x="0" y="0"/>
+          <a:ext cx="0" cy="0"/>
+          <a:chOff x="0" y="0"/>
+          <a:chExt cx="0" cy="0"/>
+        </a:xfrm>
+      </p:grpSpPr>
+      <p:sp>
+        <p:nvSpPr>
+          <p:cNvPr id="5" name="Zástupný symbol pro datum 1">
+            <a:extLst>
+              <a:ext uri="{FF2B5EF4-FFF2-40B4-BE49-F238E27FC236}">
+                <a16:creationId xmlns:a16="http://schemas.microsoft.com/office/drawing/2014/main" id="{C2598A6F-9C93-3D83-9034-BD98E9A3EFE0}"/>
+              </a:ext>
+            </a:extLst>
+          </p:cNvPr>
+          <p:cNvSpPr>
+            <a:spLocks noGrp="1"/>
+          </p:cNvSpPr>
+          <p:nvPr>
+            <p:ph type="dt" sz="half" idx="10"/>
+          </p:nvPr>
+        </p:nvSpPr>
+        <p:spPr>
+          <a:xfrm>
+            <a:off x="908050" y="6197600"/>
+            <a:ext cx="2743200" cy="365125"/>
+          </a:xfrm>
+        </p:spPr>
+        <p:txBody>
+          <a:bodyPr/>
+          <a:lstStyle>
+            <a:lvl1pPr>
+              <a:defRPr>
+                <a:solidFill>
+                  <a:schemeClr val="bg1">
+                    <a:lumMod val="50000"/>
+                    <a:lumOff val="50000"/>
+                  </a:schemeClr>
+                </a:solidFill>
+              </a:defRPr>
+            </a:lvl1pPr>
+          </a:lstStyle>
+          <a:p>
+            <a:fld id="{92357268-C79A-4225-9F2D-63360B661E37}" type="datetimeFigureOut">
+              <a:rPr lang="cs-CZ" smtClean="0"/>
+              <a:pPr/>
+              <a:t>13.11.2025</a:t>
+            </a:fld>
+            <a:endParaRPr lang="cs-CZ"/>
+          </a:p>
+        </p:txBody>
+      </p:sp>
+      <p:sp>
+        <p:nvSpPr>
+          <p:cNvPr id="6" name="Zástupný symbol pro zápatí 2">
+            <a:extLst>
+              <a:ext uri="{FF2B5EF4-FFF2-40B4-BE49-F238E27FC236}">
+                <a16:creationId xmlns:a16="http://schemas.microsoft.com/office/drawing/2014/main" id="{1C0C756A-3DA2-524F-CFE5-2B59D6A6B972}"/>
+              </a:ext>
+            </a:extLst>
+          </p:cNvPr>
+          <p:cNvSpPr>
+            <a:spLocks noGrp="1"/>
+          </p:cNvSpPr>
+          <p:nvPr>
+            <p:ph type="ftr" sz="quarter" idx="11"/>
+          </p:nvPr>
+        </p:nvSpPr>
+        <p:spPr>
+          <a:xfrm>
+            <a:off x="4108450" y="6197600"/>
+            <a:ext cx="4114800" cy="365125"/>
+          </a:xfrm>
+        </p:spPr>
+        <p:txBody>
+          <a:bodyPr/>
+          <a:lstStyle>
+            <a:lvl1pPr>
+              <a:defRPr>
+                <a:solidFill>
+                  <a:schemeClr val="bg1">
+                    <a:lumMod val="50000"/>
+                    <a:lumOff val="50000"/>
+                  </a:schemeClr>
+                </a:solidFill>
+              </a:defRPr>
+            </a:lvl1pPr>
+          </a:lstStyle>
+          <a:p>
+            <a:endParaRPr lang="cs-CZ"/>
+          </a:p>
+        </p:txBody>
+      </p:sp>
+    </p:spTree>
+    <p:extLst>
+      <p:ext uri="{BB962C8B-B14F-4D97-AF65-F5344CB8AC3E}">
+        <p14:creationId xmlns:p14="http://schemas.microsoft.com/office/powerpoint/2010/main" val="3082148397"/>
+      </p:ext>
+    </p:extLst>
+  </p:cSld>
+  <p:clrMapOvr>
+    <a:overrideClrMapping bg1="dk1" tx1="lt1" bg2="dk2" tx2="lt2" accent1="accent1" accent2="accent2" accent3="accent3" accent4="accent4" accent5="accent5" accent6="accent6" hlink="hlink" folHlink="folHlink"/>
+  </p:clrMapOvr>
+</p:sldLayout>
+</file>
+
+<file path=ppt/slideLayouts/slideLayout27.xml><?xml version="1.0" encoding="utf-8"?>
+<p:sldLayout xmlns:a="http://schemas.openxmlformats.org/drawingml/2006/main" xmlns:r="http://schemas.openxmlformats.org/officeDocument/2006/relationships" xmlns:p="http://schemas.openxmlformats.org/presentationml/2006/main" preserve="1" userDrawn="1">
+  <p:cSld name="End-slide">
+    <p:bg>
+      <p:bgRef idx="1001">
+        <a:schemeClr val="bg2"/>
+      </p:bgRef>
+    </p:bg>
+    <p:spTree>
+      <p:nvGrpSpPr>
+        <p:cNvPr id="1" name=""/>
+        <p:cNvGrpSpPr/>
+        <p:nvPr/>
+      </p:nvGrpSpPr>
+      <p:grpSpPr>
+        <a:xfrm>
+          <a:off x="0" y="0"/>
+          <a:ext cx="0" cy="0"/>
+          <a:chOff x="0" y="0"/>
+          <a:chExt cx="0" cy="0"/>
+        </a:xfrm>
+      </p:grpSpPr>
+      <p:pic>
+        <p:nvPicPr>
+          <p:cNvPr id="4" name="Obrázek 3" descr="Obsah obrázku hák, design&#10;&#10;Popis byl vytvořen automaticky">
+            <a:extLst>
+              <a:ext uri="{FF2B5EF4-FFF2-40B4-BE49-F238E27FC236}">
+                <a16:creationId xmlns:a16="http://schemas.microsoft.com/office/drawing/2014/main" id="{EBCEBEB8-B201-5BCB-19EE-FD429F589D3A}"/>
+              </a:ext>
+            </a:extLst>
+          </p:cNvPr>
+          <p:cNvPicPr>
+            <a:picLocks noChangeAspect="1"/>
+          </p:cNvPicPr>
+          <p:nvPr userDrawn="1"/>
+        </p:nvPicPr>
+        <p:blipFill>
+          <a:blip r:embed="rId2"/>
+          <a:stretch>
+            <a:fillRect/>
+          </a:stretch>
+        </p:blipFill>
+        <p:spPr>
+          <a:xfrm>
+            <a:off x="0" y="0"/>
+            <a:ext cx="12192000" cy="6858000"/>
+          </a:xfrm>
+          <a:prstGeom prst="rect">
+            <a:avLst/>
+          </a:prstGeom>
+        </p:spPr>
+      </p:pic>
+      <p:sp>
+        <p:nvSpPr>
+          <p:cNvPr id="2" name="Nadpis 1">
+            <a:extLst>
+              <a:ext uri="{FF2B5EF4-FFF2-40B4-BE49-F238E27FC236}">
+                <a16:creationId xmlns:a16="http://schemas.microsoft.com/office/drawing/2014/main" id="{A59116E4-6F6A-4236-B205-7EBF81DEDD75}"/>
+              </a:ext>
+            </a:extLst>
+          </p:cNvPr>
+          <p:cNvSpPr>
+            <a:spLocks noGrp="1"/>
+          </p:cNvSpPr>
+          <p:nvPr>
+            <p:ph type="ctrTitle" hasCustomPrompt="1"/>
+          </p:nvPr>
+        </p:nvSpPr>
+        <p:spPr>
+          <a:xfrm>
+            <a:off x="833778" y="2395649"/>
+            <a:ext cx="5262222" cy="1944084"/>
+          </a:xfrm>
+        </p:spPr>
+        <p:txBody>
+          <a:bodyPr anchor="ctr">
+            <a:normAutofit/>
+          </a:bodyPr>
+          <a:lstStyle>
+            <a:lvl1pPr algn="l">
+              <a:defRPr sz="4800">
+                <a:solidFill>
+                  <a:schemeClr val="bg1"/>
+                </a:solidFill>
+                <a:latin typeface="Prometo XBold" panose="020B0804030203060203" pitchFamily="34" charset="0"/>
+              </a:defRPr>
+            </a:lvl1pPr>
+          </a:lstStyle>
+          <a:p>
+            <a:r>
+              <a:rPr lang="en-US"/>
+              <a:t>Thank You Note</a:t>
+            </a:r>
+            <a:endParaRPr lang="cs-CZ"/>
+          </a:p>
+        </p:txBody>
+      </p:sp>
+      <p:sp>
+        <p:nvSpPr>
+          <p:cNvPr id="15" name="Zástupný text 9">
+            <a:extLst>
+              <a:ext uri="{FF2B5EF4-FFF2-40B4-BE49-F238E27FC236}">
+                <a16:creationId xmlns:a16="http://schemas.microsoft.com/office/drawing/2014/main" id="{C5ACBB49-9197-4A51-833A-05D4390975DE}"/>
+              </a:ext>
+            </a:extLst>
+          </p:cNvPr>
+          <p:cNvSpPr>
+            <a:spLocks noGrp="1"/>
+          </p:cNvSpPr>
+          <p:nvPr>
+            <p:ph type="body" sz="quarter" idx="14" hasCustomPrompt="1"/>
+          </p:nvPr>
+        </p:nvSpPr>
+        <p:spPr>
+          <a:xfrm>
+            <a:off x="1248067" y="5176287"/>
+            <a:ext cx="1844212" cy="493713"/>
+          </a:xfrm>
+        </p:spPr>
+        <p:txBody>
+          <a:bodyPr anchor="ctr">
+            <a:normAutofit/>
+          </a:bodyPr>
+          <a:lstStyle>
+            <a:lvl1pPr marL="0" indent="0" algn="l">
+              <a:buNone/>
+              <a:defRPr sz="1800">
+                <a:solidFill>
+                  <a:schemeClr val="bg1"/>
+                </a:solidFill>
+                <a:latin typeface="Raleway Light" pitchFamily="2" charset="0"/>
+              </a:defRPr>
+            </a:lvl1pPr>
+          </a:lstStyle>
+          <a:p>
+            <a:pPr lvl="0"/>
+            <a:r>
+              <a:rPr lang="en-US"/>
+              <a:t>Twitter</a:t>
+            </a:r>
+            <a:endParaRPr lang="cs-CZ"/>
+          </a:p>
+        </p:txBody>
+      </p:sp>
+      <p:sp>
+        <p:nvSpPr>
+          <p:cNvPr id="17" name="Zástupný text 9">
+            <a:extLst>
+              <a:ext uri="{FF2B5EF4-FFF2-40B4-BE49-F238E27FC236}">
+                <a16:creationId xmlns:a16="http://schemas.microsoft.com/office/drawing/2014/main" id="{5ED8E78F-D232-5BA9-44BC-3D0F2CFCE0EB}"/>
+              </a:ext>
+            </a:extLst>
+          </p:cNvPr>
+          <p:cNvSpPr>
+            <a:spLocks noGrp="1"/>
+          </p:cNvSpPr>
+          <p:nvPr>
+            <p:ph type="body" sz="quarter" idx="15" hasCustomPrompt="1"/>
+          </p:nvPr>
+        </p:nvSpPr>
+        <p:spPr>
+          <a:xfrm>
+            <a:off x="3743276" y="5176287"/>
+            <a:ext cx="1844212" cy="493713"/>
+          </a:xfrm>
+        </p:spPr>
+        <p:txBody>
+          <a:bodyPr anchor="ctr">
+            <a:normAutofit/>
+          </a:bodyPr>
+          <a:lstStyle>
+            <a:lvl1pPr marL="0" indent="0" algn="l">
+              <a:buNone/>
+              <a:defRPr sz="1800">
+                <a:solidFill>
+                  <a:schemeClr val="bg1"/>
+                </a:solidFill>
+                <a:latin typeface="Raleway Light" pitchFamily="2" charset="0"/>
+              </a:defRPr>
+            </a:lvl1pPr>
+          </a:lstStyle>
+          <a:p>
+            <a:pPr lvl="0"/>
+            <a:r>
+              <a:rPr lang="cs-CZ"/>
+              <a:t>LinkedIn</a:t>
+            </a:r>
+          </a:p>
+        </p:txBody>
+      </p:sp>
+      <p:pic>
+        <p:nvPicPr>
+          <p:cNvPr id="12" name="Grafický objekt 11">
+            <a:extLst>
+              <a:ext uri="{FF2B5EF4-FFF2-40B4-BE49-F238E27FC236}">
+                <a16:creationId xmlns:a16="http://schemas.microsoft.com/office/drawing/2014/main" id="{790CE6FB-A745-D4BA-D849-533C62172634}"/>
+              </a:ext>
+            </a:extLst>
+          </p:cNvPr>
+          <p:cNvPicPr>
+            <a:picLocks noChangeAspect="1"/>
+          </p:cNvPicPr>
+          <p:nvPr userDrawn="1"/>
+        </p:nvPicPr>
+        <p:blipFill>
+          <a:blip r:embed="rId3">
+            <a:extLst>
+              <a:ext uri="{96DAC541-7B7A-43D3-8B79-37D633B846F1}">
+                <asvg:svgBlip xmlns:asvg="http://schemas.microsoft.com/office/drawing/2016/SVG/main" r:embed="rId4"/>
+              </a:ext>
+            </a:extLst>
+          </a:blip>
+          <a:stretch>
+            <a:fillRect/>
+          </a:stretch>
+        </p:blipFill>
+        <p:spPr>
+          <a:xfrm>
+            <a:off x="814626" y="5236560"/>
+            <a:ext cx="362056" cy="362054"/>
+          </a:xfrm>
+          <a:prstGeom prst="rect">
+            <a:avLst/>
+          </a:prstGeom>
+        </p:spPr>
+      </p:pic>
+      <p:pic>
+        <p:nvPicPr>
+          <p:cNvPr id="18" name="Grafický objekt 17">
+            <a:extLst>
+              <a:ext uri="{FF2B5EF4-FFF2-40B4-BE49-F238E27FC236}">
+                <a16:creationId xmlns:a16="http://schemas.microsoft.com/office/drawing/2014/main" id="{05C0BE42-599B-AB7A-E0A5-0CD07FF6F9CD}"/>
+              </a:ext>
+            </a:extLst>
+          </p:cNvPr>
+          <p:cNvPicPr>
+            <a:picLocks noChangeAspect="1"/>
+          </p:cNvPicPr>
+          <p:nvPr userDrawn="1"/>
+        </p:nvPicPr>
+        <p:blipFill>
+          <a:blip r:embed="rId5">
+            <a:extLst>
+              <a:ext uri="{96DAC541-7B7A-43D3-8B79-37D633B846F1}">
+                <asvg:svgBlip xmlns:asvg="http://schemas.microsoft.com/office/drawing/2016/SVG/main" r:embed="rId6"/>
+              </a:ext>
+            </a:extLst>
+          </a:blip>
+          <a:stretch>
+            <a:fillRect/>
+          </a:stretch>
+        </p:blipFill>
+        <p:spPr>
+          <a:xfrm>
+            <a:off x="3309153" y="5235877"/>
+            <a:ext cx="363420" cy="363418"/>
+          </a:xfrm>
+          <a:prstGeom prst="rect">
+            <a:avLst/>
+          </a:prstGeom>
+        </p:spPr>
+      </p:pic>
+      <p:pic>
+        <p:nvPicPr>
+          <p:cNvPr id="8" name="Grafický objekt 7">
+            <a:extLst>
+              <a:ext uri="{FF2B5EF4-FFF2-40B4-BE49-F238E27FC236}">
+                <a16:creationId xmlns:a16="http://schemas.microsoft.com/office/drawing/2014/main" id="{59867425-5C2E-6DA4-BF49-9A191509894E}"/>
+              </a:ext>
+            </a:extLst>
+          </p:cNvPr>
+          <p:cNvPicPr>
+            <a:picLocks noChangeAspect="1"/>
+          </p:cNvPicPr>
+          <p:nvPr userDrawn="1"/>
+        </p:nvPicPr>
+        <p:blipFill>
+          <a:blip r:embed="rId7">
+            <a:extLst>
+              <a:ext uri="{96DAC541-7B7A-43D3-8B79-37D633B846F1}">
+                <asvg:svgBlip xmlns:asvg="http://schemas.microsoft.com/office/drawing/2016/SVG/main" r:embed="rId8"/>
+              </a:ext>
+            </a:extLst>
+          </a:blip>
+          <a:stretch>
+            <a:fillRect/>
+          </a:stretch>
+        </p:blipFill>
+        <p:spPr>
+          <a:xfrm>
+            <a:off x="5875066" y="5235876"/>
+            <a:ext cx="363419" cy="363419"/>
+          </a:xfrm>
+          <a:prstGeom prst="rect">
+            <a:avLst/>
+          </a:prstGeom>
+        </p:spPr>
+      </p:pic>
+      <p:sp>
+        <p:nvSpPr>
+          <p:cNvPr id="9" name="Zástupný text 9">
+            <a:extLst>
+              <a:ext uri="{FF2B5EF4-FFF2-40B4-BE49-F238E27FC236}">
+                <a16:creationId xmlns:a16="http://schemas.microsoft.com/office/drawing/2014/main" id="{D2C4FB82-A708-2912-24CA-39442AAD051A}"/>
+              </a:ext>
+            </a:extLst>
+          </p:cNvPr>
+          <p:cNvSpPr>
+            <a:spLocks noGrp="1"/>
+          </p:cNvSpPr>
+          <p:nvPr>
+            <p:ph type="body" sz="quarter" idx="16" hasCustomPrompt="1"/>
+          </p:nvPr>
+        </p:nvSpPr>
+        <p:spPr>
+          <a:xfrm>
+            <a:off x="6309188" y="5175606"/>
+            <a:ext cx="1844212" cy="493713"/>
+          </a:xfrm>
+        </p:spPr>
+        <p:txBody>
+          <a:bodyPr anchor="ctr">
+            <a:normAutofit/>
+          </a:bodyPr>
+          <a:lstStyle>
+            <a:lvl1pPr marL="0" indent="0" algn="l">
+              <a:buNone/>
+              <a:defRPr sz="1800">
+                <a:solidFill>
+                  <a:schemeClr val="bg1"/>
+                </a:solidFill>
+                <a:latin typeface="Raleway Light" pitchFamily="2" charset="0"/>
+              </a:defRPr>
+            </a:lvl1pPr>
+          </a:lstStyle>
+          <a:p>
+            <a:pPr lvl="0"/>
+            <a:r>
+              <a:rPr lang="cs-CZ"/>
+              <a:t>GitHub</a:t>
+            </a:r>
+          </a:p>
+        </p:txBody>
+      </p:sp>
+      <p:sp>
+        <p:nvSpPr>
+          <p:cNvPr id="13" name="Zástupný symbol pro datum 1">
+            <a:extLst>
+              <a:ext uri="{FF2B5EF4-FFF2-40B4-BE49-F238E27FC236}">
+                <a16:creationId xmlns:a16="http://schemas.microsoft.com/office/drawing/2014/main" id="{4CCABEB8-5B52-8766-B138-BF0F6FCBB6B9}"/>
+              </a:ext>
+            </a:extLst>
+          </p:cNvPr>
+          <p:cNvSpPr>
+            <a:spLocks noGrp="1"/>
+          </p:cNvSpPr>
+          <p:nvPr>
+            <p:ph type="dt" sz="half" idx="10"/>
+          </p:nvPr>
+        </p:nvSpPr>
+        <p:spPr>
+          <a:xfrm>
+            <a:off x="908050" y="6197600"/>
+            <a:ext cx="2743200" cy="365125"/>
+          </a:xfrm>
+        </p:spPr>
+        <p:txBody>
+          <a:bodyPr/>
+          <a:lstStyle/>
+          <a:p>
+            <a:fld id="{92357268-C79A-4225-9F2D-63360B661E37}" type="datetimeFigureOut">
+              <a:rPr lang="cs-CZ" smtClean="0"/>
+              <a:t>13.11.2025</a:t>
+            </a:fld>
+            <a:endParaRPr lang="cs-CZ"/>
+          </a:p>
+        </p:txBody>
+      </p:sp>
+      <p:sp>
+        <p:nvSpPr>
+          <p:cNvPr id="14" name="Zástupný symbol pro zápatí 2">
+            <a:extLst>
+              <a:ext uri="{FF2B5EF4-FFF2-40B4-BE49-F238E27FC236}">
+                <a16:creationId xmlns:a16="http://schemas.microsoft.com/office/drawing/2014/main" id="{1CFE454B-8562-9B8B-F82C-F6924FC1D596}"/>
+              </a:ext>
+            </a:extLst>
+          </p:cNvPr>
+          <p:cNvSpPr>
+            <a:spLocks noGrp="1"/>
+          </p:cNvSpPr>
+          <p:nvPr>
+            <p:ph type="ftr" sz="quarter" idx="11"/>
+          </p:nvPr>
+        </p:nvSpPr>
+        <p:spPr>
+          <a:xfrm>
+            <a:off x="4108450" y="6197600"/>
+            <a:ext cx="4114800" cy="365125"/>
+          </a:xfrm>
+        </p:spPr>
+        <p:txBody>
+          <a:bodyPr/>
+          <a:lstStyle/>
+          <a:p>
+            <a:endParaRPr lang="cs-CZ"/>
+          </a:p>
+        </p:txBody>
+      </p:sp>
+      <p:pic>
+        <p:nvPicPr>
+          <p:cNvPr id="3" name="Obrázek 2" descr="Obsah obrázku Písmo, text, Grafika, logo&#10;&#10;Obsah generovaný pomocí AI může být nesprávný.">
+            <a:extLst>
+              <a:ext uri="{FF2B5EF4-FFF2-40B4-BE49-F238E27FC236}">
+                <a16:creationId xmlns:a16="http://schemas.microsoft.com/office/drawing/2014/main" id="{08E4BBC5-0139-B475-AFBA-D9D67F18FC49}"/>
+              </a:ext>
+            </a:extLst>
+          </p:cNvPr>
+          <p:cNvPicPr>
+            <a:picLocks noChangeAspect="1"/>
+          </p:cNvPicPr>
+          <p:nvPr userDrawn="1"/>
+        </p:nvPicPr>
+        <p:blipFill>
+          <a:blip r:embed="rId9">
+            <a:extLst>
+              <a:ext uri="{28A0092B-C50C-407E-A947-70E740481C1C}">
+                <a14:useLocalDpi xmlns:a14="http://schemas.microsoft.com/office/drawing/2010/main" val="0"/>
+              </a:ext>
+            </a:extLst>
+          </a:blip>
+          <a:stretch>
+            <a:fillRect/>
+          </a:stretch>
+        </p:blipFill>
+        <p:spPr>
+          <a:xfrm>
+            <a:off x="942488" y="961323"/>
+            <a:ext cx="3183742" cy="591165"/>
+          </a:xfrm>
+          <a:prstGeom prst="rect">
+            <a:avLst/>
+          </a:prstGeom>
+        </p:spPr>
+      </p:pic>
+    </p:spTree>
+    <p:extLst>
+      <p:ext uri="{BB962C8B-B14F-4D97-AF65-F5344CB8AC3E}">
+        <p14:creationId xmlns:p14="http://schemas.microsoft.com/office/powerpoint/2010/main" val="3506956583"/>
+      </p:ext>
+    </p:extLst>
+  </p:cSld>
+  <p:clrMapOvr>
+    <a:overrideClrMapping bg1="lt1" tx1="dk1" bg2="lt2" tx2="dk2" accent1="accent1" accent2="accent2" accent3="accent3" accent4="accent4" accent5="accent5" accent6="accent6" hlink="hlink" folHlink="folHlink"/>
   </p:clrMapOvr>
 </p:sldLayout>
 </file>
@@ -4675,6 +7776,546 @@
 </p:sldMaster>
 </file>
 
+<file path=ppt/slideMasters/slideMaster2.xml><?xml version="1.0" encoding="utf-8"?>
+<p:sldMaster xmlns:a="http://schemas.openxmlformats.org/drawingml/2006/main" xmlns:r="http://schemas.openxmlformats.org/officeDocument/2006/relationships" xmlns:p="http://schemas.openxmlformats.org/presentationml/2006/main">
+  <p:cSld>
+    <p:bg>
+      <p:bgRef idx="1001">
+        <a:schemeClr val="bg1"/>
+      </p:bgRef>
+    </p:bg>
+    <p:spTree>
+      <p:nvGrpSpPr>
+        <p:cNvPr id="1" name=""/>
+        <p:cNvGrpSpPr/>
+        <p:nvPr/>
+      </p:nvGrpSpPr>
+      <p:grpSpPr>
+        <a:xfrm>
+          <a:off x="0" y="0"/>
+          <a:ext cx="0" cy="0"/>
+          <a:chOff x="0" y="0"/>
+          <a:chExt cx="0" cy="0"/>
+        </a:xfrm>
+      </p:grpSpPr>
+      <p:sp>
+        <p:nvSpPr>
+          <p:cNvPr id="2" name="Zástupný nadpis 1">
+            <a:extLst>
+              <a:ext uri="{FF2B5EF4-FFF2-40B4-BE49-F238E27FC236}">
+                <a16:creationId xmlns:a16="http://schemas.microsoft.com/office/drawing/2014/main" id="{10E2DF56-F67D-41BD-94A3-E33203F92C7D}"/>
+              </a:ext>
+            </a:extLst>
+          </p:cNvPr>
+          <p:cNvSpPr>
+            <a:spLocks noGrp="1"/>
+          </p:cNvSpPr>
+          <p:nvPr>
+            <p:ph type="title"/>
+          </p:nvPr>
+        </p:nvSpPr>
+        <p:spPr>
+          <a:xfrm>
+            <a:off x="838200" y="365125"/>
+            <a:ext cx="10515600" cy="1325563"/>
+          </a:xfrm>
+          <a:prstGeom prst="rect">
+            <a:avLst/>
+          </a:prstGeom>
+        </p:spPr>
+        <p:txBody>
+          <a:bodyPr vert="horz" lIns="91440" tIns="45720" rIns="91440" bIns="45720" rtlCol="0" anchor="ctr">
+            <a:normAutofit/>
+          </a:bodyPr>
+          <a:lstStyle/>
+          <a:p>
+            <a:r>
+              <a:rPr lang="cs-CZ"/>
+              <a:t>Kliknutím lze upravit styl.</a:t>
+            </a:r>
+          </a:p>
+        </p:txBody>
+      </p:sp>
+      <p:sp>
+        <p:nvSpPr>
+          <p:cNvPr id="3" name="Zástupný text 2">
+            <a:extLst>
+              <a:ext uri="{FF2B5EF4-FFF2-40B4-BE49-F238E27FC236}">
+                <a16:creationId xmlns:a16="http://schemas.microsoft.com/office/drawing/2014/main" id="{D71FEF04-0566-4B53-B06C-C50200C785BD}"/>
+              </a:ext>
+            </a:extLst>
+          </p:cNvPr>
+          <p:cNvSpPr>
+            <a:spLocks noGrp="1"/>
+          </p:cNvSpPr>
+          <p:nvPr>
+            <p:ph type="body" idx="1"/>
+          </p:nvPr>
+        </p:nvSpPr>
+        <p:spPr>
+          <a:xfrm>
+            <a:off x="838200" y="1825625"/>
+            <a:ext cx="10515600" cy="4351338"/>
+          </a:xfrm>
+          <a:prstGeom prst="rect">
+            <a:avLst/>
+          </a:prstGeom>
+        </p:spPr>
+        <p:txBody>
+          <a:bodyPr vert="horz" lIns="91440" tIns="45720" rIns="91440" bIns="45720" rtlCol="0">
+            <a:normAutofit/>
+          </a:bodyPr>
+          <a:lstStyle/>
+          <a:p>
+            <a:pPr lvl="0"/>
+            <a:r>
+              <a:rPr lang="cs-CZ"/>
+              <a:t>Po kliknutí můžete upravovat styly textu v předloze.</a:t>
+            </a:r>
+          </a:p>
+          <a:p>
+            <a:pPr lvl="1"/>
+            <a:r>
+              <a:rPr lang="cs-CZ"/>
+              <a:t>Druhá úroveň</a:t>
+            </a:r>
+          </a:p>
+          <a:p>
+            <a:pPr lvl="2"/>
+            <a:r>
+              <a:rPr lang="cs-CZ"/>
+              <a:t>Třetí úroveň</a:t>
+            </a:r>
+          </a:p>
+          <a:p>
+            <a:pPr lvl="3"/>
+            <a:r>
+              <a:rPr lang="cs-CZ"/>
+              <a:t>Čtvrtá úroveň</a:t>
+            </a:r>
+          </a:p>
+          <a:p>
+            <a:pPr lvl="4"/>
+            <a:r>
+              <a:rPr lang="cs-CZ"/>
+              <a:t>Pátá úroveň</a:t>
+            </a:r>
+          </a:p>
+        </p:txBody>
+      </p:sp>
+      <p:sp>
+        <p:nvSpPr>
+          <p:cNvPr id="4" name="Zástupný symbol pro datum 3">
+            <a:extLst>
+              <a:ext uri="{FF2B5EF4-FFF2-40B4-BE49-F238E27FC236}">
+                <a16:creationId xmlns:a16="http://schemas.microsoft.com/office/drawing/2014/main" id="{4497E9F2-0FFD-493C-93E1-79BC3BB410AF}"/>
+              </a:ext>
+            </a:extLst>
+          </p:cNvPr>
+          <p:cNvSpPr>
+            <a:spLocks noGrp="1"/>
+          </p:cNvSpPr>
+          <p:nvPr>
+            <p:ph type="dt" sz="half" idx="2"/>
+          </p:nvPr>
+        </p:nvSpPr>
+        <p:spPr>
+          <a:xfrm>
+            <a:off x="838200" y="6356350"/>
+            <a:ext cx="2743200" cy="365125"/>
+          </a:xfrm>
+          <a:prstGeom prst="rect">
+            <a:avLst/>
+          </a:prstGeom>
+        </p:spPr>
+        <p:txBody>
+          <a:bodyPr vert="horz" lIns="91440" tIns="45720" rIns="91440" bIns="45720" rtlCol="0" anchor="ctr"/>
+          <a:lstStyle>
+            <a:lvl1pPr algn="l">
+              <a:defRPr sz="1200">
+                <a:solidFill>
+                  <a:schemeClr val="tx1">
+                    <a:tint val="75000"/>
+                  </a:schemeClr>
+                </a:solidFill>
+              </a:defRPr>
+            </a:lvl1pPr>
+          </a:lstStyle>
+          <a:p>
+            <a:fld id="{173508AB-210D-4B6F-AE53-C36D4FCB8D3D}" type="datetime1">
+              <a:rPr lang="cs-CZ" smtClean="0"/>
+              <a:t>13.11.2025</a:t>
+            </a:fld>
+            <a:endParaRPr lang="cs-CZ"/>
+          </a:p>
+        </p:txBody>
+      </p:sp>
+      <p:sp>
+        <p:nvSpPr>
+          <p:cNvPr id="5" name="Zástupný symbol pro zápatí 4">
+            <a:extLst>
+              <a:ext uri="{FF2B5EF4-FFF2-40B4-BE49-F238E27FC236}">
+                <a16:creationId xmlns:a16="http://schemas.microsoft.com/office/drawing/2014/main" id="{946ADE25-0354-4CE9-860B-FA825775C66C}"/>
+              </a:ext>
+            </a:extLst>
+          </p:cNvPr>
+          <p:cNvSpPr>
+            <a:spLocks noGrp="1"/>
+          </p:cNvSpPr>
+          <p:nvPr>
+            <p:ph type="ftr" sz="quarter" idx="3"/>
+          </p:nvPr>
+        </p:nvSpPr>
+        <p:spPr>
+          <a:xfrm>
+            <a:off x="4038600" y="6356350"/>
+            <a:ext cx="4114800" cy="365125"/>
+          </a:xfrm>
+          <a:prstGeom prst="rect">
+            <a:avLst/>
+          </a:prstGeom>
+        </p:spPr>
+        <p:txBody>
+          <a:bodyPr vert="horz" lIns="91440" tIns="45720" rIns="91440" bIns="45720" rtlCol="0" anchor="ctr"/>
+          <a:lstStyle>
+            <a:lvl1pPr algn="ctr">
+              <a:defRPr sz="1200">
+                <a:solidFill>
+                  <a:schemeClr val="tx1">
+                    <a:tint val="75000"/>
+                  </a:schemeClr>
+                </a:solidFill>
+              </a:defRPr>
+            </a:lvl1pPr>
+          </a:lstStyle>
+          <a:p>
+            <a:endParaRPr lang="cs-CZ"/>
+          </a:p>
+        </p:txBody>
+      </p:sp>
+    </p:spTree>
+    <p:extLst>
+      <p:ext uri="{BB962C8B-B14F-4D97-AF65-F5344CB8AC3E}">
+        <p14:creationId xmlns:p14="http://schemas.microsoft.com/office/powerpoint/2010/main" val="2265002304"/>
+      </p:ext>
+    </p:extLst>
+  </p:cSld>
+  <p:clrMap bg1="lt1" tx1="dk1" bg2="lt2" tx2="dk2" accent1="accent1" accent2="accent2" accent3="accent3" accent4="accent4" accent5="accent5" accent6="accent6" hlink="hlink" folHlink="folHlink"/>
+  <p:sldLayoutIdLst>
+    <p:sldLayoutId id="2147483663" r:id="rId1"/>
+    <p:sldLayoutId id="2147483664" r:id="rId2"/>
+    <p:sldLayoutId id="2147483665" r:id="rId3"/>
+    <p:sldLayoutId id="2147483666" r:id="rId4"/>
+    <p:sldLayoutId id="2147483667" r:id="rId5"/>
+    <p:sldLayoutId id="2147483668" r:id="rId6"/>
+    <p:sldLayoutId id="2147483669" r:id="rId7"/>
+    <p:sldLayoutId id="2147483670" r:id="rId8"/>
+    <p:sldLayoutId id="2147483671" r:id="rId9"/>
+    <p:sldLayoutId id="2147483672" r:id="rId10"/>
+    <p:sldLayoutId id="2147483673" r:id="rId11"/>
+    <p:sldLayoutId id="2147483674" r:id="rId12"/>
+    <p:sldLayoutId id="2147483675" r:id="rId13"/>
+    <p:sldLayoutId id="2147483676" r:id="rId14"/>
+  </p:sldLayoutIdLst>
+  <p:hf hdr="0" ftr="0" dt="0"/>
+  <p:txStyles>
+    <p:titleStyle>
+      <a:lvl1pPr algn="l" defTabSz="914400" rtl="0" eaLnBrk="1" latinLnBrk="0" hangingPunct="1">
+        <a:lnSpc>
+          <a:spcPct val="90000"/>
+        </a:lnSpc>
+        <a:spcBef>
+          <a:spcPct val="0"/>
+        </a:spcBef>
+        <a:buNone/>
+        <a:defRPr sz="4400" kern="1200">
+          <a:solidFill>
+            <a:schemeClr val="tx1"/>
+          </a:solidFill>
+          <a:latin typeface="+mj-lt"/>
+          <a:ea typeface="Roboto" panose="02000000000000000000" pitchFamily="2" charset="0"/>
+          <a:cs typeface="Roboto" panose="02000000000000000000" pitchFamily="2" charset="0"/>
+        </a:defRPr>
+      </a:lvl1pPr>
+    </p:titleStyle>
+    <p:bodyStyle>
+      <a:lvl1pPr marL="228600" indent="-228600" algn="l" defTabSz="914400" rtl="0" eaLnBrk="1" latinLnBrk="0" hangingPunct="1">
+        <a:lnSpc>
+          <a:spcPct val="90000"/>
+        </a:lnSpc>
+        <a:spcBef>
+          <a:spcPts val="1000"/>
+        </a:spcBef>
+        <a:buClr>
+          <a:srgbClr val="FDAD00"/>
+        </a:buClr>
+        <a:buFont typeface="Arial" panose="020B0604020202020204" pitchFamily="34" charset="0"/>
+        <a:buChar char="•"/>
+        <a:defRPr sz="2800" kern="1200">
+          <a:solidFill>
+            <a:schemeClr val="tx1"/>
+          </a:solidFill>
+          <a:latin typeface="+mn-lt"/>
+          <a:ea typeface="+mn-ea"/>
+          <a:cs typeface="+mn-cs"/>
+        </a:defRPr>
+      </a:lvl1pPr>
+      <a:lvl2pPr marL="685800" indent="-228600" algn="l" defTabSz="914400" rtl="0" eaLnBrk="1" latinLnBrk="0" hangingPunct="1">
+        <a:lnSpc>
+          <a:spcPct val="90000"/>
+        </a:lnSpc>
+        <a:spcBef>
+          <a:spcPts val="500"/>
+        </a:spcBef>
+        <a:buClr>
+          <a:srgbClr val="FDAD00"/>
+        </a:buClr>
+        <a:buFont typeface="Arial" panose="020B0604020202020204" pitchFamily="34" charset="0"/>
+        <a:buChar char="•"/>
+        <a:defRPr sz="2400" kern="1200">
+          <a:solidFill>
+            <a:schemeClr val="tx1"/>
+          </a:solidFill>
+          <a:latin typeface="+mn-lt"/>
+          <a:ea typeface="+mn-ea"/>
+          <a:cs typeface="+mn-cs"/>
+        </a:defRPr>
+      </a:lvl2pPr>
+      <a:lvl3pPr marL="1143000" indent="-228600" algn="l" defTabSz="914400" rtl="0" eaLnBrk="1" latinLnBrk="0" hangingPunct="1">
+        <a:lnSpc>
+          <a:spcPct val="90000"/>
+        </a:lnSpc>
+        <a:spcBef>
+          <a:spcPts val="500"/>
+        </a:spcBef>
+        <a:buClr>
+          <a:srgbClr val="FDAD00"/>
+        </a:buClr>
+        <a:buFont typeface="Arial" panose="020B0604020202020204" pitchFamily="34" charset="0"/>
+        <a:buChar char="•"/>
+        <a:defRPr sz="2000" kern="1200">
+          <a:solidFill>
+            <a:schemeClr val="tx1"/>
+          </a:solidFill>
+          <a:latin typeface="+mn-lt"/>
+          <a:ea typeface="+mn-ea"/>
+          <a:cs typeface="+mn-cs"/>
+        </a:defRPr>
+      </a:lvl3pPr>
+      <a:lvl4pPr marL="1600200" indent="-228600" algn="l" defTabSz="914400" rtl="0" eaLnBrk="1" latinLnBrk="0" hangingPunct="1">
+        <a:lnSpc>
+          <a:spcPct val="90000"/>
+        </a:lnSpc>
+        <a:spcBef>
+          <a:spcPts val="500"/>
+        </a:spcBef>
+        <a:buClr>
+          <a:srgbClr val="FDAD00"/>
+        </a:buClr>
+        <a:buFont typeface="Arial" panose="020B0604020202020204" pitchFamily="34" charset="0"/>
+        <a:buChar char="•"/>
+        <a:defRPr sz="1800" kern="1200">
+          <a:solidFill>
+            <a:schemeClr val="tx1"/>
+          </a:solidFill>
+          <a:latin typeface="+mn-lt"/>
+          <a:ea typeface="+mn-ea"/>
+          <a:cs typeface="+mn-cs"/>
+        </a:defRPr>
+      </a:lvl4pPr>
+      <a:lvl5pPr marL="2057400" indent="-228600" algn="l" defTabSz="914400" rtl="0" eaLnBrk="1" latinLnBrk="0" hangingPunct="1">
+        <a:lnSpc>
+          <a:spcPct val="90000"/>
+        </a:lnSpc>
+        <a:spcBef>
+          <a:spcPts val="500"/>
+        </a:spcBef>
+        <a:buClr>
+          <a:srgbClr val="FDAD00"/>
+        </a:buClr>
+        <a:buFont typeface="Arial" panose="020B0604020202020204" pitchFamily="34" charset="0"/>
+        <a:buChar char="•"/>
+        <a:defRPr sz="1800" kern="1200">
+          <a:solidFill>
+            <a:schemeClr val="tx1"/>
+          </a:solidFill>
+          <a:latin typeface="+mn-lt"/>
+          <a:ea typeface="+mn-ea"/>
+          <a:cs typeface="+mn-cs"/>
+        </a:defRPr>
+      </a:lvl5pPr>
+      <a:lvl6pPr marL="2514600" indent="-228600" algn="l" defTabSz="914400" rtl="0" eaLnBrk="1" latinLnBrk="0" hangingPunct="1">
+        <a:lnSpc>
+          <a:spcPct val="90000"/>
+        </a:lnSpc>
+        <a:spcBef>
+          <a:spcPts val="500"/>
+        </a:spcBef>
+        <a:buFont typeface="Arial" panose="020B0604020202020204" pitchFamily="34" charset="0"/>
+        <a:buChar char="•"/>
+        <a:defRPr sz="1800" kern="1200">
+          <a:solidFill>
+            <a:schemeClr val="tx1"/>
+          </a:solidFill>
+          <a:latin typeface="+mn-lt"/>
+          <a:ea typeface="+mn-ea"/>
+          <a:cs typeface="+mn-cs"/>
+        </a:defRPr>
+      </a:lvl6pPr>
+      <a:lvl7pPr marL="2971800" indent="-228600" algn="l" defTabSz="914400" rtl="0" eaLnBrk="1" latinLnBrk="0" hangingPunct="1">
+        <a:lnSpc>
+          <a:spcPct val="90000"/>
+        </a:lnSpc>
+        <a:spcBef>
+          <a:spcPts val="500"/>
+        </a:spcBef>
+        <a:buFont typeface="Arial" panose="020B0604020202020204" pitchFamily="34" charset="0"/>
+        <a:buChar char="•"/>
+        <a:defRPr sz="1800" kern="1200">
+          <a:solidFill>
+            <a:schemeClr val="tx1"/>
+          </a:solidFill>
+          <a:latin typeface="+mn-lt"/>
+          <a:ea typeface="+mn-ea"/>
+          <a:cs typeface="+mn-cs"/>
+        </a:defRPr>
+      </a:lvl7pPr>
+      <a:lvl8pPr marL="3429000" indent="-228600" algn="l" defTabSz="914400" rtl="0" eaLnBrk="1" latinLnBrk="0" hangingPunct="1">
+        <a:lnSpc>
+          <a:spcPct val="90000"/>
+        </a:lnSpc>
+        <a:spcBef>
+          <a:spcPts val="500"/>
+        </a:spcBef>
+        <a:buFont typeface="Arial" panose="020B0604020202020204" pitchFamily="34" charset="0"/>
+        <a:buChar char="•"/>
+        <a:defRPr sz="1800" kern="1200">
+          <a:solidFill>
+            <a:schemeClr val="tx1"/>
+          </a:solidFill>
+          <a:latin typeface="+mn-lt"/>
+          <a:ea typeface="+mn-ea"/>
+          <a:cs typeface="+mn-cs"/>
+        </a:defRPr>
+      </a:lvl8pPr>
+      <a:lvl9pPr marL="3886200" indent="-228600" algn="l" defTabSz="914400" rtl="0" eaLnBrk="1" latinLnBrk="0" hangingPunct="1">
+        <a:lnSpc>
+          <a:spcPct val="90000"/>
+        </a:lnSpc>
+        <a:spcBef>
+          <a:spcPts val="500"/>
+        </a:spcBef>
+        <a:buFont typeface="Arial" panose="020B0604020202020204" pitchFamily="34" charset="0"/>
+        <a:buChar char="•"/>
+        <a:defRPr sz="1800" kern="1200">
+          <a:solidFill>
+            <a:schemeClr val="tx1"/>
+          </a:solidFill>
+          <a:latin typeface="+mn-lt"/>
+          <a:ea typeface="+mn-ea"/>
+          <a:cs typeface="+mn-cs"/>
+        </a:defRPr>
+      </a:lvl9pPr>
+    </p:bodyStyle>
+    <p:otherStyle>
+      <a:defPPr>
+        <a:defRPr lang="cs-CZ"/>
+      </a:defPPr>
+      <a:lvl1pPr marL="0" algn="l" defTabSz="914400" rtl="0" eaLnBrk="1" latinLnBrk="0" hangingPunct="1">
+        <a:defRPr sz="1800" kern="1200">
+          <a:solidFill>
+            <a:schemeClr val="tx1"/>
+          </a:solidFill>
+          <a:latin typeface="+mn-lt"/>
+          <a:ea typeface="+mn-ea"/>
+          <a:cs typeface="+mn-cs"/>
+        </a:defRPr>
+      </a:lvl1pPr>
+      <a:lvl2pPr marL="457200" algn="l" defTabSz="914400" rtl="0" eaLnBrk="1" latinLnBrk="0" hangingPunct="1">
+        <a:defRPr sz="1800" kern="1200">
+          <a:solidFill>
+            <a:schemeClr val="tx1"/>
+          </a:solidFill>
+          <a:latin typeface="+mn-lt"/>
+          <a:ea typeface="+mn-ea"/>
+          <a:cs typeface="+mn-cs"/>
+        </a:defRPr>
+      </a:lvl2pPr>
+      <a:lvl3pPr marL="914400" algn="l" defTabSz="914400" rtl="0" eaLnBrk="1" latinLnBrk="0" hangingPunct="1">
+        <a:defRPr sz="1800" kern="1200">
+          <a:solidFill>
+            <a:schemeClr val="tx1"/>
+          </a:solidFill>
+          <a:latin typeface="+mn-lt"/>
+          <a:ea typeface="+mn-ea"/>
+          <a:cs typeface="+mn-cs"/>
+        </a:defRPr>
+      </a:lvl3pPr>
+      <a:lvl4pPr marL="1371600" algn="l" defTabSz="914400" rtl="0" eaLnBrk="1" latinLnBrk="0" hangingPunct="1">
+        <a:defRPr sz="1800" kern="1200">
+          <a:solidFill>
+            <a:schemeClr val="tx1"/>
+          </a:solidFill>
+          <a:latin typeface="+mn-lt"/>
+          <a:ea typeface="+mn-ea"/>
+          <a:cs typeface="+mn-cs"/>
+        </a:defRPr>
+      </a:lvl4pPr>
+      <a:lvl5pPr marL="1828800" algn="l" defTabSz="914400" rtl="0" eaLnBrk="1" latinLnBrk="0" hangingPunct="1">
+        <a:defRPr sz="1800" kern="1200">
+          <a:solidFill>
+            <a:schemeClr val="tx1"/>
+          </a:solidFill>
+          <a:latin typeface="+mn-lt"/>
+          <a:ea typeface="+mn-ea"/>
+          <a:cs typeface="+mn-cs"/>
+        </a:defRPr>
+      </a:lvl5pPr>
+      <a:lvl6pPr marL="2286000" algn="l" defTabSz="914400" rtl="0" eaLnBrk="1" latinLnBrk="0" hangingPunct="1">
+        <a:defRPr sz="1800" kern="1200">
+          <a:solidFill>
+            <a:schemeClr val="tx1"/>
+          </a:solidFill>
+          <a:latin typeface="+mn-lt"/>
+          <a:ea typeface="+mn-ea"/>
+          <a:cs typeface="+mn-cs"/>
+        </a:defRPr>
+      </a:lvl6pPr>
+      <a:lvl7pPr marL="2743200" algn="l" defTabSz="914400" rtl="0" eaLnBrk="1" latinLnBrk="0" hangingPunct="1">
+        <a:defRPr sz="1800" kern="1200">
+          <a:solidFill>
+            <a:schemeClr val="tx1"/>
+          </a:solidFill>
+          <a:latin typeface="+mn-lt"/>
+          <a:ea typeface="+mn-ea"/>
+          <a:cs typeface="+mn-cs"/>
+        </a:defRPr>
+      </a:lvl7pPr>
+      <a:lvl8pPr marL="3200400" algn="l" defTabSz="914400" rtl="0" eaLnBrk="1" latinLnBrk="0" hangingPunct="1">
+        <a:defRPr sz="1800" kern="1200">
+          <a:solidFill>
+            <a:schemeClr val="tx1"/>
+          </a:solidFill>
+          <a:latin typeface="+mn-lt"/>
+          <a:ea typeface="+mn-ea"/>
+          <a:cs typeface="+mn-cs"/>
+        </a:defRPr>
+      </a:lvl8pPr>
+      <a:lvl9pPr marL="3657600" algn="l" defTabSz="914400" rtl="0" eaLnBrk="1" latinLnBrk="0" hangingPunct="1">
+        <a:defRPr sz="1800" kern="1200">
+          <a:solidFill>
+            <a:schemeClr val="tx1"/>
+          </a:solidFill>
+          <a:latin typeface="+mn-lt"/>
+          <a:ea typeface="+mn-ea"/>
+          <a:cs typeface="+mn-cs"/>
+        </a:defRPr>
+      </a:lvl9pPr>
+    </p:otherStyle>
+  </p:txStyles>
+</p:sldMaster>
+</file>
+
 <file path=ppt/slides/slide1.xml><?xml version="1.0" encoding="utf-8"?>
 <p:sld xmlns:a="http://schemas.openxmlformats.org/drawingml/2006/main" xmlns:r="http://schemas.openxmlformats.org/officeDocument/2006/relationships" xmlns:p="http://schemas.openxmlformats.org/presentationml/2006/main">
   <p:cSld>
@@ -4839,6 +8480,315 @@
 </file>
 
 <file path=ppt/slides/slide10.xml><?xml version="1.0" encoding="utf-8"?>
+<p:sld xmlns:a="http://schemas.openxmlformats.org/drawingml/2006/main" xmlns:r="http://schemas.openxmlformats.org/officeDocument/2006/relationships" xmlns:p="http://schemas.openxmlformats.org/presentationml/2006/main">
+  <p:cSld>
+    <p:bg>
+      <p:bgPr>
+        <a:solidFill>
+          <a:schemeClr val="bg1"/>
+        </a:solidFill>
+        <a:effectLst/>
+      </p:bgPr>
+    </p:bg>
+    <p:spTree>
+      <p:nvGrpSpPr>
+        <p:cNvPr id="1" name=""/>
+        <p:cNvGrpSpPr/>
+        <p:nvPr/>
+      </p:nvGrpSpPr>
+      <p:grpSpPr>
+        <a:xfrm>
+          <a:off x="0" y="0"/>
+          <a:ext cx="0" cy="0"/>
+          <a:chOff x="0" y="0"/>
+          <a:chExt cx="0" cy="0"/>
+        </a:xfrm>
+      </p:grpSpPr>
+      <p:pic>
+        <p:nvPicPr>
+          <p:cNvPr id="3" name="Picture 2">
+            <a:extLst>
+              <a:ext uri="{FF2B5EF4-FFF2-40B4-BE49-F238E27FC236}">
+                <a16:creationId xmlns:a16="http://schemas.microsoft.com/office/drawing/2014/main" id="{C9418A99-5CA8-433E-ADE7-279E5BF7050D}"/>
+              </a:ext>
+            </a:extLst>
+          </p:cNvPr>
+          <p:cNvPicPr>
+            <a:picLocks noChangeAspect="1"/>
+          </p:cNvPicPr>
+          <p:nvPr/>
+        </p:nvPicPr>
+        <p:blipFill rotWithShape="1">
+          <a:blip r:embed="rId2">
+            <a:extLst>
+              <a:ext uri="{28A0092B-C50C-407E-A947-70E740481C1C}">
+                <a14:useLocalDpi xmlns:a14="http://schemas.microsoft.com/office/drawing/2010/main" val="0"/>
+              </a:ext>
+            </a:extLst>
+          </a:blip>
+          <a:srcRect/>
+          <a:stretch/>
+        </p:blipFill>
+        <p:spPr>
+          <a:xfrm>
+            <a:off x="20" y="10"/>
+            <a:ext cx="12191980" cy="6857990"/>
+          </a:xfrm>
+          <a:prstGeom prst="rect">
+            <a:avLst/>
+          </a:prstGeom>
+        </p:spPr>
+      </p:pic>
+      <p:sp>
+        <p:nvSpPr>
+          <p:cNvPr id="8" name="Freeform 5">
+            <a:extLst>
+              <a:ext uri="{FF2B5EF4-FFF2-40B4-BE49-F238E27FC236}">
+                <a16:creationId xmlns:a16="http://schemas.microsoft.com/office/drawing/2014/main" id="{87CC2527-562A-4F69-B487-4371E5B243E7}"/>
+              </a:ext>
+              <a:ext uri="{C183D7F6-B498-43B3-948B-1728B52AA6E4}">
+                <adec:decorative xmlns:adec="http://schemas.microsoft.com/office/drawing/2017/decorative" val="1"/>
+              </a:ext>
+            </a:extLst>
+          </p:cNvPr>
+          <p:cNvSpPr>
+            <a:spLocks noGrp="1" noRot="1" noChangeAspect="1" noMove="1" noResize="1" noEditPoints="1" noAdjustHandles="1" noChangeArrowheads="1" noChangeShapeType="1" noTextEdit="1"/>
+          </p:cNvSpPr>
+          <p:nvPr>
+            <p:extLst>
+              <p:ext uri="{386F3935-93C4-4BCD-93E2-E3B085C9AB24}">
+                <p16:designElem xmlns:p16="http://schemas.microsoft.com/office/powerpoint/2015/main" val="1"/>
+              </p:ext>
+            </p:extLst>
+          </p:nvPr>
+        </p:nvSpPr>
+        <p:spPr bwMode="grayWhite">
+          <a:xfrm>
+            <a:off x="7488621" y="2277613"/>
+            <a:ext cx="4703379" cy="4580387"/>
+          </a:xfrm>
+          <a:custGeom>
+            <a:avLst/>
+            <a:gdLst>
+              <a:gd name="T0" fmla="*/ 1333 w 1333"/>
+              <a:gd name="T1" fmla="*/ 1031 h 1298"/>
+              <a:gd name="T2" fmla="*/ 1333 w 1333"/>
+              <a:gd name="T3" fmla="*/ 380 h 1298"/>
+              <a:gd name="T4" fmla="*/ 706 w 1333"/>
+              <a:gd name="T5" fmla="*/ 0 h 1298"/>
+              <a:gd name="T6" fmla="*/ 0 w 1333"/>
+              <a:gd name="T7" fmla="*/ 706 h 1298"/>
+              <a:gd name="T8" fmla="*/ 323 w 1333"/>
+              <a:gd name="T9" fmla="*/ 1298 h 1298"/>
+              <a:gd name="T10" fmla="*/ 1090 w 1333"/>
+              <a:gd name="T11" fmla="*/ 1298 h 1298"/>
+              <a:gd name="T12" fmla="*/ 1333 w 1333"/>
+              <a:gd name="T13" fmla="*/ 1031 h 1298"/>
+            </a:gdLst>
+            <a:ahLst/>
+            <a:cxnLst>
+              <a:cxn ang="0">
+                <a:pos x="T0" y="T1"/>
+              </a:cxn>
+              <a:cxn ang="0">
+                <a:pos x="T2" y="T3"/>
+              </a:cxn>
+              <a:cxn ang="0">
+                <a:pos x="T4" y="T5"/>
+              </a:cxn>
+              <a:cxn ang="0">
+                <a:pos x="T6" y="T7"/>
+              </a:cxn>
+              <a:cxn ang="0">
+                <a:pos x="T8" y="T9"/>
+              </a:cxn>
+              <a:cxn ang="0">
+                <a:pos x="T10" y="T11"/>
+              </a:cxn>
+              <a:cxn ang="0">
+                <a:pos x="T12" y="T13"/>
+              </a:cxn>
+            </a:cxnLst>
+            <a:rect l="0" t="0" r="r" b="b"/>
+            <a:pathLst>
+              <a:path w="1333" h="1298">
+                <a:moveTo>
+                  <a:pt x="1333" y="1031"/>
+                </a:moveTo>
+                <a:cubicBezTo>
+                  <a:pt x="1333" y="380"/>
+                  <a:pt x="1333" y="380"/>
+                  <a:pt x="1333" y="380"/>
+                </a:cubicBezTo>
+                <a:cubicBezTo>
+                  <a:pt x="1215" y="154"/>
+                  <a:pt x="979" y="0"/>
+                  <a:pt x="706" y="0"/>
+                </a:cubicBezTo>
+                <a:cubicBezTo>
+                  <a:pt x="317" y="0"/>
+                  <a:pt x="0" y="316"/>
+                  <a:pt x="0" y="706"/>
+                </a:cubicBezTo>
+                <a:cubicBezTo>
+                  <a:pt x="0" y="954"/>
+                  <a:pt x="129" y="1172"/>
+                  <a:pt x="323" y="1298"/>
+                </a:cubicBezTo>
+                <a:cubicBezTo>
+                  <a:pt x="1090" y="1298"/>
+                  <a:pt x="1090" y="1298"/>
+                  <a:pt x="1090" y="1298"/>
+                </a:cubicBezTo>
+                <a:cubicBezTo>
+                  <a:pt x="1193" y="1232"/>
+                  <a:pt x="1276" y="1140"/>
+                  <a:pt x="1333" y="1031"/>
+                </a:cubicBezTo>
+                <a:close/>
+              </a:path>
+            </a:pathLst>
+          </a:custGeom>
+          <a:solidFill>
+            <a:schemeClr val="bg1">
+              <a:alpha val="70000"/>
+            </a:schemeClr>
+          </a:solidFill>
+          <a:ln w="50800" cap="sq" cmpd="dbl">
+            <a:noFill/>
+            <a:miter lim="800000"/>
+          </a:ln>
+          <a:effectLst/>
+        </p:spPr>
+        <p:txBody>
+          <a:bodyPr vert="horz" lIns="91440" tIns="45720" rIns="91440" bIns="45720" rtlCol="0" anchor="t">
+            <a:normAutofit/>
+          </a:bodyPr>
+          <a:lstStyle/>
+          <a:p>
+            <a:pPr algn="ctr">
+              <a:spcAft>
+                <a:spcPts val="1000"/>
+              </a:spcAft>
+              <a:buClr>
+                <a:schemeClr val="tx1"/>
+              </a:buClr>
+              <a:buSzPct val="100000"/>
+              <a:buFont typeface="Arial"/>
+              <a:buNone/>
+            </a:pPr>
+            <a:endParaRPr lang="en-US" sz="1600" cap="all"/>
+          </a:p>
+        </p:txBody>
+      </p:sp>
+      <p:sp>
+        <p:nvSpPr>
+          <p:cNvPr id="2" name="Title 1">
+            <a:extLst>
+              <a:ext uri="{FF2B5EF4-FFF2-40B4-BE49-F238E27FC236}">
+                <a16:creationId xmlns:a16="http://schemas.microsoft.com/office/drawing/2014/main" id="{9BB1C95A-FD2C-4B03-8EB3-A8C1017E48CC}"/>
+              </a:ext>
+            </a:extLst>
+          </p:cNvPr>
+          <p:cNvSpPr>
+            <a:spLocks noGrp="1"/>
+          </p:cNvSpPr>
+          <p:nvPr>
+            <p:ph type="title"/>
+          </p:nvPr>
+        </p:nvSpPr>
+        <p:spPr>
+          <a:xfrm>
+            <a:off x="8022021" y="3231931"/>
+            <a:ext cx="3852041" cy="1834056"/>
+          </a:xfrm>
+        </p:spPr>
+        <p:txBody>
+          <a:bodyPr vert="horz" lIns="91440" tIns="45720" rIns="91440" bIns="45720" rtlCol="0" anchor="b">
+            <a:normAutofit/>
+          </a:bodyPr>
+          <a:lstStyle/>
+          <a:p>
+            <a:pPr algn="ctr"/>
+            <a:r>
+              <a:rPr lang="en-US" sz="4000" dirty="0">
+                <a:latin typeface="Aptos Black "/>
+              </a:rPr>
+              <a:t>Tip #2 – understand query Plans</a:t>
+            </a:r>
+          </a:p>
+        </p:txBody>
+      </p:sp>
+      <p:cxnSp>
+        <p:nvCxnSpPr>
+          <p:cNvPr id="10" name="Straight Connector 9">
+            <a:extLst>
+              <a:ext uri="{FF2B5EF4-FFF2-40B4-BE49-F238E27FC236}">
+                <a16:creationId xmlns:a16="http://schemas.microsoft.com/office/drawing/2014/main" id="{BCDAEC91-5BCE-4B55-9CC0-43EF94CB734B}"/>
+              </a:ext>
+              <a:ext uri="{C183D7F6-B498-43B3-948B-1728B52AA6E4}">
+                <adec:decorative xmlns:adec="http://schemas.microsoft.com/office/drawing/2017/decorative" val="1"/>
+              </a:ext>
+            </a:extLst>
+          </p:cNvPr>
+          <p:cNvCxnSpPr>
+            <a:cxnSpLocks noGrp="1" noRot="1" noChangeAspect="1" noMove="1" noResize="1" noEditPoints="1" noAdjustHandles="1" noChangeArrowheads="1" noChangeShapeType="1"/>
+          </p:cNvCxnSpPr>
+          <p:nvPr>
+            <p:extLst>
+              <p:ext uri="{386F3935-93C4-4BCD-93E2-E3B085C9AB24}">
+                <p16:designElem xmlns:p16="http://schemas.microsoft.com/office/powerpoint/2015/main" val="1"/>
+              </p:ext>
+            </p:extLst>
+          </p:nvPr>
+        </p:nvCxnSpPr>
+        <p:spPr>
+          <a:xfrm>
+            <a:off x="9480331" y="5123793"/>
+            <a:ext cx="935420" cy="0"/>
+          </a:xfrm>
+          <a:prstGeom prst="line">
+            <a:avLst/>
+          </a:prstGeom>
+          <a:ln w="25400" cap="sq">
+            <a:solidFill>
+              <a:schemeClr val="tx1">
+                <a:lumMod val="85000"/>
+                <a:lumOff val="15000"/>
+              </a:schemeClr>
+            </a:solidFill>
+            <a:bevel/>
+          </a:ln>
+        </p:spPr>
+        <p:style>
+          <a:lnRef idx="1">
+            <a:schemeClr val="accent1"/>
+          </a:lnRef>
+          <a:fillRef idx="0">
+            <a:schemeClr val="accent1"/>
+          </a:fillRef>
+          <a:effectRef idx="0">
+            <a:schemeClr val="accent1"/>
+          </a:effectRef>
+          <a:fontRef idx="minor">
+            <a:schemeClr val="tx1"/>
+          </a:fontRef>
+        </p:style>
+      </p:cxnSp>
+    </p:spTree>
+    <p:extLst>
+      <p:ext uri="{BB962C8B-B14F-4D97-AF65-F5344CB8AC3E}">
+        <p14:creationId xmlns:p14="http://schemas.microsoft.com/office/powerpoint/2010/main" val="2430017358"/>
+      </p:ext>
+    </p:extLst>
+  </p:cSld>
+  <p:clrMapOvr>
+    <a:masterClrMapping/>
+  </p:clrMapOvr>
+</p:sld>
+</file>
+
+<file path=ppt/slides/slide11.xml><?xml version="1.0" encoding="utf-8"?>
 <p:sld xmlns:a="http://schemas.openxmlformats.org/drawingml/2006/main" xmlns:r="http://schemas.openxmlformats.org/officeDocument/2006/relationships" xmlns:p="http://schemas.openxmlformats.org/presentationml/2006/main">
   <p:cSld>
     <p:spTree>
@@ -5369,7 +9319,7 @@
 </p:sld>
 </file>
 
-<file path=ppt/slides/slide11.xml><?xml version="1.0" encoding="utf-8"?>
+<file path=ppt/slides/slide12.xml><?xml version="1.0" encoding="utf-8"?>
 <p:sld xmlns:a="http://schemas.openxmlformats.org/drawingml/2006/main" xmlns:r="http://schemas.openxmlformats.org/officeDocument/2006/relationships" xmlns:p="http://schemas.openxmlformats.org/presentationml/2006/main">
   <p:cSld>
     <p:spTree>
@@ -6284,7 +10234,7 @@
 </p:sld>
 </file>
 
-<file path=ppt/slides/slide12.xml><?xml version="1.0" encoding="utf-8"?>
+<file path=ppt/slides/slide13.xml><?xml version="1.0" encoding="utf-8"?>
 <p:sld xmlns:a="http://schemas.openxmlformats.org/drawingml/2006/main" xmlns:r="http://schemas.openxmlformats.org/officeDocument/2006/relationships" xmlns:p="http://schemas.openxmlformats.org/presentationml/2006/main">
   <p:cSld>
     <p:bg>
@@ -6645,668 +10595,6 @@
 </p:sld>
 </file>
 
-<file path=ppt/slides/slide13.xml><?xml version="1.0" encoding="utf-8"?>
-<p:sld xmlns:a="http://schemas.openxmlformats.org/drawingml/2006/main" xmlns:r="http://schemas.openxmlformats.org/officeDocument/2006/relationships" xmlns:p="http://schemas.openxmlformats.org/presentationml/2006/main">
-  <p:cSld>
-    <p:bg>
-      <p:bgPr>
-        <a:solidFill>
-          <a:schemeClr val="accent1"/>
-        </a:solidFill>
-        <a:effectLst/>
-      </p:bgPr>
-    </p:bg>
-    <p:spTree>
-      <p:nvGrpSpPr>
-        <p:cNvPr id="1" name=""/>
-        <p:cNvGrpSpPr/>
-        <p:nvPr/>
-      </p:nvGrpSpPr>
-      <p:grpSpPr>
-        <a:xfrm>
-          <a:off x="0" y="0"/>
-          <a:ext cx="0" cy="0"/>
-          <a:chOff x="0" y="0"/>
-          <a:chExt cx="0" cy="0"/>
-        </a:xfrm>
-      </p:grpSpPr>
-      <p:sp>
-        <p:nvSpPr>
-          <p:cNvPr id="2" name="Title 1">
-            <a:extLst>
-              <a:ext uri="{FF2B5EF4-FFF2-40B4-BE49-F238E27FC236}">
-                <a16:creationId xmlns:a16="http://schemas.microsoft.com/office/drawing/2014/main" id="{CC7C7BA3-C1A1-4BEF-8ED2-DBBBF4A75118}"/>
-              </a:ext>
-            </a:extLst>
-          </p:cNvPr>
-          <p:cNvSpPr>
-            <a:spLocks noGrp="1"/>
-          </p:cNvSpPr>
-          <p:nvPr>
-            <p:ph type="title"/>
-          </p:nvPr>
-        </p:nvSpPr>
-        <p:spPr/>
-        <p:txBody>
-          <a:bodyPr/>
-          <a:lstStyle/>
-          <a:p>
-            <a:r>
-              <a:rPr lang="en-US" dirty="0">
-                <a:solidFill>
-                  <a:schemeClr val="bg1"/>
-                </a:solidFill>
-                <a:latin typeface="Aptos Black "/>
-              </a:rPr>
-              <a:t>Query Tags</a:t>
-            </a:r>
-          </a:p>
-        </p:txBody>
-      </p:sp>
-      <p:sp>
-        <p:nvSpPr>
-          <p:cNvPr id="3" name="Rectangle 1">
-            <a:extLst>
-              <a:ext uri="{FF2B5EF4-FFF2-40B4-BE49-F238E27FC236}">
-                <a16:creationId xmlns:a16="http://schemas.microsoft.com/office/drawing/2014/main" id="{A9AFECE5-053D-4B03-B3C4-445928675419}"/>
-              </a:ext>
-            </a:extLst>
-          </p:cNvPr>
-          <p:cNvSpPr>
-            <a:spLocks noChangeArrowheads="1"/>
-          </p:cNvSpPr>
-          <p:nvPr/>
-        </p:nvSpPr>
-        <p:spPr bwMode="auto">
-          <a:xfrm>
-            <a:off x="421667" y="2348186"/>
-            <a:ext cx="11247594" cy="2308324"/>
-          </a:xfrm>
-          <a:prstGeom prst="rect">
-            <a:avLst/>
-          </a:prstGeom>
-          <a:solidFill>
-            <a:schemeClr val="accent1"/>
-          </a:solidFill>
-          <a:ln>
-            <a:noFill/>
-          </a:ln>
-          <a:effectLst/>
-        </p:spPr>
-        <p:txBody>
-          <a:bodyPr vert="horz" wrap="square" lIns="91440" tIns="45720" rIns="91440" bIns="45720" numCol="1" anchor="ctr" anchorCtr="0" compatLnSpc="1">
-            <a:prstTxWarp prst="textNoShape">
-              <a:avLst/>
-            </a:prstTxWarp>
-            <a:spAutoFit/>
-          </a:bodyPr>
-          <a:lstStyle/>
-          <a:p>
-            <a:pPr marL="0" marR="0" lvl="0" indent="0" algn="l" defTabSz="914400" rtl="0" eaLnBrk="0" fontAlgn="base" latinLnBrk="0" hangingPunct="0">
-              <a:lnSpc>
-                <a:spcPct val="100000"/>
-              </a:lnSpc>
-              <a:spcBef>
-                <a:spcPct val="0"/>
-              </a:spcBef>
-              <a:spcAft>
-                <a:spcPct val="0"/>
-              </a:spcAft>
-              <a:buClrTx/>
-              <a:buSzTx/>
-              <a:buFontTx/>
-              <a:buNone/>
-              <a:tabLst/>
-            </a:pPr>
-            <a:r>
-              <a:rPr kumimoji="0" lang="en-US" altLang="en-US" sz="2400" b="0" i="0" u="none" strike="noStrike" cap="none" normalizeH="0" baseline="0" dirty="0">
-                <a:ln>
-                  <a:noFill/>
-                </a:ln>
-                <a:solidFill>
-                  <a:srgbClr val="071591"/>
-                </a:solidFill>
-                <a:effectLst/>
-                <a:latin typeface="Hack" panose="020B0609030202020204" pitchFamily="49" charset="0"/>
-                <a:ea typeface="Hack" panose="020B0609030202020204" pitchFamily="49" charset="0"/>
-                <a:cs typeface="Hack" panose="020B0609030202020204" pitchFamily="49" charset="0"/>
-              </a:rPr>
-              <a:t>var </a:t>
-            </a:r>
-            <a:r>
-              <a:rPr kumimoji="0" lang="en-US" altLang="en-US" sz="2400" b="0" i="0" u="none" strike="noStrike" cap="none" normalizeH="0" baseline="0" dirty="0">
-                <a:ln>
-                  <a:noFill/>
-                </a:ln>
-                <a:solidFill>
-                  <a:srgbClr val="000000"/>
-                </a:solidFill>
-                <a:effectLst/>
-                <a:latin typeface="Hack" panose="020B0609030202020204" pitchFamily="49" charset="0"/>
-                <a:ea typeface="Hack" panose="020B0609030202020204" pitchFamily="49" charset="0"/>
-                <a:cs typeface="Hack" panose="020B0609030202020204" pitchFamily="49" charset="0"/>
-              </a:rPr>
-              <a:t>albums </a:t>
-            </a:r>
-            <a:r>
-              <a:rPr kumimoji="0" lang="en-US" altLang="en-US" sz="2400" b="0" i="0" u="none" strike="noStrike" cap="none" normalizeH="0" baseline="0" dirty="0">
-                <a:ln>
-                  <a:noFill/>
-                </a:ln>
-                <a:solidFill>
-                  <a:srgbClr val="262626"/>
-                </a:solidFill>
-                <a:effectLst/>
-                <a:latin typeface="Hack" panose="020B0609030202020204" pitchFamily="49" charset="0"/>
-                <a:ea typeface="Hack" panose="020B0609030202020204" pitchFamily="49" charset="0"/>
-                <a:cs typeface="Hack" panose="020B0609030202020204" pitchFamily="49" charset="0"/>
-              </a:rPr>
-              <a:t>= </a:t>
-            </a:r>
-            <a:r>
-              <a:rPr kumimoji="0" lang="en-US" altLang="en-US" sz="2400" b="0" i="0" u="none" strike="noStrike" cap="none" normalizeH="0" baseline="0" dirty="0">
-                <a:ln>
-                  <a:noFill/>
-                </a:ln>
-                <a:solidFill>
-                  <a:srgbClr val="660E7A"/>
-                </a:solidFill>
-                <a:effectLst/>
-                <a:latin typeface="Hack" panose="020B0609030202020204" pitchFamily="49" charset="0"/>
-                <a:ea typeface="Hack" panose="020B0609030202020204" pitchFamily="49" charset="0"/>
-                <a:cs typeface="Hack" panose="020B0609030202020204" pitchFamily="49" charset="0"/>
-              </a:rPr>
-              <a:t>_</a:t>
-            </a:r>
-            <a:r>
-              <a:rPr kumimoji="0" lang="en-US" altLang="en-US" sz="2400" b="0" i="0" u="none" strike="noStrike" cap="none" normalizeH="0" baseline="0" dirty="0" err="1">
-                <a:ln>
-                  <a:noFill/>
-                </a:ln>
-                <a:solidFill>
-                  <a:srgbClr val="660E7A"/>
-                </a:solidFill>
-                <a:effectLst/>
-                <a:latin typeface="Hack" panose="020B0609030202020204" pitchFamily="49" charset="0"/>
-                <a:ea typeface="Hack" panose="020B0609030202020204" pitchFamily="49" charset="0"/>
-                <a:cs typeface="Hack" panose="020B0609030202020204" pitchFamily="49" charset="0"/>
-              </a:rPr>
-              <a:t>context</a:t>
-            </a:r>
-            <a:r>
-              <a:rPr kumimoji="0" lang="en-US" altLang="en-US" sz="2400" b="0" i="0" u="none" strike="noStrike" cap="none" normalizeH="0" baseline="0" dirty="0" err="1">
-                <a:ln>
-                  <a:noFill/>
-                </a:ln>
-                <a:solidFill>
-                  <a:srgbClr val="262626"/>
-                </a:solidFill>
-                <a:effectLst/>
-                <a:latin typeface="Hack" panose="020B0609030202020204" pitchFamily="49" charset="0"/>
-                <a:ea typeface="Hack" panose="020B0609030202020204" pitchFamily="49" charset="0"/>
-                <a:cs typeface="Hack" panose="020B0609030202020204" pitchFamily="49" charset="0"/>
-              </a:rPr>
-              <a:t>.</a:t>
-            </a:r>
-            <a:r>
-              <a:rPr kumimoji="0" lang="en-US" altLang="en-US" sz="2400" b="0" i="0" u="none" strike="noStrike" cap="none" normalizeH="0" baseline="0" dirty="0" err="1">
-                <a:ln>
-                  <a:noFill/>
-                </a:ln>
-                <a:solidFill>
-                  <a:srgbClr val="660E7A"/>
-                </a:solidFill>
-                <a:effectLst/>
-                <a:latin typeface="Hack" panose="020B0609030202020204" pitchFamily="49" charset="0"/>
-                <a:ea typeface="Hack" panose="020B0609030202020204" pitchFamily="49" charset="0"/>
-                <a:cs typeface="Hack" panose="020B0609030202020204" pitchFamily="49" charset="0"/>
-              </a:rPr>
-              <a:t>Album</a:t>
-            </a:r>
-            <a:r>
-              <a:rPr kumimoji="0" lang="en-US" altLang="en-US" sz="2400" b="0" i="0" u="none" strike="noStrike" cap="none" normalizeH="0" baseline="0" dirty="0" err="1">
-                <a:ln>
-                  <a:noFill/>
-                </a:ln>
-                <a:solidFill>
-                  <a:srgbClr val="262626"/>
-                </a:solidFill>
-                <a:effectLst/>
-                <a:latin typeface="Hack" panose="020B0609030202020204" pitchFamily="49" charset="0"/>
-                <a:ea typeface="Hack" panose="020B0609030202020204" pitchFamily="49" charset="0"/>
-                <a:cs typeface="Hack" panose="020B0609030202020204" pitchFamily="49" charset="0"/>
-              </a:rPr>
-              <a:t>.</a:t>
-            </a:r>
-            <a:r>
-              <a:rPr kumimoji="0" lang="en-US" altLang="en-US" sz="2400" b="0" i="0" u="none" strike="noStrike" cap="none" normalizeH="0" baseline="0" dirty="0" err="1">
-                <a:ln>
-                  <a:noFill/>
-                </a:ln>
-                <a:solidFill>
-                  <a:srgbClr val="000000"/>
-                </a:solidFill>
-                <a:effectLst/>
-                <a:latin typeface="Hack" panose="020B0609030202020204" pitchFamily="49" charset="0"/>
-                <a:ea typeface="Hack" panose="020B0609030202020204" pitchFamily="49" charset="0"/>
-                <a:cs typeface="Hack" panose="020B0609030202020204" pitchFamily="49" charset="0"/>
-              </a:rPr>
-              <a:t>Include</a:t>
-            </a:r>
-            <a:r>
-              <a:rPr kumimoji="0" lang="en-US" altLang="en-US" sz="2400" b="0" i="0" u="none" strike="noStrike" cap="none" normalizeH="0" baseline="0" dirty="0">
-                <a:ln>
-                  <a:noFill/>
-                </a:ln>
-                <a:solidFill>
-                  <a:srgbClr val="262626"/>
-                </a:solidFill>
-                <a:effectLst/>
-                <a:latin typeface="Hack" panose="020B0609030202020204" pitchFamily="49" charset="0"/>
-                <a:ea typeface="Hack" panose="020B0609030202020204" pitchFamily="49" charset="0"/>
-                <a:cs typeface="Hack" panose="020B0609030202020204" pitchFamily="49" charset="0"/>
-              </a:rPr>
-              <a:t>(a =&gt; </a:t>
-            </a:r>
-            <a:r>
-              <a:rPr kumimoji="0" lang="en-US" altLang="en-US" sz="2400" b="0" i="0" u="none" strike="noStrike" cap="none" normalizeH="0" baseline="0" dirty="0" err="1">
-                <a:ln>
-                  <a:noFill/>
-                </a:ln>
-                <a:solidFill>
-                  <a:srgbClr val="262626"/>
-                </a:solidFill>
-                <a:effectLst/>
-                <a:latin typeface="Hack" panose="020B0609030202020204" pitchFamily="49" charset="0"/>
-                <a:ea typeface="Hack" panose="020B0609030202020204" pitchFamily="49" charset="0"/>
-                <a:cs typeface="Hack" panose="020B0609030202020204" pitchFamily="49" charset="0"/>
-              </a:rPr>
-              <a:t>a.</a:t>
-            </a:r>
-            <a:r>
-              <a:rPr kumimoji="0" lang="en-US" altLang="en-US" sz="2400" b="0" i="0" u="none" strike="noStrike" cap="none" normalizeH="0" baseline="0" dirty="0" err="1">
-                <a:ln>
-                  <a:noFill/>
-                </a:ln>
-                <a:solidFill>
-                  <a:srgbClr val="660E7A"/>
-                </a:solidFill>
-                <a:effectLst/>
-                <a:latin typeface="Hack" panose="020B0609030202020204" pitchFamily="49" charset="0"/>
-                <a:ea typeface="Hack" panose="020B0609030202020204" pitchFamily="49" charset="0"/>
-                <a:cs typeface="Hack" panose="020B0609030202020204" pitchFamily="49" charset="0"/>
-              </a:rPr>
-              <a:t>Artist</a:t>
-            </a:r>
-            <a:r>
-              <a:rPr kumimoji="0" lang="en-US" altLang="en-US" sz="2400" b="0" i="0" u="none" strike="noStrike" cap="none" normalizeH="0" baseline="0" dirty="0">
-                <a:ln>
-                  <a:noFill/>
-                </a:ln>
-                <a:solidFill>
-                  <a:srgbClr val="262626"/>
-                </a:solidFill>
-                <a:effectLst/>
-                <a:latin typeface="Hack" panose="020B0609030202020204" pitchFamily="49" charset="0"/>
-                <a:ea typeface="Hack" panose="020B0609030202020204" pitchFamily="49" charset="0"/>
-                <a:cs typeface="Hack" panose="020B0609030202020204" pitchFamily="49" charset="0"/>
-              </a:rPr>
-              <a:t>)</a:t>
-            </a:r>
-            <a:br>
-              <a:rPr kumimoji="0" lang="en-US" altLang="en-US" sz="2400" b="0" i="0" u="none" strike="noStrike" cap="none" normalizeH="0" baseline="0" dirty="0">
-                <a:ln>
-                  <a:noFill/>
-                </a:ln>
-                <a:solidFill>
-                  <a:srgbClr val="262626"/>
-                </a:solidFill>
-                <a:effectLst/>
-                <a:latin typeface="Hack" panose="020B0609030202020204" pitchFamily="49" charset="0"/>
-                <a:ea typeface="Hack" panose="020B0609030202020204" pitchFamily="49" charset="0"/>
-                <a:cs typeface="Hack" panose="020B0609030202020204" pitchFamily="49" charset="0"/>
-              </a:rPr>
-            </a:br>
-            <a:r>
-              <a:rPr kumimoji="0" lang="en-US" altLang="en-US" sz="2400" b="0" i="0" u="none" strike="noStrike" cap="none" normalizeH="0" baseline="0" dirty="0">
-                <a:ln>
-                  <a:noFill/>
-                </a:ln>
-                <a:solidFill>
-                  <a:srgbClr val="262626"/>
-                </a:solidFill>
-                <a:effectLst/>
-                <a:latin typeface="Hack" panose="020B0609030202020204" pitchFamily="49" charset="0"/>
-                <a:ea typeface="Hack" panose="020B0609030202020204" pitchFamily="49" charset="0"/>
-                <a:cs typeface="Hack" panose="020B0609030202020204" pitchFamily="49" charset="0"/>
-              </a:rPr>
-              <a:t>    .</a:t>
-            </a:r>
-            <a:r>
-              <a:rPr kumimoji="0" lang="en-US" altLang="en-US" sz="2400" b="0" i="0" u="none" strike="noStrike" cap="none" normalizeH="0" baseline="0" dirty="0" err="1">
-                <a:ln>
-                  <a:noFill/>
-                </a:ln>
-                <a:solidFill>
-                  <a:srgbClr val="000000"/>
-                </a:solidFill>
-                <a:effectLst/>
-                <a:latin typeface="Hack" panose="020B0609030202020204" pitchFamily="49" charset="0"/>
-                <a:ea typeface="Hack" panose="020B0609030202020204" pitchFamily="49" charset="0"/>
-                <a:cs typeface="Hack" panose="020B0609030202020204" pitchFamily="49" charset="0"/>
-              </a:rPr>
-              <a:t>TagWith</a:t>
-            </a:r>
-            <a:r>
-              <a:rPr kumimoji="0" lang="en-US" altLang="en-US" sz="2400" b="0" i="0" u="none" strike="noStrike" cap="none" normalizeH="0" baseline="0" dirty="0">
-                <a:ln>
-                  <a:noFill/>
-                </a:ln>
-                <a:solidFill>
-                  <a:srgbClr val="262626"/>
-                </a:solidFill>
-                <a:effectLst/>
-                <a:latin typeface="Hack" panose="020B0609030202020204" pitchFamily="49" charset="0"/>
-                <a:ea typeface="Hack" panose="020B0609030202020204" pitchFamily="49" charset="0"/>
-                <a:cs typeface="Hack" panose="020B0609030202020204" pitchFamily="49" charset="0"/>
-              </a:rPr>
-              <a:t>(</a:t>
-            </a:r>
-            <a:r>
-              <a:rPr kumimoji="0" lang="en-US" altLang="en-US" sz="2400" b="0" i="0" u="none" strike="noStrike" cap="none" normalizeH="0" baseline="0" dirty="0">
-                <a:ln>
-                  <a:noFill/>
-                </a:ln>
-                <a:solidFill>
-                  <a:srgbClr val="106B10"/>
-                </a:solidFill>
-                <a:effectLst/>
-                <a:latin typeface="Hack" panose="020B0609030202020204" pitchFamily="49" charset="0"/>
-                <a:ea typeface="Hack" panose="020B0609030202020204" pitchFamily="49" charset="0"/>
-                <a:cs typeface="Hack" panose="020B0609030202020204" pitchFamily="49" charset="0"/>
-              </a:rPr>
-              <a:t>"Description: Query for Albums"</a:t>
-            </a:r>
-            <a:r>
-              <a:rPr kumimoji="0" lang="en-US" altLang="en-US" sz="2400" b="0" i="0" u="none" strike="noStrike" cap="none" normalizeH="0" baseline="0" dirty="0">
-                <a:ln>
-                  <a:noFill/>
-                </a:ln>
-                <a:solidFill>
-                  <a:srgbClr val="262626"/>
-                </a:solidFill>
-                <a:effectLst/>
-                <a:latin typeface="Hack" panose="020B0609030202020204" pitchFamily="49" charset="0"/>
-                <a:ea typeface="Hack" panose="020B0609030202020204" pitchFamily="49" charset="0"/>
-                <a:cs typeface="Hack" panose="020B0609030202020204" pitchFamily="49" charset="0"/>
-              </a:rPr>
-              <a:t>)</a:t>
-            </a:r>
-            <a:br>
-              <a:rPr kumimoji="0" lang="en-US" altLang="en-US" sz="2400" b="0" i="0" u="none" strike="noStrike" cap="none" normalizeH="0" baseline="0" dirty="0">
-                <a:ln>
-                  <a:noFill/>
-                </a:ln>
-                <a:solidFill>
-                  <a:srgbClr val="262626"/>
-                </a:solidFill>
-                <a:effectLst/>
-                <a:latin typeface="Hack" panose="020B0609030202020204" pitchFamily="49" charset="0"/>
-                <a:ea typeface="Hack" panose="020B0609030202020204" pitchFamily="49" charset="0"/>
-                <a:cs typeface="Hack" panose="020B0609030202020204" pitchFamily="49" charset="0"/>
-              </a:rPr>
-            </a:br>
-            <a:r>
-              <a:rPr kumimoji="0" lang="en-US" altLang="en-US" sz="2400" b="0" i="0" u="none" strike="noStrike" cap="none" normalizeH="0" baseline="0" dirty="0">
-                <a:ln>
-                  <a:noFill/>
-                </a:ln>
-                <a:solidFill>
-                  <a:srgbClr val="262626"/>
-                </a:solidFill>
-                <a:effectLst/>
-                <a:latin typeface="Hack" panose="020B0609030202020204" pitchFamily="49" charset="0"/>
-                <a:ea typeface="Hack" panose="020B0609030202020204" pitchFamily="49" charset="0"/>
-                <a:cs typeface="Hack" panose="020B0609030202020204" pitchFamily="49" charset="0"/>
-              </a:rPr>
-              <a:t>    .</a:t>
-            </a:r>
-            <a:r>
-              <a:rPr kumimoji="0" lang="en-US" altLang="en-US" sz="2400" b="0" i="0" u="none" strike="noStrike" cap="none" normalizeH="0" baseline="0" dirty="0" err="1">
-                <a:ln>
-                  <a:noFill/>
-                </a:ln>
-                <a:solidFill>
-                  <a:srgbClr val="000000"/>
-                </a:solidFill>
-                <a:effectLst/>
-                <a:latin typeface="Hack" panose="020B0609030202020204" pitchFamily="49" charset="0"/>
-                <a:ea typeface="Hack" panose="020B0609030202020204" pitchFamily="49" charset="0"/>
-                <a:cs typeface="Hack" panose="020B0609030202020204" pitchFamily="49" charset="0"/>
-              </a:rPr>
-              <a:t>TagWith</a:t>
-            </a:r>
-            <a:r>
-              <a:rPr kumimoji="0" lang="en-US" altLang="en-US" sz="2400" b="0" i="0" u="none" strike="noStrike" cap="none" normalizeH="0" baseline="0" dirty="0">
-                <a:ln>
-                  <a:noFill/>
-                </a:ln>
-                <a:solidFill>
-                  <a:srgbClr val="262626"/>
-                </a:solidFill>
-                <a:effectLst/>
-                <a:latin typeface="Hack" panose="020B0609030202020204" pitchFamily="49" charset="0"/>
-                <a:ea typeface="Hack" panose="020B0609030202020204" pitchFamily="49" charset="0"/>
-                <a:cs typeface="Hack" panose="020B0609030202020204" pitchFamily="49" charset="0"/>
-              </a:rPr>
-              <a:t>(</a:t>
-            </a:r>
-            <a:r>
-              <a:rPr kumimoji="0" lang="en-US" altLang="en-US" sz="2400" b="0" i="0" u="none" strike="noStrike" cap="none" normalizeH="0" baseline="0" dirty="0">
-                <a:ln>
-                  <a:noFill/>
-                </a:ln>
-                <a:solidFill>
-                  <a:srgbClr val="106B10"/>
-                </a:solidFill>
-                <a:effectLst/>
-                <a:latin typeface="Hack" panose="020B0609030202020204" pitchFamily="49" charset="0"/>
-                <a:ea typeface="Hack" panose="020B0609030202020204" pitchFamily="49" charset="0"/>
-                <a:cs typeface="Hack" panose="020B0609030202020204" pitchFamily="49" charset="0"/>
-              </a:rPr>
-              <a:t>"Query located: </a:t>
-            </a:r>
-            <a:r>
-              <a:rPr kumimoji="0" lang="en-US" altLang="en-US" sz="2400" b="0" i="0" u="none" strike="noStrike" cap="none" normalizeH="0" baseline="0" dirty="0" err="1">
-                <a:ln>
-                  <a:noFill/>
-                </a:ln>
-                <a:solidFill>
-                  <a:srgbClr val="106B10"/>
-                </a:solidFill>
-                <a:effectLst/>
-                <a:latin typeface="Hack" panose="020B0609030202020204" pitchFamily="49" charset="0"/>
-                <a:ea typeface="Hack" panose="020B0609030202020204" pitchFamily="49" charset="0"/>
-                <a:cs typeface="Hack" panose="020B0609030202020204" pitchFamily="49" charset="0"/>
-              </a:rPr>
-              <a:t>Chinook.Controllers.AlbumsController.Index</a:t>
-            </a:r>
-            <a:r>
-              <a:rPr kumimoji="0" lang="en-US" altLang="en-US" sz="2400" b="0" i="0" u="none" strike="noStrike" cap="none" normalizeH="0" baseline="0" dirty="0">
-                <a:ln>
-                  <a:noFill/>
-                </a:ln>
-                <a:solidFill>
-                  <a:srgbClr val="106B10"/>
-                </a:solidFill>
-                <a:effectLst/>
-                <a:latin typeface="Hack" panose="020B0609030202020204" pitchFamily="49" charset="0"/>
-                <a:ea typeface="Hack" panose="020B0609030202020204" pitchFamily="49" charset="0"/>
-                <a:cs typeface="Hack" panose="020B0609030202020204" pitchFamily="49" charset="0"/>
-              </a:rPr>
-              <a:t>() method"</a:t>
-            </a:r>
-            <a:r>
-              <a:rPr kumimoji="0" lang="en-US" altLang="en-US" sz="2400" b="0" i="0" u="none" strike="noStrike" cap="none" normalizeH="0" baseline="0" dirty="0">
-                <a:ln>
-                  <a:noFill/>
-                </a:ln>
-                <a:solidFill>
-                  <a:srgbClr val="262626"/>
-                </a:solidFill>
-                <a:effectLst/>
-                <a:latin typeface="Hack" panose="020B0609030202020204" pitchFamily="49" charset="0"/>
-                <a:ea typeface="Hack" panose="020B0609030202020204" pitchFamily="49" charset="0"/>
-                <a:cs typeface="Hack" panose="020B0609030202020204" pitchFamily="49" charset="0"/>
-              </a:rPr>
-              <a:t>)</a:t>
-            </a:r>
-            <a:br>
-              <a:rPr kumimoji="0" lang="en-US" altLang="en-US" sz="2400" b="0" i="0" u="none" strike="noStrike" cap="none" normalizeH="0" baseline="0" dirty="0">
-                <a:ln>
-                  <a:noFill/>
-                </a:ln>
-                <a:solidFill>
-                  <a:srgbClr val="262626"/>
-                </a:solidFill>
-                <a:effectLst/>
-                <a:latin typeface="Hack" panose="020B0609030202020204" pitchFamily="49" charset="0"/>
-                <a:ea typeface="Hack" panose="020B0609030202020204" pitchFamily="49" charset="0"/>
-                <a:cs typeface="Hack" panose="020B0609030202020204" pitchFamily="49" charset="0"/>
-              </a:rPr>
-            </a:br>
-            <a:r>
-              <a:rPr kumimoji="0" lang="en-US" altLang="en-US" sz="2400" b="0" i="0" u="none" strike="noStrike" cap="none" normalizeH="0" baseline="0" dirty="0">
-                <a:ln>
-                  <a:noFill/>
-                </a:ln>
-                <a:solidFill>
-                  <a:srgbClr val="262626"/>
-                </a:solidFill>
-                <a:effectLst/>
-                <a:latin typeface="Hack" panose="020B0609030202020204" pitchFamily="49" charset="0"/>
-                <a:ea typeface="Hack" panose="020B0609030202020204" pitchFamily="49" charset="0"/>
-                <a:cs typeface="Hack" panose="020B0609030202020204" pitchFamily="49" charset="0"/>
-              </a:rPr>
-              <a:t>    .</a:t>
-            </a:r>
-            <a:r>
-              <a:rPr kumimoji="0" lang="en-US" altLang="en-US" sz="2400" b="0" i="0" u="none" strike="noStrike" cap="none" normalizeH="0" baseline="0" dirty="0" err="1">
-                <a:ln>
-                  <a:noFill/>
-                </a:ln>
-                <a:solidFill>
-                  <a:srgbClr val="000000"/>
-                </a:solidFill>
-                <a:effectLst/>
-                <a:latin typeface="Hack" panose="020B0609030202020204" pitchFamily="49" charset="0"/>
-                <a:ea typeface="Hack" panose="020B0609030202020204" pitchFamily="49" charset="0"/>
-                <a:cs typeface="Hack" panose="020B0609030202020204" pitchFamily="49" charset="0"/>
-              </a:rPr>
-              <a:t>TagWith</a:t>
-            </a:r>
-            <a:r>
-              <a:rPr kumimoji="0" lang="en-US" altLang="en-US" sz="2400" b="0" i="0" u="none" strike="noStrike" cap="none" normalizeH="0" baseline="0" dirty="0">
-                <a:ln>
-                  <a:noFill/>
-                </a:ln>
-                <a:solidFill>
-                  <a:srgbClr val="262626"/>
-                </a:solidFill>
-                <a:effectLst/>
-                <a:latin typeface="Hack" panose="020B0609030202020204" pitchFamily="49" charset="0"/>
-                <a:ea typeface="Hack" panose="020B0609030202020204" pitchFamily="49" charset="0"/>
-                <a:cs typeface="Hack" panose="020B0609030202020204" pitchFamily="49" charset="0"/>
-              </a:rPr>
-              <a:t>(</a:t>
-            </a:r>
-            <a:r>
-              <a:rPr kumimoji="0" lang="en-US" altLang="en-US" sz="2400" b="0" i="0" u="none" strike="noStrike" cap="none" normalizeH="0" baseline="0" dirty="0">
-                <a:ln>
-                  <a:noFill/>
-                </a:ln>
-                <a:solidFill>
-                  <a:srgbClr val="106B10"/>
-                </a:solidFill>
-                <a:effectLst/>
-                <a:latin typeface="Hack" panose="020B0609030202020204" pitchFamily="49" charset="0"/>
-                <a:ea typeface="Hack" panose="020B0609030202020204" pitchFamily="49" charset="0"/>
-                <a:cs typeface="Hack" panose="020B0609030202020204" pitchFamily="49" charset="0"/>
-              </a:rPr>
-              <a:t>@"Parameters:</a:t>
-            </a:r>
-            <a:br>
-              <a:rPr kumimoji="0" lang="en-US" altLang="en-US" sz="2400" b="0" i="0" u="none" strike="noStrike" cap="none" normalizeH="0" baseline="0" dirty="0">
-                <a:ln>
-                  <a:noFill/>
-                </a:ln>
-                <a:solidFill>
-                  <a:srgbClr val="106B10"/>
-                </a:solidFill>
-                <a:effectLst/>
-                <a:latin typeface="Hack" panose="020B0609030202020204" pitchFamily="49" charset="0"/>
-                <a:ea typeface="Hack" panose="020B0609030202020204" pitchFamily="49" charset="0"/>
-                <a:cs typeface="Hack" panose="020B0609030202020204" pitchFamily="49" charset="0"/>
-              </a:rPr>
-            </a:br>
-            <a:r>
-              <a:rPr kumimoji="0" lang="en-US" altLang="en-US" sz="2400" b="0" i="0" u="none" strike="noStrike" cap="none" normalizeH="0" baseline="0" dirty="0">
-                <a:ln>
-                  <a:noFill/>
-                </a:ln>
-                <a:solidFill>
-                  <a:srgbClr val="106B10"/>
-                </a:solidFill>
-                <a:effectLst/>
-                <a:latin typeface="Hack" panose="020B0609030202020204" pitchFamily="49" charset="0"/>
-                <a:ea typeface="Hack" panose="020B0609030202020204" pitchFamily="49" charset="0"/>
-                <a:cs typeface="Hack" panose="020B0609030202020204" pitchFamily="49" charset="0"/>
-              </a:rPr>
-              <a:t>        None"</a:t>
-            </a:r>
-            <a:r>
-              <a:rPr kumimoji="0" lang="en-US" altLang="en-US" sz="2400" b="0" i="0" u="none" strike="noStrike" cap="none" normalizeH="0" baseline="0" dirty="0">
-                <a:ln>
-                  <a:noFill/>
-                </a:ln>
-                <a:solidFill>
-                  <a:srgbClr val="262626"/>
-                </a:solidFill>
-                <a:effectLst/>
-                <a:latin typeface="Hack" panose="020B0609030202020204" pitchFamily="49" charset="0"/>
-                <a:ea typeface="Hack" panose="020B0609030202020204" pitchFamily="49" charset="0"/>
-                <a:cs typeface="Hack" panose="020B0609030202020204" pitchFamily="49" charset="0"/>
-              </a:rPr>
-              <a:t>);</a:t>
-            </a:r>
-            <a:endParaRPr kumimoji="0" lang="en-US" altLang="en-US" sz="3600" b="0" i="0" u="none" strike="noStrike" cap="none" normalizeH="0" baseline="0" dirty="0">
-              <a:ln>
-                <a:noFill/>
-              </a:ln>
-              <a:solidFill>
-                <a:schemeClr val="tx1"/>
-              </a:solidFill>
-              <a:effectLst/>
-              <a:latin typeface="Hack" panose="020B0609030202020204" pitchFamily="49" charset="0"/>
-              <a:ea typeface="Hack" panose="020B0609030202020204" pitchFamily="49" charset="0"/>
-              <a:cs typeface="Hack" panose="020B0609030202020204" pitchFamily="49" charset="0"/>
-            </a:endParaRPr>
-          </a:p>
-        </p:txBody>
-      </p:sp>
-    </p:spTree>
-    <p:extLst>
-      <p:ext uri="{BB962C8B-B14F-4D97-AF65-F5344CB8AC3E}">
-        <p14:creationId xmlns:p14="http://schemas.microsoft.com/office/powerpoint/2010/main" val="2716457314"/>
-      </p:ext>
-    </p:extLst>
-  </p:cSld>
-  <p:clrMapOvr>
-    <a:masterClrMapping/>
-  </p:clrMapOvr>
-</p:sld>
-</file>
-
 <file path=ppt/slides/slide14.xml><?xml version="1.0" encoding="utf-8"?>
 <p:sld xmlns:a="http://schemas.openxmlformats.org/drawingml/2006/main" xmlns:r="http://schemas.openxmlformats.org/officeDocument/2006/relationships" xmlns:p="http://schemas.openxmlformats.org/presentationml/2006/main">
   <p:cSld>
@@ -7367,302 +10655,599 @@
       </p:sp>
       <p:sp>
         <p:nvSpPr>
-          <p:cNvPr id="5" name="Rectangle 4">
-            <a:extLst>
-              <a:ext uri="{FF2B5EF4-FFF2-40B4-BE49-F238E27FC236}">
-                <a16:creationId xmlns:a16="http://schemas.microsoft.com/office/drawing/2014/main" id="{6D2CB9EB-F6DD-4B04-88A3-A248922FB50E}"/>
-              </a:ext>
-            </a:extLst>
-          </p:cNvPr>
-          <p:cNvSpPr/>
+          <p:cNvPr id="3" name="Rectangle 1">
+            <a:extLst>
+              <a:ext uri="{FF2B5EF4-FFF2-40B4-BE49-F238E27FC236}">
+                <a16:creationId xmlns:a16="http://schemas.microsoft.com/office/drawing/2014/main" id="{A9AFECE5-053D-4B03-B3C4-445928675419}"/>
+              </a:ext>
+            </a:extLst>
+          </p:cNvPr>
+          <p:cNvSpPr>
+            <a:spLocks noChangeArrowheads="1"/>
+          </p:cNvSpPr>
           <p:nvPr/>
         </p:nvSpPr>
-        <p:spPr>
+        <p:spPr bwMode="auto">
           <a:xfrm>
-            <a:off x="838200" y="1760532"/>
-            <a:ext cx="11058378" cy="4893647"/>
+            <a:off x="421667" y="2348186"/>
+            <a:ext cx="11247594" cy="2308324"/>
           </a:xfrm>
           <a:prstGeom prst="rect">
             <a:avLst/>
           </a:prstGeom>
+          <a:solidFill>
+            <a:schemeClr val="accent1"/>
+          </a:solidFill>
+          <a:ln>
+            <a:noFill/>
+          </a:ln>
+          <a:effectLst/>
         </p:spPr>
         <p:txBody>
-          <a:bodyPr wrap="square">
+          <a:bodyPr vert="horz" wrap="square" lIns="91440" tIns="45720" rIns="91440" bIns="45720" numCol="1" anchor="ctr" anchorCtr="0" compatLnSpc="1">
+            <a:prstTxWarp prst="textNoShape">
+              <a:avLst/>
+            </a:prstTxWarp>
             <a:spAutoFit/>
           </a:bodyPr>
           <a:lstStyle/>
           <a:p>
-            <a:r>
-              <a:rPr lang="en-US" sz="2400" dirty="0">
-                <a:solidFill>
-                  <a:schemeClr val="bg1"/>
-                </a:solidFill>
+            <a:pPr marL="0" marR="0" lvl="0" indent="0" algn="l" defTabSz="914400" rtl="0" eaLnBrk="0" fontAlgn="base" latinLnBrk="0" hangingPunct="0">
+              <a:lnSpc>
+                <a:spcPct val="100000"/>
+              </a:lnSpc>
+              <a:spcBef>
+                <a:spcPct val="0"/>
+              </a:spcBef>
+              <a:spcAft>
+                <a:spcPct val="0"/>
+              </a:spcAft>
+              <a:buClrTx/>
+              <a:buSzTx/>
+              <a:buFontTx/>
+              <a:buNone/>
+              <a:tabLst/>
+            </a:pPr>
+            <a:r>
+              <a:rPr kumimoji="0" lang="en-US" altLang="en-US" sz="2400" b="0" i="0" u="none" strike="noStrike" cap="none" normalizeH="0" baseline="0" dirty="0">
+                <a:ln>
+                  <a:noFill/>
+                </a:ln>
+                <a:solidFill>
+                  <a:srgbClr val="071591"/>
+                </a:solidFill>
+                <a:effectLst/>
                 <a:latin typeface="Hack" panose="020B0609030202020204" pitchFamily="49" charset="0"/>
                 <a:ea typeface="Hack" panose="020B0609030202020204" pitchFamily="49" charset="0"/>
                 <a:cs typeface="Hack" panose="020B0609030202020204" pitchFamily="49" charset="0"/>
               </a:rPr>
-              <a:t>-- Description: Query for Albums</a:t>
-            </a:r>
-          </a:p>
-          <a:p>
-            <a:endParaRPr lang="en-US" sz="2400" dirty="0">
+              <a:t>var </a:t>
+            </a:r>
+            <a:r>
+              <a:rPr kumimoji="0" lang="en-US" altLang="en-US" sz="2400" b="0" i="0" u="none" strike="noStrike" cap="none" normalizeH="0" baseline="0" dirty="0">
+                <a:ln>
+                  <a:noFill/>
+                </a:ln>
+                <a:solidFill>
+                  <a:srgbClr val="000000"/>
+                </a:solidFill>
+                <a:effectLst/>
+                <a:latin typeface="Hack" panose="020B0609030202020204" pitchFamily="49" charset="0"/>
+                <a:ea typeface="Hack" panose="020B0609030202020204" pitchFamily="49" charset="0"/>
+                <a:cs typeface="Hack" panose="020B0609030202020204" pitchFamily="49" charset="0"/>
+              </a:rPr>
+              <a:t>albums </a:t>
+            </a:r>
+            <a:r>
+              <a:rPr kumimoji="0" lang="en-US" altLang="en-US" sz="2400" b="0" i="0" u="none" strike="noStrike" cap="none" normalizeH="0" baseline="0" dirty="0">
+                <a:ln>
+                  <a:noFill/>
+                </a:ln>
+                <a:solidFill>
+                  <a:srgbClr val="262626"/>
+                </a:solidFill>
+                <a:effectLst/>
+                <a:latin typeface="Hack" panose="020B0609030202020204" pitchFamily="49" charset="0"/>
+                <a:ea typeface="Hack" panose="020B0609030202020204" pitchFamily="49" charset="0"/>
+                <a:cs typeface="Hack" panose="020B0609030202020204" pitchFamily="49" charset="0"/>
+              </a:rPr>
+              <a:t>= </a:t>
+            </a:r>
+            <a:r>
+              <a:rPr kumimoji="0" lang="en-US" altLang="en-US" sz="2400" b="0" i="0" u="none" strike="noStrike" cap="none" normalizeH="0" baseline="0" dirty="0">
+                <a:ln>
+                  <a:noFill/>
+                </a:ln>
+                <a:solidFill>
+                  <a:srgbClr val="660E7A"/>
+                </a:solidFill>
+                <a:effectLst/>
+                <a:latin typeface="Hack" panose="020B0609030202020204" pitchFamily="49" charset="0"/>
+                <a:ea typeface="Hack" panose="020B0609030202020204" pitchFamily="49" charset="0"/>
+                <a:cs typeface="Hack" panose="020B0609030202020204" pitchFamily="49" charset="0"/>
+              </a:rPr>
+              <a:t>_</a:t>
+            </a:r>
+            <a:r>
+              <a:rPr kumimoji="0" lang="en-US" altLang="en-US" sz="2400" b="0" i="0" u="none" strike="noStrike" cap="none" normalizeH="0" baseline="0" dirty="0" err="1">
+                <a:ln>
+                  <a:noFill/>
+                </a:ln>
+                <a:solidFill>
+                  <a:srgbClr val="660E7A"/>
+                </a:solidFill>
+                <a:effectLst/>
+                <a:latin typeface="Hack" panose="020B0609030202020204" pitchFamily="49" charset="0"/>
+                <a:ea typeface="Hack" panose="020B0609030202020204" pitchFamily="49" charset="0"/>
+                <a:cs typeface="Hack" panose="020B0609030202020204" pitchFamily="49" charset="0"/>
+              </a:rPr>
+              <a:t>context</a:t>
+            </a:r>
+            <a:r>
+              <a:rPr kumimoji="0" lang="en-US" altLang="en-US" sz="2400" b="0" i="0" u="none" strike="noStrike" cap="none" normalizeH="0" baseline="0" dirty="0" err="1">
+                <a:ln>
+                  <a:noFill/>
+                </a:ln>
+                <a:solidFill>
+                  <a:srgbClr val="262626"/>
+                </a:solidFill>
+                <a:effectLst/>
+                <a:latin typeface="Hack" panose="020B0609030202020204" pitchFamily="49" charset="0"/>
+                <a:ea typeface="Hack" panose="020B0609030202020204" pitchFamily="49" charset="0"/>
+                <a:cs typeface="Hack" panose="020B0609030202020204" pitchFamily="49" charset="0"/>
+              </a:rPr>
+              <a:t>.</a:t>
+            </a:r>
+            <a:r>
+              <a:rPr kumimoji="0" lang="en-US" altLang="en-US" sz="2400" b="0" i="0" u="none" strike="noStrike" cap="none" normalizeH="0" baseline="0" dirty="0" err="1">
+                <a:ln>
+                  <a:noFill/>
+                </a:ln>
+                <a:solidFill>
+                  <a:srgbClr val="660E7A"/>
+                </a:solidFill>
+                <a:effectLst/>
+                <a:latin typeface="Hack" panose="020B0609030202020204" pitchFamily="49" charset="0"/>
+                <a:ea typeface="Hack" panose="020B0609030202020204" pitchFamily="49" charset="0"/>
+                <a:cs typeface="Hack" panose="020B0609030202020204" pitchFamily="49" charset="0"/>
+              </a:rPr>
+              <a:t>Album</a:t>
+            </a:r>
+            <a:r>
+              <a:rPr kumimoji="0" lang="en-US" altLang="en-US" sz="2400" b="0" i="0" u="none" strike="noStrike" cap="none" normalizeH="0" baseline="0" dirty="0" err="1">
+                <a:ln>
+                  <a:noFill/>
+                </a:ln>
+                <a:solidFill>
+                  <a:srgbClr val="262626"/>
+                </a:solidFill>
+                <a:effectLst/>
+                <a:latin typeface="Hack" panose="020B0609030202020204" pitchFamily="49" charset="0"/>
+                <a:ea typeface="Hack" panose="020B0609030202020204" pitchFamily="49" charset="0"/>
+                <a:cs typeface="Hack" panose="020B0609030202020204" pitchFamily="49" charset="0"/>
+              </a:rPr>
+              <a:t>.</a:t>
+            </a:r>
+            <a:r>
+              <a:rPr kumimoji="0" lang="en-US" altLang="en-US" sz="2400" b="0" i="0" u="none" strike="noStrike" cap="none" normalizeH="0" baseline="0" dirty="0" err="1">
+                <a:ln>
+                  <a:noFill/>
+                </a:ln>
+                <a:solidFill>
+                  <a:srgbClr val="000000"/>
+                </a:solidFill>
+                <a:effectLst/>
+                <a:latin typeface="Hack" panose="020B0609030202020204" pitchFamily="49" charset="0"/>
+                <a:ea typeface="Hack" panose="020B0609030202020204" pitchFamily="49" charset="0"/>
+                <a:cs typeface="Hack" panose="020B0609030202020204" pitchFamily="49" charset="0"/>
+              </a:rPr>
+              <a:t>Include</a:t>
+            </a:r>
+            <a:r>
+              <a:rPr kumimoji="0" lang="en-US" altLang="en-US" sz="2400" b="0" i="0" u="none" strike="noStrike" cap="none" normalizeH="0" baseline="0" dirty="0">
+                <a:ln>
+                  <a:noFill/>
+                </a:ln>
+                <a:solidFill>
+                  <a:srgbClr val="262626"/>
+                </a:solidFill>
+                <a:effectLst/>
+                <a:latin typeface="Hack" panose="020B0609030202020204" pitchFamily="49" charset="0"/>
+                <a:ea typeface="Hack" panose="020B0609030202020204" pitchFamily="49" charset="0"/>
+                <a:cs typeface="Hack" panose="020B0609030202020204" pitchFamily="49" charset="0"/>
+              </a:rPr>
+              <a:t>(a =&gt; </a:t>
+            </a:r>
+            <a:r>
+              <a:rPr kumimoji="0" lang="en-US" altLang="en-US" sz="2400" b="0" i="0" u="none" strike="noStrike" cap="none" normalizeH="0" baseline="0" dirty="0" err="1">
+                <a:ln>
+                  <a:noFill/>
+                </a:ln>
+                <a:solidFill>
+                  <a:srgbClr val="262626"/>
+                </a:solidFill>
+                <a:effectLst/>
+                <a:latin typeface="Hack" panose="020B0609030202020204" pitchFamily="49" charset="0"/>
+                <a:ea typeface="Hack" panose="020B0609030202020204" pitchFamily="49" charset="0"/>
+                <a:cs typeface="Hack" panose="020B0609030202020204" pitchFamily="49" charset="0"/>
+              </a:rPr>
+              <a:t>a.</a:t>
+            </a:r>
+            <a:r>
+              <a:rPr kumimoji="0" lang="en-US" altLang="en-US" sz="2400" b="0" i="0" u="none" strike="noStrike" cap="none" normalizeH="0" baseline="0" dirty="0" err="1">
+                <a:ln>
+                  <a:noFill/>
+                </a:ln>
+                <a:solidFill>
+                  <a:srgbClr val="660E7A"/>
+                </a:solidFill>
+                <a:effectLst/>
+                <a:latin typeface="Hack" panose="020B0609030202020204" pitchFamily="49" charset="0"/>
+                <a:ea typeface="Hack" panose="020B0609030202020204" pitchFamily="49" charset="0"/>
+                <a:cs typeface="Hack" panose="020B0609030202020204" pitchFamily="49" charset="0"/>
+              </a:rPr>
+              <a:t>Artist</a:t>
+            </a:r>
+            <a:r>
+              <a:rPr kumimoji="0" lang="en-US" altLang="en-US" sz="2400" b="0" i="0" u="none" strike="noStrike" cap="none" normalizeH="0" baseline="0" dirty="0">
+                <a:ln>
+                  <a:noFill/>
+                </a:ln>
+                <a:solidFill>
+                  <a:srgbClr val="262626"/>
+                </a:solidFill>
+                <a:effectLst/>
+                <a:latin typeface="Hack" panose="020B0609030202020204" pitchFamily="49" charset="0"/>
+                <a:ea typeface="Hack" panose="020B0609030202020204" pitchFamily="49" charset="0"/>
+                <a:cs typeface="Hack" panose="020B0609030202020204" pitchFamily="49" charset="0"/>
+              </a:rPr>
+              <a:t>)</a:t>
+            </a:r>
+            <a:br>
+              <a:rPr kumimoji="0" lang="en-US" altLang="en-US" sz="2400" b="0" i="0" u="none" strike="noStrike" cap="none" normalizeH="0" baseline="0" dirty="0">
+                <a:ln>
+                  <a:noFill/>
+                </a:ln>
+                <a:solidFill>
+                  <a:srgbClr val="262626"/>
+                </a:solidFill>
+                <a:effectLst/>
+                <a:latin typeface="Hack" panose="020B0609030202020204" pitchFamily="49" charset="0"/>
+                <a:ea typeface="Hack" panose="020B0609030202020204" pitchFamily="49" charset="0"/>
+                <a:cs typeface="Hack" panose="020B0609030202020204" pitchFamily="49" charset="0"/>
+              </a:rPr>
+            </a:br>
+            <a:r>
+              <a:rPr kumimoji="0" lang="en-US" altLang="en-US" sz="2400" b="0" i="0" u="none" strike="noStrike" cap="none" normalizeH="0" baseline="0" dirty="0">
+                <a:ln>
+                  <a:noFill/>
+                </a:ln>
+                <a:solidFill>
+                  <a:srgbClr val="262626"/>
+                </a:solidFill>
+                <a:effectLst/>
+                <a:latin typeface="Hack" panose="020B0609030202020204" pitchFamily="49" charset="0"/>
+                <a:ea typeface="Hack" panose="020B0609030202020204" pitchFamily="49" charset="0"/>
+                <a:cs typeface="Hack" panose="020B0609030202020204" pitchFamily="49" charset="0"/>
+              </a:rPr>
+              <a:t>    .</a:t>
+            </a:r>
+            <a:r>
+              <a:rPr kumimoji="0" lang="en-US" altLang="en-US" sz="2400" b="0" i="0" u="none" strike="noStrike" cap="none" normalizeH="0" baseline="0" dirty="0" err="1">
+                <a:ln>
+                  <a:noFill/>
+                </a:ln>
+                <a:solidFill>
+                  <a:srgbClr val="000000"/>
+                </a:solidFill>
+                <a:effectLst/>
+                <a:latin typeface="Hack" panose="020B0609030202020204" pitchFamily="49" charset="0"/>
+                <a:ea typeface="Hack" panose="020B0609030202020204" pitchFamily="49" charset="0"/>
+                <a:cs typeface="Hack" panose="020B0609030202020204" pitchFamily="49" charset="0"/>
+              </a:rPr>
+              <a:t>TagWith</a:t>
+            </a:r>
+            <a:r>
+              <a:rPr kumimoji="0" lang="en-US" altLang="en-US" sz="2400" b="0" i="0" u="none" strike="noStrike" cap="none" normalizeH="0" baseline="0" dirty="0">
+                <a:ln>
+                  <a:noFill/>
+                </a:ln>
+                <a:solidFill>
+                  <a:srgbClr val="262626"/>
+                </a:solidFill>
+                <a:effectLst/>
+                <a:latin typeface="Hack" panose="020B0609030202020204" pitchFamily="49" charset="0"/>
+                <a:ea typeface="Hack" panose="020B0609030202020204" pitchFamily="49" charset="0"/>
+                <a:cs typeface="Hack" panose="020B0609030202020204" pitchFamily="49" charset="0"/>
+              </a:rPr>
+              <a:t>(</a:t>
+            </a:r>
+            <a:r>
+              <a:rPr kumimoji="0" lang="en-US" altLang="en-US" sz="2400" b="0" i="0" u="none" strike="noStrike" cap="none" normalizeH="0" baseline="0" dirty="0">
+                <a:ln>
+                  <a:noFill/>
+                </a:ln>
+                <a:solidFill>
+                  <a:srgbClr val="106B10"/>
+                </a:solidFill>
+                <a:effectLst/>
+                <a:latin typeface="Hack" panose="020B0609030202020204" pitchFamily="49" charset="0"/>
+                <a:ea typeface="Hack" panose="020B0609030202020204" pitchFamily="49" charset="0"/>
+                <a:cs typeface="Hack" panose="020B0609030202020204" pitchFamily="49" charset="0"/>
+              </a:rPr>
+              <a:t>"Description: Query for Albums"</a:t>
+            </a:r>
+            <a:r>
+              <a:rPr kumimoji="0" lang="en-US" altLang="en-US" sz="2400" b="0" i="0" u="none" strike="noStrike" cap="none" normalizeH="0" baseline="0" dirty="0">
+                <a:ln>
+                  <a:noFill/>
+                </a:ln>
+                <a:solidFill>
+                  <a:srgbClr val="262626"/>
+                </a:solidFill>
+                <a:effectLst/>
+                <a:latin typeface="Hack" panose="020B0609030202020204" pitchFamily="49" charset="0"/>
+                <a:ea typeface="Hack" panose="020B0609030202020204" pitchFamily="49" charset="0"/>
+                <a:cs typeface="Hack" panose="020B0609030202020204" pitchFamily="49" charset="0"/>
+              </a:rPr>
+              <a:t>)</a:t>
+            </a:r>
+            <a:br>
+              <a:rPr kumimoji="0" lang="en-US" altLang="en-US" sz="2400" b="0" i="0" u="none" strike="noStrike" cap="none" normalizeH="0" baseline="0" dirty="0">
+                <a:ln>
+                  <a:noFill/>
+                </a:ln>
+                <a:solidFill>
+                  <a:srgbClr val="262626"/>
+                </a:solidFill>
+                <a:effectLst/>
+                <a:latin typeface="Hack" panose="020B0609030202020204" pitchFamily="49" charset="0"/>
+                <a:ea typeface="Hack" panose="020B0609030202020204" pitchFamily="49" charset="0"/>
+                <a:cs typeface="Hack" panose="020B0609030202020204" pitchFamily="49" charset="0"/>
+              </a:rPr>
+            </a:br>
+            <a:r>
+              <a:rPr kumimoji="0" lang="en-US" altLang="en-US" sz="2400" b="0" i="0" u="none" strike="noStrike" cap="none" normalizeH="0" baseline="0" dirty="0">
+                <a:ln>
+                  <a:noFill/>
+                </a:ln>
+                <a:solidFill>
+                  <a:srgbClr val="262626"/>
+                </a:solidFill>
+                <a:effectLst/>
+                <a:latin typeface="Hack" panose="020B0609030202020204" pitchFamily="49" charset="0"/>
+                <a:ea typeface="Hack" panose="020B0609030202020204" pitchFamily="49" charset="0"/>
+                <a:cs typeface="Hack" panose="020B0609030202020204" pitchFamily="49" charset="0"/>
+              </a:rPr>
+              <a:t>    .</a:t>
+            </a:r>
+            <a:r>
+              <a:rPr kumimoji="0" lang="en-US" altLang="en-US" sz="2400" b="0" i="0" u="none" strike="noStrike" cap="none" normalizeH="0" baseline="0" dirty="0" err="1">
+                <a:ln>
+                  <a:noFill/>
+                </a:ln>
+                <a:solidFill>
+                  <a:srgbClr val="000000"/>
+                </a:solidFill>
+                <a:effectLst/>
+                <a:latin typeface="Hack" panose="020B0609030202020204" pitchFamily="49" charset="0"/>
+                <a:ea typeface="Hack" panose="020B0609030202020204" pitchFamily="49" charset="0"/>
+                <a:cs typeface="Hack" panose="020B0609030202020204" pitchFamily="49" charset="0"/>
+              </a:rPr>
+              <a:t>TagWith</a:t>
+            </a:r>
+            <a:r>
+              <a:rPr kumimoji="0" lang="en-US" altLang="en-US" sz="2400" b="0" i="0" u="none" strike="noStrike" cap="none" normalizeH="0" baseline="0" dirty="0">
+                <a:ln>
+                  <a:noFill/>
+                </a:ln>
+                <a:solidFill>
+                  <a:srgbClr val="262626"/>
+                </a:solidFill>
+                <a:effectLst/>
+                <a:latin typeface="Hack" panose="020B0609030202020204" pitchFamily="49" charset="0"/>
+                <a:ea typeface="Hack" panose="020B0609030202020204" pitchFamily="49" charset="0"/>
+                <a:cs typeface="Hack" panose="020B0609030202020204" pitchFamily="49" charset="0"/>
+              </a:rPr>
+              <a:t>(</a:t>
+            </a:r>
+            <a:r>
+              <a:rPr kumimoji="0" lang="en-US" altLang="en-US" sz="2400" b="0" i="0" u="none" strike="noStrike" cap="none" normalizeH="0" baseline="0" dirty="0">
+                <a:ln>
+                  <a:noFill/>
+                </a:ln>
+                <a:solidFill>
+                  <a:srgbClr val="106B10"/>
+                </a:solidFill>
+                <a:effectLst/>
+                <a:latin typeface="Hack" panose="020B0609030202020204" pitchFamily="49" charset="0"/>
+                <a:ea typeface="Hack" panose="020B0609030202020204" pitchFamily="49" charset="0"/>
+                <a:cs typeface="Hack" panose="020B0609030202020204" pitchFamily="49" charset="0"/>
+              </a:rPr>
+              <a:t>"Query located: </a:t>
+            </a:r>
+            <a:r>
+              <a:rPr kumimoji="0" lang="en-US" altLang="en-US" sz="2400" b="0" i="0" u="none" strike="noStrike" cap="none" normalizeH="0" baseline="0" dirty="0" err="1">
+                <a:ln>
+                  <a:noFill/>
+                </a:ln>
+                <a:solidFill>
+                  <a:srgbClr val="106B10"/>
+                </a:solidFill>
+                <a:effectLst/>
+                <a:latin typeface="Hack" panose="020B0609030202020204" pitchFamily="49" charset="0"/>
+                <a:ea typeface="Hack" panose="020B0609030202020204" pitchFamily="49" charset="0"/>
+                <a:cs typeface="Hack" panose="020B0609030202020204" pitchFamily="49" charset="0"/>
+              </a:rPr>
+              <a:t>Chinook.Controllers.AlbumsController.Index</a:t>
+            </a:r>
+            <a:r>
+              <a:rPr kumimoji="0" lang="en-US" altLang="en-US" sz="2400" b="0" i="0" u="none" strike="noStrike" cap="none" normalizeH="0" baseline="0" dirty="0">
+                <a:ln>
+                  <a:noFill/>
+                </a:ln>
+                <a:solidFill>
+                  <a:srgbClr val="106B10"/>
+                </a:solidFill>
+                <a:effectLst/>
+                <a:latin typeface="Hack" panose="020B0609030202020204" pitchFamily="49" charset="0"/>
+                <a:ea typeface="Hack" panose="020B0609030202020204" pitchFamily="49" charset="0"/>
+                <a:cs typeface="Hack" panose="020B0609030202020204" pitchFamily="49" charset="0"/>
+              </a:rPr>
+              <a:t>() method"</a:t>
+            </a:r>
+            <a:r>
+              <a:rPr kumimoji="0" lang="en-US" altLang="en-US" sz="2400" b="0" i="0" u="none" strike="noStrike" cap="none" normalizeH="0" baseline="0" dirty="0">
+                <a:ln>
+                  <a:noFill/>
+                </a:ln>
+                <a:solidFill>
+                  <a:srgbClr val="262626"/>
+                </a:solidFill>
+                <a:effectLst/>
+                <a:latin typeface="Hack" panose="020B0609030202020204" pitchFamily="49" charset="0"/>
+                <a:ea typeface="Hack" panose="020B0609030202020204" pitchFamily="49" charset="0"/>
+                <a:cs typeface="Hack" panose="020B0609030202020204" pitchFamily="49" charset="0"/>
+              </a:rPr>
+              <a:t>)</a:t>
+            </a:r>
+            <a:br>
+              <a:rPr kumimoji="0" lang="en-US" altLang="en-US" sz="2400" b="0" i="0" u="none" strike="noStrike" cap="none" normalizeH="0" baseline="0" dirty="0">
+                <a:ln>
+                  <a:noFill/>
+                </a:ln>
+                <a:solidFill>
+                  <a:srgbClr val="262626"/>
+                </a:solidFill>
+                <a:effectLst/>
+                <a:latin typeface="Hack" panose="020B0609030202020204" pitchFamily="49" charset="0"/>
+                <a:ea typeface="Hack" panose="020B0609030202020204" pitchFamily="49" charset="0"/>
+                <a:cs typeface="Hack" panose="020B0609030202020204" pitchFamily="49" charset="0"/>
+              </a:rPr>
+            </a:br>
+            <a:r>
+              <a:rPr kumimoji="0" lang="en-US" altLang="en-US" sz="2400" b="0" i="0" u="none" strike="noStrike" cap="none" normalizeH="0" baseline="0" dirty="0">
+                <a:ln>
+                  <a:noFill/>
+                </a:ln>
+                <a:solidFill>
+                  <a:srgbClr val="262626"/>
+                </a:solidFill>
+                <a:effectLst/>
+                <a:latin typeface="Hack" panose="020B0609030202020204" pitchFamily="49" charset="0"/>
+                <a:ea typeface="Hack" panose="020B0609030202020204" pitchFamily="49" charset="0"/>
+                <a:cs typeface="Hack" panose="020B0609030202020204" pitchFamily="49" charset="0"/>
+              </a:rPr>
+              <a:t>    .</a:t>
+            </a:r>
+            <a:r>
+              <a:rPr kumimoji="0" lang="en-US" altLang="en-US" sz="2400" b="0" i="0" u="none" strike="noStrike" cap="none" normalizeH="0" baseline="0" dirty="0" err="1">
+                <a:ln>
+                  <a:noFill/>
+                </a:ln>
+                <a:solidFill>
+                  <a:srgbClr val="000000"/>
+                </a:solidFill>
+                <a:effectLst/>
+                <a:latin typeface="Hack" panose="020B0609030202020204" pitchFamily="49" charset="0"/>
+                <a:ea typeface="Hack" panose="020B0609030202020204" pitchFamily="49" charset="0"/>
+                <a:cs typeface="Hack" panose="020B0609030202020204" pitchFamily="49" charset="0"/>
+              </a:rPr>
+              <a:t>TagWith</a:t>
+            </a:r>
+            <a:r>
+              <a:rPr kumimoji="0" lang="en-US" altLang="en-US" sz="2400" b="0" i="0" u="none" strike="noStrike" cap="none" normalizeH="0" baseline="0" dirty="0">
+                <a:ln>
+                  <a:noFill/>
+                </a:ln>
+                <a:solidFill>
+                  <a:srgbClr val="262626"/>
+                </a:solidFill>
+                <a:effectLst/>
+                <a:latin typeface="Hack" panose="020B0609030202020204" pitchFamily="49" charset="0"/>
+                <a:ea typeface="Hack" panose="020B0609030202020204" pitchFamily="49" charset="0"/>
+                <a:cs typeface="Hack" panose="020B0609030202020204" pitchFamily="49" charset="0"/>
+              </a:rPr>
+              <a:t>(</a:t>
+            </a:r>
+            <a:r>
+              <a:rPr kumimoji="0" lang="en-US" altLang="en-US" sz="2400" b="0" i="0" u="none" strike="noStrike" cap="none" normalizeH="0" baseline="0" dirty="0">
+                <a:ln>
+                  <a:noFill/>
+                </a:ln>
+                <a:solidFill>
+                  <a:srgbClr val="106B10"/>
+                </a:solidFill>
+                <a:effectLst/>
+                <a:latin typeface="Hack" panose="020B0609030202020204" pitchFamily="49" charset="0"/>
+                <a:ea typeface="Hack" panose="020B0609030202020204" pitchFamily="49" charset="0"/>
+                <a:cs typeface="Hack" panose="020B0609030202020204" pitchFamily="49" charset="0"/>
+              </a:rPr>
+              <a:t>@"Parameters:</a:t>
+            </a:r>
+            <a:br>
+              <a:rPr kumimoji="0" lang="en-US" altLang="en-US" sz="2400" b="0" i="0" u="none" strike="noStrike" cap="none" normalizeH="0" baseline="0" dirty="0">
+                <a:ln>
+                  <a:noFill/>
+                </a:ln>
+                <a:solidFill>
+                  <a:srgbClr val="106B10"/>
+                </a:solidFill>
+                <a:effectLst/>
+                <a:latin typeface="Hack" panose="020B0609030202020204" pitchFamily="49" charset="0"/>
+                <a:ea typeface="Hack" panose="020B0609030202020204" pitchFamily="49" charset="0"/>
+                <a:cs typeface="Hack" panose="020B0609030202020204" pitchFamily="49" charset="0"/>
+              </a:rPr>
+            </a:br>
+            <a:r>
+              <a:rPr kumimoji="0" lang="en-US" altLang="en-US" sz="2400" b="0" i="0" u="none" strike="noStrike" cap="none" normalizeH="0" baseline="0" dirty="0">
+                <a:ln>
+                  <a:noFill/>
+                </a:ln>
+                <a:solidFill>
+                  <a:srgbClr val="106B10"/>
+                </a:solidFill>
+                <a:effectLst/>
+                <a:latin typeface="Hack" panose="020B0609030202020204" pitchFamily="49" charset="0"/>
+                <a:ea typeface="Hack" panose="020B0609030202020204" pitchFamily="49" charset="0"/>
+                <a:cs typeface="Hack" panose="020B0609030202020204" pitchFamily="49" charset="0"/>
+              </a:rPr>
+              <a:t>        None"</a:t>
+            </a:r>
+            <a:r>
+              <a:rPr kumimoji="0" lang="en-US" altLang="en-US" sz="2400" b="0" i="0" u="none" strike="noStrike" cap="none" normalizeH="0" baseline="0" dirty="0">
+                <a:ln>
+                  <a:noFill/>
+                </a:ln>
+                <a:solidFill>
+                  <a:srgbClr val="262626"/>
+                </a:solidFill>
+                <a:effectLst/>
+                <a:latin typeface="Hack" panose="020B0609030202020204" pitchFamily="49" charset="0"/>
+                <a:ea typeface="Hack" panose="020B0609030202020204" pitchFamily="49" charset="0"/>
+                <a:cs typeface="Hack" panose="020B0609030202020204" pitchFamily="49" charset="0"/>
+              </a:rPr>
+              <a:t>);</a:t>
+            </a:r>
+            <a:endParaRPr kumimoji="0" lang="en-US" altLang="en-US" sz="3600" b="0" i="0" u="none" strike="noStrike" cap="none" normalizeH="0" baseline="0" dirty="0">
+              <a:ln>
+                <a:noFill/>
+              </a:ln>
               <a:solidFill>
-                <a:schemeClr val="bg1"/>
+                <a:schemeClr val="tx1"/>
               </a:solidFill>
+              <a:effectLst/>
               <a:latin typeface="Hack" panose="020B0609030202020204" pitchFamily="49" charset="0"/>
               <a:ea typeface="Hack" panose="020B0609030202020204" pitchFamily="49" charset="0"/>
               <a:cs typeface="Hack" panose="020B0609030202020204" pitchFamily="49" charset="0"/>
             </a:endParaRPr>
           </a:p>
-          <a:p>
-            <a:r>
-              <a:rPr lang="en-US" sz="2400" dirty="0">
-                <a:solidFill>
-                  <a:schemeClr val="bg1"/>
-                </a:solidFill>
-                <a:latin typeface="Hack" panose="020B0609030202020204" pitchFamily="49" charset="0"/>
-                <a:ea typeface="Hack" panose="020B0609030202020204" pitchFamily="49" charset="0"/>
-                <a:cs typeface="Hack" panose="020B0609030202020204" pitchFamily="49" charset="0"/>
-              </a:rPr>
-              <a:t>-- Query located: </a:t>
-            </a:r>
-            <a:r>
-              <a:rPr lang="en-US" sz="2400" dirty="0" err="1">
-                <a:solidFill>
-                  <a:schemeClr val="bg1"/>
-                </a:solidFill>
-                <a:latin typeface="Hack" panose="020B0609030202020204" pitchFamily="49" charset="0"/>
-                <a:ea typeface="Hack" panose="020B0609030202020204" pitchFamily="49" charset="0"/>
-                <a:cs typeface="Hack" panose="020B0609030202020204" pitchFamily="49" charset="0"/>
-              </a:rPr>
-              <a:t>Chinook.Controllers.AlbumsController.Index</a:t>
-            </a:r>
-            <a:r>
-              <a:rPr lang="en-US" sz="2400" dirty="0">
-                <a:solidFill>
-                  <a:schemeClr val="bg1"/>
-                </a:solidFill>
-                <a:latin typeface="Hack" panose="020B0609030202020204" pitchFamily="49" charset="0"/>
-                <a:ea typeface="Hack" panose="020B0609030202020204" pitchFamily="49" charset="0"/>
-                <a:cs typeface="Hack" panose="020B0609030202020204" pitchFamily="49" charset="0"/>
-              </a:rPr>
-              <a:t>() method</a:t>
-            </a:r>
-          </a:p>
-          <a:p>
-            <a:endParaRPr lang="en-US" sz="2400" dirty="0">
-              <a:solidFill>
-                <a:schemeClr val="bg1"/>
-              </a:solidFill>
-              <a:latin typeface="Hack" panose="020B0609030202020204" pitchFamily="49" charset="0"/>
-              <a:ea typeface="Hack" panose="020B0609030202020204" pitchFamily="49" charset="0"/>
-              <a:cs typeface="Hack" panose="020B0609030202020204" pitchFamily="49" charset="0"/>
-            </a:endParaRPr>
-          </a:p>
-          <a:p>
-            <a:r>
-              <a:rPr lang="en-US" sz="2400" dirty="0">
-                <a:solidFill>
-                  <a:schemeClr val="bg1"/>
-                </a:solidFill>
-                <a:latin typeface="Hack" panose="020B0609030202020204" pitchFamily="49" charset="0"/>
-                <a:ea typeface="Hack" panose="020B0609030202020204" pitchFamily="49" charset="0"/>
-                <a:cs typeface="Hack" panose="020B0609030202020204" pitchFamily="49" charset="0"/>
-              </a:rPr>
-              <a:t>-- Parameters:</a:t>
-            </a:r>
-          </a:p>
-          <a:p>
-            <a:r>
-              <a:rPr lang="en-US" sz="2400" dirty="0">
-                <a:solidFill>
-                  <a:schemeClr val="bg1"/>
-                </a:solidFill>
-                <a:latin typeface="Hack" panose="020B0609030202020204" pitchFamily="49" charset="0"/>
-                <a:ea typeface="Hack" panose="020B0609030202020204" pitchFamily="49" charset="0"/>
-                <a:cs typeface="Hack" panose="020B0609030202020204" pitchFamily="49" charset="0"/>
-              </a:rPr>
-              <a:t>--                     None</a:t>
-            </a:r>
-          </a:p>
-          <a:p>
-            <a:endParaRPr lang="en-US" sz="2400" dirty="0">
-              <a:solidFill>
-                <a:schemeClr val="bg1"/>
-              </a:solidFill>
-              <a:latin typeface="Hack" panose="020B0609030202020204" pitchFamily="49" charset="0"/>
-              <a:ea typeface="Hack" panose="020B0609030202020204" pitchFamily="49" charset="0"/>
-              <a:cs typeface="Hack" panose="020B0609030202020204" pitchFamily="49" charset="0"/>
-            </a:endParaRPr>
-          </a:p>
-          <a:p>
-            <a:r>
-              <a:rPr lang="en-US" sz="2400" dirty="0">
-                <a:solidFill>
-                  <a:schemeClr val="bg1"/>
-                </a:solidFill>
-                <a:latin typeface="Hack" panose="020B0609030202020204" pitchFamily="49" charset="0"/>
-                <a:ea typeface="Hack" panose="020B0609030202020204" pitchFamily="49" charset="0"/>
-                <a:cs typeface="Hack" panose="020B0609030202020204" pitchFamily="49" charset="0"/>
-              </a:rPr>
-              <a:t>      SELECT [a].[</a:t>
-            </a:r>
-            <a:r>
-              <a:rPr lang="en-US" sz="2400" dirty="0" err="1">
-                <a:solidFill>
-                  <a:schemeClr val="bg1"/>
-                </a:solidFill>
-                <a:latin typeface="Hack" panose="020B0609030202020204" pitchFamily="49" charset="0"/>
-                <a:ea typeface="Hack" panose="020B0609030202020204" pitchFamily="49" charset="0"/>
-                <a:cs typeface="Hack" panose="020B0609030202020204" pitchFamily="49" charset="0"/>
-              </a:rPr>
-              <a:t>AlbumId</a:t>
-            </a:r>
-            <a:r>
-              <a:rPr lang="en-US" sz="2400" dirty="0">
-                <a:solidFill>
-                  <a:schemeClr val="bg1"/>
-                </a:solidFill>
-                <a:latin typeface="Hack" panose="020B0609030202020204" pitchFamily="49" charset="0"/>
-                <a:ea typeface="Hack" panose="020B0609030202020204" pitchFamily="49" charset="0"/>
-                <a:cs typeface="Hack" panose="020B0609030202020204" pitchFamily="49" charset="0"/>
-              </a:rPr>
-              <a:t>], [a].[ArtistId],</a:t>
-            </a:r>
-          </a:p>
-          <a:p>
-            <a:r>
-              <a:rPr lang="en-US" sz="2400" dirty="0">
-                <a:solidFill>
-                  <a:schemeClr val="bg1"/>
-                </a:solidFill>
-                <a:latin typeface="Hack" panose="020B0609030202020204" pitchFamily="49" charset="0"/>
-                <a:ea typeface="Hack" panose="020B0609030202020204" pitchFamily="49" charset="0"/>
-                <a:cs typeface="Hack" panose="020B0609030202020204" pitchFamily="49" charset="0"/>
-              </a:rPr>
-              <a:t>	[a].[Title], [</a:t>
-            </a:r>
-            <a:r>
-              <a:rPr lang="en-US" sz="2400" dirty="0" err="1">
-                <a:solidFill>
-                  <a:schemeClr val="bg1"/>
-                </a:solidFill>
-                <a:latin typeface="Hack" panose="020B0609030202020204" pitchFamily="49" charset="0"/>
-                <a:ea typeface="Hack" panose="020B0609030202020204" pitchFamily="49" charset="0"/>
-                <a:cs typeface="Hack" panose="020B0609030202020204" pitchFamily="49" charset="0"/>
-              </a:rPr>
-              <a:t>a.Artist</a:t>
-            </a:r>
-            <a:r>
-              <a:rPr lang="en-US" sz="2400" dirty="0">
-                <a:solidFill>
-                  <a:schemeClr val="bg1"/>
-                </a:solidFill>
-                <a:latin typeface="Hack" panose="020B0609030202020204" pitchFamily="49" charset="0"/>
-                <a:ea typeface="Hack" panose="020B0609030202020204" pitchFamily="49" charset="0"/>
-                <a:cs typeface="Hack" panose="020B0609030202020204" pitchFamily="49" charset="0"/>
-              </a:rPr>
-              <a:t>].[ArtistId], [</a:t>
-            </a:r>
-            <a:r>
-              <a:rPr lang="en-US" sz="2400" dirty="0" err="1">
-                <a:solidFill>
-                  <a:schemeClr val="bg1"/>
-                </a:solidFill>
-                <a:latin typeface="Hack" panose="020B0609030202020204" pitchFamily="49" charset="0"/>
-                <a:ea typeface="Hack" panose="020B0609030202020204" pitchFamily="49" charset="0"/>
-                <a:cs typeface="Hack" panose="020B0609030202020204" pitchFamily="49" charset="0"/>
-              </a:rPr>
-              <a:t>a.Artist</a:t>
-            </a:r>
-            <a:r>
-              <a:rPr lang="en-US" sz="2400" dirty="0">
-                <a:solidFill>
-                  <a:schemeClr val="bg1"/>
-                </a:solidFill>
-                <a:latin typeface="Hack" panose="020B0609030202020204" pitchFamily="49" charset="0"/>
-                <a:ea typeface="Hack" panose="020B0609030202020204" pitchFamily="49" charset="0"/>
-                <a:cs typeface="Hack" panose="020B0609030202020204" pitchFamily="49" charset="0"/>
-              </a:rPr>
-              <a:t>].[Name]</a:t>
-            </a:r>
-          </a:p>
-          <a:p>
-            <a:r>
-              <a:rPr lang="en-US" sz="2400" dirty="0">
-                <a:solidFill>
-                  <a:schemeClr val="bg1"/>
-                </a:solidFill>
-                <a:latin typeface="Hack" panose="020B0609030202020204" pitchFamily="49" charset="0"/>
-                <a:ea typeface="Hack" panose="020B0609030202020204" pitchFamily="49" charset="0"/>
-                <a:cs typeface="Hack" panose="020B0609030202020204" pitchFamily="49" charset="0"/>
-              </a:rPr>
-              <a:t>      FROM [Album] AS [a]</a:t>
-            </a:r>
-          </a:p>
-          <a:p>
-            <a:r>
-              <a:rPr lang="en-US" sz="2400" dirty="0">
-                <a:solidFill>
-                  <a:schemeClr val="bg1"/>
-                </a:solidFill>
-                <a:latin typeface="Hack" panose="020B0609030202020204" pitchFamily="49" charset="0"/>
-                <a:ea typeface="Hack" panose="020B0609030202020204" pitchFamily="49" charset="0"/>
-                <a:cs typeface="Hack" panose="020B0609030202020204" pitchFamily="49" charset="0"/>
-              </a:rPr>
-              <a:t>      INNER JOIN [Artist] AS [</a:t>
-            </a:r>
-            <a:r>
-              <a:rPr lang="en-US" sz="2400" dirty="0" err="1">
-                <a:solidFill>
-                  <a:schemeClr val="bg1"/>
-                </a:solidFill>
-                <a:latin typeface="Hack" panose="020B0609030202020204" pitchFamily="49" charset="0"/>
-                <a:ea typeface="Hack" panose="020B0609030202020204" pitchFamily="49" charset="0"/>
-                <a:cs typeface="Hack" panose="020B0609030202020204" pitchFamily="49" charset="0"/>
-              </a:rPr>
-              <a:t>a.Artist</a:t>
-            </a:r>
-            <a:r>
-              <a:rPr lang="en-US" sz="2400" dirty="0">
-                <a:solidFill>
-                  <a:schemeClr val="bg1"/>
-                </a:solidFill>
-                <a:latin typeface="Hack" panose="020B0609030202020204" pitchFamily="49" charset="0"/>
-                <a:ea typeface="Hack" panose="020B0609030202020204" pitchFamily="49" charset="0"/>
-                <a:cs typeface="Hack" panose="020B0609030202020204" pitchFamily="49" charset="0"/>
-              </a:rPr>
-              <a:t>] ON [a].[ArtistId] = [</a:t>
-            </a:r>
-            <a:r>
-              <a:rPr lang="en-US" sz="2400" dirty="0" err="1">
-                <a:solidFill>
-                  <a:schemeClr val="bg1"/>
-                </a:solidFill>
-                <a:latin typeface="Hack" panose="020B0609030202020204" pitchFamily="49" charset="0"/>
-                <a:ea typeface="Hack" panose="020B0609030202020204" pitchFamily="49" charset="0"/>
-                <a:cs typeface="Hack" panose="020B0609030202020204" pitchFamily="49" charset="0"/>
-              </a:rPr>
-              <a:t>a.Artist</a:t>
-            </a:r>
-            <a:r>
-              <a:rPr lang="en-US" sz="2400" dirty="0">
-                <a:solidFill>
-                  <a:schemeClr val="bg1"/>
-                </a:solidFill>
-                <a:latin typeface="Hack" panose="020B0609030202020204" pitchFamily="49" charset="0"/>
-                <a:ea typeface="Hack" panose="020B0609030202020204" pitchFamily="49" charset="0"/>
-                <a:cs typeface="Hack" panose="020B0609030202020204" pitchFamily="49" charset="0"/>
-              </a:rPr>
-              <a:t>].[ArtistId]</a:t>
-            </a:r>
-          </a:p>
         </p:txBody>
       </p:sp>
     </p:spTree>
     <p:extLst>
       <p:ext uri="{BB962C8B-B14F-4D97-AF65-F5344CB8AC3E}">
-        <p14:creationId xmlns:p14="http://schemas.microsoft.com/office/powerpoint/2010/main" val="1509889992"/>
+        <p14:creationId xmlns:p14="http://schemas.microsoft.com/office/powerpoint/2010/main" val="2716457314"/>
       </p:ext>
     </p:extLst>
   </p:cSld>
@@ -7725,6 +11310,371 @@
                 </a:solidFill>
                 <a:latin typeface="Aptos Black "/>
               </a:rPr>
+              <a:t>Query Tags</a:t>
+            </a:r>
+          </a:p>
+        </p:txBody>
+      </p:sp>
+      <p:sp>
+        <p:nvSpPr>
+          <p:cNvPr id="5" name="Rectangle 4">
+            <a:extLst>
+              <a:ext uri="{FF2B5EF4-FFF2-40B4-BE49-F238E27FC236}">
+                <a16:creationId xmlns:a16="http://schemas.microsoft.com/office/drawing/2014/main" id="{6D2CB9EB-F6DD-4B04-88A3-A248922FB50E}"/>
+              </a:ext>
+            </a:extLst>
+          </p:cNvPr>
+          <p:cNvSpPr/>
+          <p:nvPr/>
+        </p:nvSpPr>
+        <p:spPr>
+          <a:xfrm>
+            <a:off x="838200" y="1760532"/>
+            <a:ext cx="11058378" cy="4893647"/>
+          </a:xfrm>
+          <a:prstGeom prst="rect">
+            <a:avLst/>
+          </a:prstGeom>
+        </p:spPr>
+        <p:txBody>
+          <a:bodyPr wrap="square">
+            <a:spAutoFit/>
+          </a:bodyPr>
+          <a:lstStyle/>
+          <a:p>
+            <a:r>
+              <a:rPr lang="en-US" sz="2400" dirty="0">
+                <a:solidFill>
+                  <a:schemeClr val="bg1"/>
+                </a:solidFill>
+                <a:latin typeface="Hack" panose="020B0609030202020204" pitchFamily="49" charset="0"/>
+                <a:ea typeface="Hack" panose="020B0609030202020204" pitchFamily="49" charset="0"/>
+                <a:cs typeface="Hack" panose="020B0609030202020204" pitchFamily="49" charset="0"/>
+              </a:rPr>
+              <a:t>-- Description: Query for Albums</a:t>
+            </a:r>
+          </a:p>
+          <a:p>
+            <a:endParaRPr lang="en-US" sz="2400" dirty="0">
+              <a:solidFill>
+                <a:schemeClr val="bg1"/>
+              </a:solidFill>
+              <a:latin typeface="Hack" panose="020B0609030202020204" pitchFamily="49" charset="0"/>
+              <a:ea typeface="Hack" panose="020B0609030202020204" pitchFamily="49" charset="0"/>
+              <a:cs typeface="Hack" panose="020B0609030202020204" pitchFamily="49" charset="0"/>
+            </a:endParaRPr>
+          </a:p>
+          <a:p>
+            <a:r>
+              <a:rPr lang="en-US" sz="2400" dirty="0">
+                <a:solidFill>
+                  <a:schemeClr val="bg1"/>
+                </a:solidFill>
+                <a:latin typeface="Hack" panose="020B0609030202020204" pitchFamily="49" charset="0"/>
+                <a:ea typeface="Hack" panose="020B0609030202020204" pitchFamily="49" charset="0"/>
+                <a:cs typeface="Hack" panose="020B0609030202020204" pitchFamily="49" charset="0"/>
+              </a:rPr>
+              <a:t>-- Query located: </a:t>
+            </a:r>
+            <a:r>
+              <a:rPr lang="en-US" sz="2400" dirty="0" err="1">
+                <a:solidFill>
+                  <a:schemeClr val="bg1"/>
+                </a:solidFill>
+                <a:latin typeface="Hack" panose="020B0609030202020204" pitchFamily="49" charset="0"/>
+                <a:ea typeface="Hack" panose="020B0609030202020204" pitchFamily="49" charset="0"/>
+                <a:cs typeface="Hack" panose="020B0609030202020204" pitchFamily="49" charset="0"/>
+              </a:rPr>
+              <a:t>Chinook.Controllers.AlbumsController.Index</a:t>
+            </a:r>
+            <a:r>
+              <a:rPr lang="en-US" sz="2400" dirty="0">
+                <a:solidFill>
+                  <a:schemeClr val="bg1"/>
+                </a:solidFill>
+                <a:latin typeface="Hack" panose="020B0609030202020204" pitchFamily="49" charset="0"/>
+                <a:ea typeface="Hack" panose="020B0609030202020204" pitchFamily="49" charset="0"/>
+                <a:cs typeface="Hack" panose="020B0609030202020204" pitchFamily="49" charset="0"/>
+              </a:rPr>
+              <a:t>() method</a:t>
+            </a:r>
+          </a:p>
+          <a:p>
+            <a:endParaRPr lang="en-US" sz="2400" dirty="0">
+              <a:solidFill>
+                <a:schemeClr val="bg1"/>
+              </a:solidFill>
+              <a:latin typeface="Hack" panose="020B0609030202020204" pitchFamily="49" charset="0"/>
+              <a:ea typeface="Hack" panose="020B0609030202020204" pitchFamily="49" charset="0"/>
+              <a:cs typeface="Hack" panose="020B0609030202020204" pitchFamily="49" charset="0"/>
+            </a:endParaRPr>
+          </a:p>
+          <a:p>
+            <a:r>
+              <a:rPr lang="en-US" sz="2400" dirty="0">
+                <a:solidFill>
+                  <a:schemeClr val="bg1"/>
+                </a:solidFill>
+                <a:latin typeface="Hack" panose="020B0609030202020204" pitchFamily="49" charset="0"/>
+                <a:ea typeface="Hack" panose="020B0609030202020204" pitchFamily="49" charset="0"/>
+                <a:cs typeface="Hack" panose="020B0609030202020204" pitchFamily="49" charset="0"/>
+              </a:rPr>
+              <a:t>-- Parameters:</a:t>
+            </a:r>
+          </a:p>
+          <a:p>
+            <a:r>
+              <a:rPr lang="en-US" sz="2400" dirty="0">
+                <a:solidFill>
+                  <a:schemeClr val="bg1"/>
+                </a:solidFill>
+                <a:latin typeface="Hack" panose="020B0609030202020204" pitchFamily="49" charset="0"/>
+                <a:ea typeface="Hack" panose="020B0609030202020204" pitchFamily="49" charset="0"/>
+                <a:cs typeface="Hack" panose="020B0609030202020204" pitchFamily="49" charset="0"/>
+              </a:rPr>
+              <a:t>--                     None</a:t>
+            </a:r>
+          </a:p>
+          <a:p>
+            <a:endParaRPr lang="en-US" sz="2400" dirty="0">
+              <a:solidFill>
+                <a:schemeClr val="bg1"/>
+              </a:solidFill>
+              <a:latin typeface="Hack" panose="020B0609030202020204" pitchFamily="49" charset="0"/>
+              <a:ea typeface="Hack" panose="020B0609030202020204" pitchFamily="49" charset="0"/>
+              <a:cs typeface="Hack" panose="020B0609030202020204" pitchFamily="49" charset="0"/>
+            </a:endParaRPr>
+          </a:p>
+          <a:p>
+            <a:r>
+              <a:rPr lang="en-US" sz="2400" dirty="0">
+                <a:solidFill>
+                  <a:schemeClr val="bg1"/>
+                </a:solidFill>
+                <a:latin typeface="Hack" panose="020B0609030202020204" pitchFamily="49" charset="0"/>
+                <a:ea typeface="Hack" panose="020B0609030202020204" pitchFamily="49" charset="0"/>
+                <a:cs typeface="Hack" panose="020B0609030202020204" pitchFamily="49" charset="0"/>
+              </a:rPr>
+              <a:t>      SELECT [a].[</a:t>
+            </a:r>
+            <a:r>
+              <a:rPr lang="en-US" sz="2400" dirty="0" err="1">
+                <a:solidFill>
+                  <a:schemeClr val="bg1"/>
+                </a:solidFill>
+                <a:latin typeface="Hack" panose="020B0609030202020204" pitchFamily="49" charset="0"/>
+                <a:ea typeface="Hack" panose="020B0609030202020204" pitchFamily="49" charset="0"/>
+                <a:cs typeface="Hack" panose="020B0609030202020204" pitchFamily="49" charset="0"/>
+              </a:rPr>
+              <a:t>AlbumId</a:t>
+            </a:r>
+            <a:r>
+              <a:rPr lang="en-US" sz="2400" dirty="0">
+                <a:solidFill>
+                  <a:schemeClr val="bg1"/>
+                </a:solidFill>
+                <a:latin typeface="Hack" panose="020B0609030202020204" pitchFamily="49" charset="0"/>
+                <a:ea typeface="Hack" panose="020B0609030202020204" pitchFamily="49" charset="0"/>
+                <a:cs typeface="Hack" panose="020B0609030202020204" pitchFamily="49" charset="0"/>
+              </a:rPr>
+              <a:t>], [a].[ArtistId],</a:t>
+            </a:r>
+          </a:p>
+          <a:p>
+            <a:r>
+              <a:rPr lang="en-US" sz="2400" dirty="0">
+                <a:solidFill>
+                  <a:schemeClr val="bg1"/>
+                </a:solidFill>
+                <a:latin typeface="Hack" panose="020B0609030202020204" pitchFamily="49" charset="0"/>
+                <a:ea typeface="Hack" panose="020B0609030202020204" pitchFamily="49" charset="0"/>
+                <a:cs typeface="Hack" panose="020B0609030202020204" pitchFamily="49" charset="0"/>
+              </a:rPr>
+              <a:t>	[a].[Title], [</a:t>
+            </a:r>
+            <a:r>
+              <a:rPr lang="en-US" sz="2400" dirty="0" err="1">
+                <a:solidFill>
+                  <a:schemeClr val="bg1"/>
+                </a:solidFill>
+                <a:latin typeface="Hack" panose="020B0609030202020204" pitchFamily="49" charset="0"/>
+                <a:ea typeface="Hack" panose="020B0609030202020204" pitchFamily="49" charset="0"/>
+                <a:cs typeface="Hack" panose="020B0609030202020204" pitchFamily="49" charset="0"/>
+              </a:rPr>
+              <a:t>a.Artist</a:t>
+            </a:r>
+            <a:r>
+              <a:rPr lang="en-US" sz="2400" dirty="0">
+                <a:solidFill>
+                  <a:schemeClr val="bg1"/>
+                </a:solidFill>
+                <a:latin typeface="Hack" panose="020B0609030202020204" pitchFamily="49" charset="0"/>
+                <a:ea typeface="Hack" panose="020B0609030202020204" pitchFamily="49" charset="0"/>
+                <a:cs typeface="Hack" panose="020B0609030202020204" pitchFamily="49" charset="0"/>
+              </a:rPr>
+              <a:t>].[ArtistId], [</a:t>
+            </a:r>
+            <a:r>
+              <a:rPr lang="en-US" sz="2400" dirty="0" err="1">
+                <a:solidFill>
+                  <a:schemeClr val="bg1"/>
+                </a:solidFill>
+                <a:latin typeface="Hack" panose="020B0609030202020204" pitchFamily="49" charset="0"/>
+                <a:ea typeface="Hack" panose="020B0609030202020204" pitchFamily="49" charset="0"/>
+                <a:cs typeface="Hack" panose="020B0609030202020204" pitchFamily="49" charset="0"/>
+              </a:rPr>
+              <a:t>a.Artist</a:t>
+            </a:r>
+            <a:r>
+              <a:rPr lang="en-US" sz="2400" dirty="0">
+                <a:solidFill>
+                  <a:schemeClr val="bg1"/>
+                </a:solidFill>
+                <a:latin typeface="Hack" panose="020B0609030202020204" pitchFamily="49" charset="0"/>
+                <a:ea typeface="Hack" panose="020B0609030202020204" pitchFamily="49" charset="0"/>
+                <a:cs typeface="Hack" panose="020B0609030202020204" pitchFamily="49" charset="0"/>
+              </a:rPr>
+              <a:t>].[Name]</a:t>
+            </a:r>
+          </a:p>
+          <a:p>
+            <a:r>
+              <a:rPr lang="en-US" sz="2400" dirty="0">
+                <a:solidFill>
+                  <a:schemeClr val="bg1"/>
+                </a:solidFill>
+                <a:latin typeface="Hack" panose="020B0609030202020204" pitchFamily="49" charset="0"/>
+                <a:ea typeface="Hack" panose="020B0609030202020204" pitchFamily="49" charset="0"/>
+                <a:cs typeface="Hack" panose="020B0609030202020204" pitchFamily="49" charset="0"/>
+              </a:rPr>
+              <a:t>      FROM [Album] AS [a]</a:t>
+            </a:r>
+          </a:p>
+          <a:p>
+            <a:r>
+              <a:rPr lang="en-US" sz="2400" dirty="0">
+                <a:solidFill>
+                  <a:schemeClr val="bg1"/>
+                </a:solidFill>
+                <a:latin typeface="Hack" panose="020B0609030202020204" pitchFamily="49" charset="0"/>
+                <a:ea typeface="Hack" panose="020B0609030202020204" pitchFamily="49" charset="0"/>
+                <a:cs typeface="Hack" panose="020B0609030202020204" pitchFamily="49" charset="0"/>
+              </a:rPr>
+              <a:t>      INNER JOIN [Artist] AS [</a:t>
+            </a:r>
+            <a:r>
+              <a:rPr lang="en-US" sz="2400" dirty="0" err="1">
+                <a:solidFill>
+                  <a:schemeClr val="bg1"/>
+                </a:solidFill>
+                <a:latin typeface="Hack" panose="020B0609030202020204" pitchFamily="49" charset="0"/>
+                <a:ea typeface="Hack" panose="020B0609030202020204" pitchFamily="49" charset="0"/>
+                <a:cs typeface="Hack" panose="020B0609030202020204" pitchFamily="49" charset="0"/>
+              </a:rPr>
+              <a:t>a.Artist</a:t>
+            </a:r>
+            <a:r>
+              <a:rPr lang="en-US" sz="2400" dirty="0">
+                <a:solidFill>
+                  <a:schemeClr val="bg1"/>
+                </a:solidFill>
+                <a:latin typeface="Hack" panose="020B0609030202020204" pitchFamily="49" charset="0"/>
+                <a:ea typeface="Hack" panose="020B0609030202020204" pitchFamily="49" charset="0"/>
+                <a:cs typeface="Hack" panose="020B0609030202020204" pitchFamily="49" charset="0"/>
+              </a:rPr>
+              <a:t>] ON [a].[ArtistId] = [</a:t>
+            </a:r>
+            <a:r>
+              <a:rPr lang="en-US" sz="2400" dirty="0" err="1">
+                <a:solidFill>
+                  <a:schemeClr val="bg1"/>
+                </a:solidFill>
+                <a:latin typeface="Hack" panose="020B0609030202020204" pitchFamily="49" charset="0"/>
+                <a:ea typeface="Hack" panose="020B0609030202020204" pitchFamily="49" charset="0"/>
+                <a:cs typeface="Hack" panose="020B0609030202020204" pitchFamily="49" charset="0"/>
+              </a:rPr>
+              <a:t>a.Artist</a:t>
+            </a:r>
+            <a:r>
+              <a:rPr lang="en-US" sz="2400" dirty="0">
+                <a:solidFill>
+                  <a:schemeClr val="bg1"/>
+                </a:solidFill>
+                <a:latin typeface="Hack" panose="020B0609030202020204" pitchFamily="49" charset="0"/>
+                <a:ea typeface="Hack" panose="020B0609030202020204" pitchFamily="49" charset="0"/>
+                <a:cs typeface="Hack" panose="020B0609030202020204" pitchFamily="49" charset="0"/>
+              </a:rPr>
+              <a:t>].[ArtistId]</a:t>
+            </a:r>
+          </a:p>
+        </p:txBody>
+      </p:sp>
+    </p:spTree>
+    <p:extLst>
+      <p:ext uri="{BB962C8B-B14F-4D97-AF65-F5344CB8AC3E}">
+        <p14:creationId xmlns:p14="http://schemas.microsoft.com/office/powerpoint/2010/main" val="1509889992"/>
+      </p:ext>
+    </p:extLst>
+  </p:cSld>
+  <p:clrMapOvr>
+    <a:masterClrMapping/>
+  </p:clrMapOvr>
+</p:sld>
+</file>
+
+<file path=ppt/slides/slide16.xml><?xml version="1.0" encoding="utf-8"?>
+<p:sld xmlns:a="http://schemas.openxmlformats.org/drawingml/2006/main" xmlns:r="http://schemas.openxmlformats.org/officeDocument/2006/relationships" xmlns:p="http://schemas.openxmlformats.org/presentationml/2006/main">
+  <p:cSld>
+    <p:bg>
+      <p:bgPr>
+        <a:solidFill>
+          <a:schemeClr val="accent1"/>
+        </a:solidFill>
+        <a:effectLst/>
+      </p:bgPr>
+    </p:bg>
+    <p:spTree>
+      <p:nvGrpSpPr>
+        <p:cNvPr id="1" name=""/>
+        <p:cNvGrpSpPr/>
+        <p:nvPr/>
+      </p:nvGrpSpPr>
+      <p:grpSpPr>
+        <a:xfrm>
+          <a:off x="0" y="0"/>
+          <a:ext cx="0" cy="0"/>
+          <a:chOff x="0" y="0"/>
+          <a:chExt cx="0" cy="0"/>
+        </a:xfrm>
+      </p:grpSpPr>
+      <p:sp>
+        <p:nvSpPr>
+          <p:cNvPr id="2" name="Title 1">
+            <a:extLst>
+              <a:ext uri="{FF2B5EF4-FFF2-40B4-BE49-F238E27FC236}">
+                <a16:creationId xmlns:a16="http://schemas.microsoft.com/office/drawing/2014/main" id="{CC7C7BA3-C1A1-4BEF-8ED2-DBBBF4A75118}"/>
+              </a:ext>
+            </a:extLst>
+          </p:cNvPr>
+          <p:cNvSpPr>
+            <a:spLocks noGrp="1"/>
+          </p:cNvSpPr>
+          <p:nvPr>
+            <p:ph type="title"/>
+          </p:nvPr>
+        </p:nvSpPr>
+        <p:spPr/>
+        <p:txBody>
+          <a:bodyPr/>
+          <a:lstStyle/>
+          <a:p>
+            <a:r>
+              <a:rPr lang="en-US" dirty="0">
+                <a:solidFill>
+                  <a:schemeClr val="bg1"/>
+                </a:solidFill>
+                <a:latin typeface="Aptos Black "/>
+              </a:rPr>
               <a:t>Extended Events</a:t>
             </a:r>
           </a:p>
@@ -8053,7 +12003,7 @@
 </p:sld>
 </file>
 
-<file path=ppt/slides/slide16.xml><?xml version="1.0" encoding="utf-8"?>
+<file path=ppt/slides/slide17.xml><?xml version="1.0" encoding="utf-8"?>
 <p:sld xmlns:a="http://schemas.openxmlformats.org/drawingml/2006/main" xmlns:r="http://schemas.openxmlformats.org/officeDocument/2006/relationships" xmlns:p="http://schemas.openxmlformats.org/presentationml/2006/main">
   <p:cSld>
     <p:bg>
@@ -8327,7 +12277,7 @@
 </p:sld>
 </file>
 
-<file path=ppt/slides/slide17.xml><?xml version="1.0" encoding="utf-8"?>
+<file path=ppt/slides/slide18.xml><?xml version="1.0" encoding="utf-8"?>
 <p:sld xmlns:a="http://schemas.openxmlformats.org/drawingml/2006/main" xmlns:r="http://schemas.openxmlformats.org/officeDocument/2006/relationships" xmlns:p="http://schemas.openxmlformats.org/presentationml/2006/main">
   <p:cSld>
     <p:bg>
@@ -8688,7 +12638,7 @@
 </p:sld>
 </file>
 
-<file path=ppt/slides/slide18.xml><?xml version="1.0" encoding="utf-8"?>
+<file path=ppt/slides/slide19.xml><?xml version="1.0" encoding="utf-8"?>
 <p:sld xmlns:a="http://schemas.openxmlformats.org/drawingml/2006/main" xmlns:r="http://schemas.openxmlformats.org/officeDocument/2006/relationships" xmlns:p="http://schemas.openxmlformats.org/presentationml/2006/main">
   <p:cSld>
     <p:bg>
@@ -9548,7 +13498,97 @@
 </p:sld>
 </file>
 
-<file path=ppt/slides/slide19.xml><?xml version="1.0" encoding="utf-8"?>
+<file path=ppt/slides/slide2.xml><?xml version="1.0" encoding="utf-8"?>
+<p:sld xmlns:a="http://schemas.openxmlformats.org/drawingml/2006/main" xmlns:r="http://schemas.openxmlformats.org/officeDocument/2006/relationships" xmlns:p="http://schemas.openxmlformats.org/presentationml/2006/main">
+  <p:cSld>
+    <p:bg>
+      <p:bgPr>
+        <a:solidFill>
+          <a:schemeClr val="bg1"/>
+        </a:solidFill>
+        <a:effectLst/>
+      </p:bgPr>
+    </p:bg>
+    <p:spTree>
+      <p:nvGrpSpPr>
+        <p:cNvPr id="1" name=""/>
+        <p:cNvGrpSpPr/>
+        <p:nvPr/>
+      </p:nvGrpSpPr>
+      <p:grpSpPr>
+        <a:xfrm>
+          <a:off x="0" y="0"/>
+          <a:ext cx="0" cy="0"/>
+          <a:chOff x="0" y="0"/>
+          <a:chExt cx="0" cy="0"/>
+        </a:xfrm>
+      </p:grpSpPr>
+      <p:sp>
+        <p:nvSpPr>
+          <p:cNvPr id="2" name="Title 1">
+            <a:extLst>
+              <a:ext uri="{FF2B5EF4-FFF2-40B4-BE49-F238E27FC236}">
+                <a16:creationId xmlns:a16="http://schemas.microsoft.com/office/drawing/2014/main" id="{5B0BE0DC-F802-4C73-9130-2834FC652D50}"/>
+              </a:ext>
+            </a:extLst>
+          </p:cNvPr>
+          <p:cNvSpPr>
+            <a:spLocks noGrp="1"/>
+          </p:cNvSpPr>
+          <p:nvPr>
+            <p:ph type="title" idx="4294967295"/>
+          </p:nvPr>
+        </p:nvSpPr>
+        <p:spPr>
+          <a:xfrm>
+            <a:off x="640080" y="640080"/>
+            <a:ext cx="2752354" cy="2709275"/>
+          </a:xfrm>
+          <a:prstGeom prst="ellipse">
+            <a:avLst/>
+          </a:prstGeom>
+          <a:solidFill>
+            <a:srgbClr val="FFFFFF"/>
+          </a:solidFill>
+          <a:ln w="174625" cmpd="thinThick">
+            <a:solidFill>
+              <a:srgbClr val="FFFFFF"/>
+            </a:solidFill>
+          </a:ln>
+        </p:spPr>
+        <p:txBody>
+          <a:bodyPr vert="horz" lIns="91440" tIns="45720" rIns="91440" bIns="45720" rtlCol="0" anchor="ctr">
+            <a:normAutofit/>
+          </a:bodyPr>
+          <a:lstStyle/>
+          <a:p>
+            <a:pPr algn="ctr"/>
+            <a:r>
+              <a:rPr lang="en-US" sz="5400" dirty="0">
+                <a:solidFill>
+                  <a:srgbClr val="262626"/>
+                </a:solidFill>
+                <a:latin typeface="Aptos Black "/>
+              </a:rPr>
+              <a:t>Story</a:t>
+            </a:r>
+          </a:p>
+        </p:txBody>
+      </p:sp>
+    </p:spTree>
+    <p:extLst>
+      <p:ext uri="{BB962C8B-B14F-4D97-AF65-F5344CB8AC3E}">
+        <p14:creationId xmlns:p14="http://schemas.microsoft.com/office/powerpoint/2010/main" val="3789181077"/>
+      </p:ext>
+    </p:extLst>
+  </p:cSld>
+  <p:clrMapOvr>
+    <a:masterClrMapping/>
+  </p:clrMapOvr>
+</p:sld>
+</file>
+
+<file path=ppt/slides/slide20.xml><?xml version="1.0" encoding="utf-8"?>
 <p:sld xmlns:a="http://schemas.openxmlformats.org/drawingml/2006/main" xmlns:r="http://schemas.openxmlformats.org/officeDocument/2006/relationships" xmlns:p="http://schemas.openxmlformats.org/presentationml/2006/main">
   <p:cSld>
     <p:bg>
@@ -10437,97 +14477,7 @@
 </p:sld>
 </file>
 
-<file path=ppt/slides/slide2.xml><?xml version="1.0" encoding="utf-8"?>
-<p:sld xmlns:a="http://schemas.openxmlformats.org/drawingml/2006/main" xmlns:r="http://schemas.openxmlformats.org/officeDocument/2006/relationships" xmlns:p="http://schemas.openxmlformats.org/presentationml/2006/main">
-  <p:cSld>
-    <p:bg>
-      <p:bgPr>
-        <a:solidFill>
-          <a:schemeClr val="bg1"/>
-        </a:solidFill>
-        <a:effectLst/>
-      </p:bgPr>
-    </p:bg>
-    <p:spTree>
-      <p:nvGrpSpPr>
-        <p:cNvPr id="1" name=""/>
-        <p:cNvGrpSpPr/>
-        <p:nvPr/>
-      </p:nvGrpSpPr>
-      <p:grpSpPr>
-        <a:xfrm>
-          <a:off x="0" y="0"/>
-          <a:ext cx="0" cy="0"/>
-          <a:chOff x="0" y="0"/>
-          <a:chExt cx="0" cy="0"/>
-        </a:xfrm>
-      </p:grpSpPr>
-      <p:sp>
-        <p:nvSpPr>
-          <p:cNvPr id="2" name="Title 1">
-            <a:extLst>
-              <a:ext uri="{FF2B5EF4-FFF2-40B4-BE49-F238E27FC236}">
-                <a16:creationId xmlns:a16="http://schemas.microsoft.com/office/drawing/2014/main" id="{5B0BE0DC-F802-4C73-9130-2834FC652D50}"/>
-              </a:ext>
-            </a:extLst>
-          </p:cNvPr>
-          <p:cNvSpPr>
-            <a:spLocks noGrp="1"/>
-          </p:cNvSpPr>
-          <p:nvPr>
-            <p:ph type="title" idx="4294967295"/>
-          </p:nvPr>
-        </p:nvSpPr>
-        <p:spPr>
-          <a:xfrm>
-            <a:off x="640080" y="640080"/>
-            <a:ext cx="2752354" cy="2709275"/>
-          </a:xfrm>
-          <a:prstGeom prst="ellipse">
-            <a:avLst/>
-          </a:prstGeom>
-          <a:solidFill>
-            <a:srgbClr val="FFFFFF"/>
-          </a:solidFill>
-          <a:ln w="174625" cmpd="thinThick">
-            <a:solidFill>
-              <a:srgbClr val="FFFFFF"/>
-            </a:solidFill>
-          </a:ln>
-        </p:spPr>
-        <p:txBody>
-          <a:bodyPr vert="horz" lIns="91440" tIns="45720" rIns="91440" bIns="45720" rtlCol="0" anchor="ctr">
-            <a:normAutofit/>
-          </a:bodyPr>
-          <a:lstStyle/>
-          <a:p>
-            <a:pPr algn="ctr"/>
-            <a:r>
-              <a:rPr lang="en-US" sz="5400" dirty="0">
-                <a:solidFill>
-                  <a:srgbClr val="262626"/>
-                </a:solidFill>
-                <a:latin typeface="Aptos Black "/>
-              </a:rPr>
-              <a:t>Story</a:t>
-            </a:r>
-          </a:p>
-        </p:txBody>
-      </p:sp>
-    </p:spTree>
-    <p:extLst>
-      <p:ext uri="{BB962C8B-B14F-4D97-AF65-F5344CB8AC3E}">
-        <p14:creationId xmlns:p14="http://schemas.microsoft.com/office/powerpoint/2010/main" val="3789181077"/>
-      </p:ext>
-    </p:extLst>
-  </p:cSld>
-  <p:clrMapOvr>
-    <a:masterClrMapping/>
-  </p:clrMapOvr>
-</p:sld>
-</file>
-
-<file path=ppt/slides/slide20.xml><?xml version="1.0" encoding="utf-8"?>
+<file path=ppt/slides/slide21.xml><?xml version="1.0" encoding="utf-8"?>
 <p:sld xmlns:a="http://schemas.openxmlformats.org/drawingml/2006/main" xmlns:r="http://schemas.openxmlformats.org/officeDocument/2006/relationships" xmlns:p="http://schemas.openxmlformats.org/presentationml/2006/main">
   <p:cSld>
     <p:bg>
@@ -10846,7 +14796,7 @@
 </p:sld>
 </file>
 
-<file path=ppt/slides/slide21.xml><?xml version="1.0" encoding="utf-8"?>
+<file path=ppt/slides/slide22.xml><?xml version="1.0" encoding="utf-8"?>
 <p:sld xmlns:a="http://schemas.openxmlformats.org/drawingml/2006/main" xmlns:r="http://schemas.openxmlformats.org/officeDocument/2006/relationships" xmlns:p="http://schemas.openxmlformats.org/presentationml/2006/main">
   <p:cSld>
     <p:bg>
@@ -11020,7 +14970,7 @@
 </p:sld>
 </file>
 
-<file path=ppt/slides/slide22.xml><?xml version="1.0" encoding="utf-8"?>
+<file path=ppt/slides/slide23.xml><?xml version="1.0" encoding="utf-8"?>
 <p:sld xmlns:a="http://schemas.openxmlformats.org/drawingml/2006/main" xmlns:r="http://schemas.openxmlformats.org/officeDocument/2006/relationships" xmlns:p="http://schemas.openxmlformats.org/presentationml/2006/main">
   <p:cSld>
     <p:spTree>
@@ -12243,6 +16193,113 @@
 </file>
 
 <file path=ppt/slides/slide7.xml><?xml version="1.0" encoding="utf-8"?>
+<p:sld xmlns:a="http://schemas.openxmlformats.org/drawingml/2006/main" xmlns:r="http://schemas.openxmlformats.org/officeDocument/2006/relationships" xmlns:p="http://schemas.openxmlformats.org/presentationml/2006/main">
+  <p:cSld>
+    <p:spTree>
+      <p:nvGrpSpPr>
+        <p:cNvPr id="1" name=""/>
+        <p:cNvGrpSpPr/>
+        <p:nvPr/>
+      </p:nvGrpSpPr>
+      <p:grpSpPr>
+        <a:xfrm>
+          <a:off x="0" y="0"/>
+          <a:ext cx="0" cy="0"/>
+          <a:chOff x="0" y="0"/>
+          <a:chExt cx="0" cy="0"/>
+        </a:xfrm>
+      </p:grpSpPr>
+      <p:sp>
+        <p:nvSpPr>
+          <p:cNvPr id="2" name="Nadpis 1">
+            <a:extLst>
+              <a:ext uri="{FF2B5EF4-FFF2-40B4-BE49-F238E27FC236}">
+                <a16:creationId xmlns:a16="http://schemas.microsoft.com/office/drawing/2014/main" id="{9BA04007-9192-870A-2E91-20A8BC4F03C7}"/>
+              </a:ext>
+            </a:extLst>
+          </p:cNvPr>
+          <p:cNvSpPr>
+            <a:spLocks noGrp="1"/>
+          </p:cNvSpPr>
+          <p:nvPr>
+            <p:ph type="title"/>
+          </p:nvPr>
+        </p:nvSpPr>
+        <p:spPr/>
+        <p:txBody>
+          <a:bodyPr/>
+          <a:lstStyle/>
+          <a:p>
+            <a:r>
+              <a:rPr lang="en-US" dirty="0"/>
+              <a:t>Demo</a:t>
+            </a:r>
+          </a:p>
+        </p:txBody>
+      </p:sp>
+      <p:sp>
+        <p:nvSpPr>
+          <p:cNvPr id="3" name="Zástupný text 2">
+            <a:extLst>
+              <a:ext uri="{FF2B5EF4-FFF2-40B4-BE49-F238E27FC236}">
+                <a16:creationId xmlns:a16="http://schemas.microsoft.com/office/drawing/2014/main" id="{8507537C-2001-2703-BAD5-7343B65B3D36}"/>
+              </a:ext>
+            </a:extLst>
+          </p:cNvPr>
+          <p:cNvSpPr>
+            <a:spLocks noGrp="1"/>
+          </p:cNvSpPr>
+          <p:nvPr>
+            <p:ph type="body" sz="quarter" idx="15"/>
+          </p:nvPr>
+        </p:nvSpPr>
+        <p:spPr/>
+        <p:txBody>
+          <a:bodyPr/>
+          <a:lstStyle/>
+          <a:p>
+            <a:r>
+              <a:rPr lang="en-US" dirty="0"/>
+              <a:t>Common Database Design Issues</a:t>
+            </a:r>
+          </a:p>
+          <a:p>
+            <a:r>
+              <a:rPr lang="en-US" dirty="0" err="1"/>
+              <a:t>BadBookStore</a:t>
+            </a:r>
+            <a:r>
+              <a:rPr lang="en-US" dirty="0"/>
+              <a:t> represents a book store with a badly designed database schema.</a:t>
+            </a:r>
+          </a:p>
+          <a:p>
+            <a:r>
+              <a:rPr lang="en-US" dirty="0"/>
+              <a:t>8 queries that show what other developers (not smart Update Conference attendees</a:t>
+            </a:r>
+            <a:r>
+              <a:rPr lang="en-US"/>
+              <a:t>) would do.</a:t>
+            </a:r>
+            <a:endParaRPr lang="en-US" dirty="0"/>
+          </a:p>
+        </p:txBody>
+      </p:sp>
+    </p:spTree>
+    <p:extLst>
+      <p:ext uri="{BB962C8B-B14F-4D97-AF65-F5344CB8AC3E}">
+        <p14:creationId xmlns:p14="http://schemas.microsoft.com/office/powerpoint/2010/main" val="3893280840"/>
+      </p:ext>
+    </p:extLst>
+  </p:cSld>
+  <p:clrMapOvr>
+    <a:masterClrMapping/>
+  </p:clrMapOvr>
+</p:sld>
+</file>
+
+<file path=ppt/slides/slide8.xml><?xml version="1.0" encoding="utf-8"?>
 <p:sld xmlns:a="http://schemas.openxmlformats.org/drawingml/2006/main" xmlns:r="http://schemas.openxmlformats.org/officeDocument/2006/relationships" xmlns:p="http://schemas.openxmlformats.org/presentationml/2006/main">
   <p:cSld>
     <p:bg>
@@ -12841,7 +16898,7 @@
 </p:sld>
 </file>
 
-<file path=ppt/slides/slide8.xml><?xml version="1.0" encoding="utf-8"?>
+<file path=ppt/slides/slide9.xml><?xml version="1.0" encoding="utf-8"?>
 <p:sld xmlns:a="http://schemas.openxmlformats.org/drawingml/2006/main" xmlns:r="http://schemas.openxmlformats.org/officeDocument/2006/relationships" xmlns:p="http://schemas.openxmlformats.org/presentationml/2006/main">
   <p:cSld>
     <p:bg>
@@ -13133,315 +17190,6 @@
     <p:extLst>
       <p:ext uri="{BB962C8B-B14F-4D97-AF65-F5344CB8AC3E}">
         <p14:creationId xmlns:p14="http://schemas.microsoft.com/office/powerpoint/2010/main" val="4192574880"/>
-      </p:ext>
-    </p:extLst>
-  </p:cSld>
-  <p:clrMapOvr>
-    <a:masterClrMapping/>
-  </p:clrMapOvr>
-</p:sld>
-</file>
-
-<file path=ppt/slides/slide9.xml><?xml version="1.0" encoding="utf-8"?>
-<p:sld xmlns:a="http://schemas.openxmlformats.org/drawingml/2006/main" xmlns:r="http://schemas.openxmlformats.org/officeDocument/2006/relationships" xmlns:p="http://schemas.openxmlformats.org/presentationml/2006/main">
-  <p:cSld>
-    <p:bg>
-      <p:bgPr>
-        <a:solidFill>
-          <a:schemeClr val="bg1"/>
-        </a:solidFill>
-        <a:effectLst/>
-      </p:bgPr>
-    </p:bg>
-    <p:spTree>
-      <p:nvGrpSpPr>
-        <p:cNvPr id="1" name=""/>
-        <p:cNvGrpSpPr/>
-        <p:nvPr/>
-      </p:nvGrpSpPr>
-      <p:grpSpPr>
-        <a:xfrm>
-          <a:off x="0" y="0"/>
-          <a:ext cx="0" cy="0"/>
-          <a:chOff x="0" y="0"/>
-          <a:chExt cx="0" cy="0"/>
-        </a:xfrm>
-      </p:grpSpPr>
-      <p:pic>
-        <p:nvPicPr>
-          <p:cNvPr id="3" name="Picture 2">
-            <a:extLst>
-              <a:ext uri="{FF2B5EF4-FFF2-40B4-BE49-F238E27FC236}">
-                <a16:creationId xmlns:a16="http://schemas.microsoft.com/office/drawing/2014/main" id="{C9418A99-5CA8-433E-ADE7-279E5BF7050D}"/>
-              </a:ext>
-            </a:extLst>
-          </p:cNvPr>
-          <p:cNvPicPr>
-            <a:picLocks noChangeAspect="1"/>
-          </p:cNvPicPr>
-          <p:nvPr/>
-        </p:nvPicPr>
-        <p:blipFill rotWithShape="1">
-          <a:blip r:embed="rId2">
-            <a:extLst>
-              <a:ext uri="{28A0092B-C50C-407E-A947-70E740481C1C}">
-                <a14:useLocalDpi xmlns:a14="http://schemas.microsoft.com/office/drawing/2010/main" val="0"/>
-              </a:ext>
-            </a:extLst>
-          </a:blip>
-          <a:srcRect/>
-          <a:stretch/>
-        </p:blipFill>
-        <p:spPr>
-          <a:xfrm>
-            <a:off x="20" y="10"/>
-            <a:ext cx="12191980" cy="6857990"/>
-          </a:xfrm>
-          <a:prstGeom prst="rect">
-            <a:avLst/>
-          </a:prstGeom>
-        </p:spPr>
-      </p:pic>
-      <p:sp>
-        <p:nvSpPr>
-          <p:cNvPr id="8" name="Freeform 5">
-            <a:extLst>
-              <a:ext uri="{FF2B5EF4-FFF2-40B4-BE49-F238E27FC236}">
-                <a16:creationId xmlns:a16="http://schemas.microsoft.com/office/drawing/2014/main" id="{87CC2527-562A-4F69-B487-4371E5B243E7}"/>
-              </a:ext>
-              <a:ext uri="{C183D7F6-B498-43B3-948B-1728B52AA6E4}">
-                <adec:decorative xmlns:adec="http://schemas.microsoft.com/office/drawing/2017/decorative" val="1"/>
-              </a:ext>
-            </a:extLst>
-          </p:cNvPr>
-          <p:cNvSpPr>
-            <a:spLocks noGrp="1" noRot="1" noChangeAspect="1" noMove="1" noResize="1" noEditPoints="1" noAdjustHandles="1" noChangeArrowheads="1" noChangeShapeType="1" noTextEdit="1"/>
-          </p:cNvSpPr>
-          <p:nvPr>
-            <p:extLst>
-              <p:ext uri="{386F3935-93C4-4BCD-93E2-E3B085C9AB24}">
-                <p16:designElem xmlns:p16="http://schemas.microsoft.com/office/powerpoint/2015/main" val="1"/>
-              </p:ext>
-            </p:extLst>
-          </p:nvPr>
-        </p:nvSpPr>
-        <p:spPr bwMode="grayWhite">
-          <a:xfrm>
-            <a:off x="7488621" y="2277613"/>
-            <a:ext cx="4703379" cy="4580387"/>
-          </a:xfrm>
-          <a:custGeom>
-            <a:avLst/>
-            <a:gdLst>
-              <a:gd name="T0" fmla="*/ 1333 w 1333"/>
-              <a:gd name="T1" fmla="*/ 1031 h 1298"/>
-              <a:gd name="T2" fmla="*/ 1333 w 1333"/>
-              <a:gd name="T3" fmla="*/ 380 h 1298"/>
-              <a:gd name="T4" fmla="*/ 706 w 1333"/>
-              <a:gd name="T5" fmla="*/ 0 h 1298"/>
-              <a:gd name="T6" fmla="*/ 0 w 1333"/>
-              <a:gd name="T7" fmla="*/ 706 h 1298"/>
-              <a:gd name="T8" fmla="*/ 323 w 1333"/>
-              <a:gd name="T9" fmla="*/ 1298 h 1298"/>
-              <a:gd name="T10" fmla="*/ 1090 w 1333"/>
-              <a:gd name="T11" fmla="*/ 1298 h 1298"/>
-              <a:gd name="T12" fmla="*/ 1333 w 1333"/>
-              <a:gd name="T13" fmla="*/ 1031 h 1298"/>
-            </a:gdLst>
-            <a:ahLst/>
-            <a:cxnLst>
-              <a:cxn ang="0">
-                <a:pos x="T0" y="T1"/>
-              </a:cxn>
-              <a:cxn ang="0">
-                <a:pos x="T2" y="T3"/>
-              </a:cxn>
-              <a:cxn ang="0">
-                <a:pos x="T4" y="T5"/>
-              </a:cxn>
-              <a:cxn ang="0">
-                <a:pos x="T6" y="T7"/>
-              </a:cxn>
-              <a:cxn ang="0">
-                <a:pos x="T8" y="T9"/>
-              </a:cxn>
-              <a:cxn ang="0">
-                <a:pos x="T10" y="T11"/>
-              </a:cxn>
-              <a:cxn ang="0">
-                <a:pos x="T12" y="T13"/>
-              </a:cxn>
-            </a:cxnLst>
-            <a:rect l="0" t="0" r="r" b="b"/>
-            <a:pathLst>
-              <a:path w="1333" h="1298">
-                <a:moveTo>
-                  <a:pt x="1333" y="1031"/>
-                </a:moveTo>
-                <a:cubicBezTo>
-                  <a:pt x="1333" y="380"/>
-                  <a:pt x="1333" y="380"/>
-                  <a:pt x="1333" y="380"/>
-                </a:cubicBezTo>
-                <a:cubicBezTo>
-                  <a:pt x="1215" y="154"/>
-                  <a:pt x="979" y="0"/>
-                  <a:pt x="706" y="0"/>
-                </a:cubicBezTo>
-                <a:cubicBezTo>
-                  <a:pt x="317" y="0"/>
-                  <a:pt x="0" y="316"/>
-                  <a:pt x="0" y="706"/>
-                </a:cubicBezTo>
-                <a:cubicBezTo>
-                  <a:pt x="0" y="954"/>
-                  <a:pt x="129" y="1172"/>
-                  <a:pt x="323" y="1298"/>
-                </a:cubicBezTo>
-                <a:cubicBezTo>
-                  <a:pt x="1090" y="1298"/>
-                  <a:pt x="1090" y="1298"/>
-                  <a:pt x="1090" y="1298"/>
-                </a:cubicBezTo>
-                <a:cubicBezTo>
-                  <a:pt x="1193" y="1232"/>
-                  <a:pt x="1276" y="1140"/>
-                  <a:pt x="1333" y="1031"/>
-                </a:cubicBezTo>
-                <a:close/>
-              </a:path>
-            </a:pathLst>
-          </a:custGeom>
-          <a:solidFill>
-            <a:schemeClr val="bg1">
-              <a:alpha val="70000"/>
-            </a:schemeClr>
-          </a:solidFill>
-          <a:ln w="50800" cap="sq" cmpd="dbl">
-            <a:noFill/>
-            <a:miter lim="800000"/>
-          </a:ln>
-          <a:effectLst/>
-        </p:spPr>
-        <p:txBody>
-          <a:bodyPr vert="horz" lIns="91440" tIns="45720" rIns="91440" bIns="45720" rtlCol="0" anchor="t">
-            <a:normAutofit/>
-          </a:bodyPr>
-          <a:lstStyle/>
-          <a:p>
-            <a:pPr algn="ctr">
-              <a:spcAft>
-                <a:spcPts val="1000"/>
-              </a:spcAft>
-              <a:buClr>
-                <a:schemeClr val="tx1"/>
-              </a:buClr>
-              <a:buSzPct val="100000"/>
-              <a:buFont typeface="Arial"/>
-              <a:buNone/>
-            </a:pPr>
-            <a:endParaRPr lang="en-US" sz="1600" cap="all"/>
-          </a:p>
-        </p:txBody>
-      </p:sp>
-      <p:sp>
-        <p:nvSpPr>
-          <p:cNvPr id="2" name="Title 1">
-            <a:extLst>
-              <a:ext uri="{FF2B5EF4-FFF2-40B4-BE49-F238E27FC236}">
-                <a16:creationId xmlns:a16="http://schemas.microsoft.com/office/drawing/2014/main" id="{9BB1C95A-FD2C-4B03-8EB3-A8C1017E48CC}"/>
-              </a:ext>
-            </a:extLst>
-          </p:cNvPr>
-          <p:cNvSpPr>
-            <a:spLocks noGrp="1"/>
-          </p:cNvSpPr>
-          <p:nvPr>
-            <p:ph type="title"/>
-          </p:nvPr>
-        </p:nvSpPr>
-        <p:spPr>
-          <a:xfrm>
-            <a:off x="8022021" y="3231931"/>
-            <a:ext cx="3852041" cy="1834056"/>
-          </a:xfrm>
-        </p:spPr>
-        <p:txBody>
-          <a:bodyPr vert="horz" lIns="91440" tIns="45720" rIns="91440" bIns="45720" rtlCol="0" anchor="b">
-            <a:normAutofit/>
-          </a:bodyPr>
-          <a:lstStyle/>
-          <a:p>
-            <a:pPr algn="ctr"/>
-            <a:r>
-              <a:rPr lang="en-US" sz="4000" dirty="0">
-                <a:latin typeface="Aptos Black "/>
-              </a:rPr>
-              <a:t>Tip #2 – understand query Plans</a:t>
-            </a:r>
-          </a:p>
-        </p:txBody>
-      </p:sp>
-      <p:cxnSp>
-        <p:nvCxnSpPr>
-          <p:cNvPr id="10" name="Straight Connector 9">
-            <a:extLst>
-              <a:ext uri="{FF2B5EF4-FFF2-40B4-BE49-F238E27FC236}">
-                <a16:creationId xmlns:a16="http://schemas.microsoft.com/office/drawing/2014/main" id="{BCDAEC91-5BCE-4B55-9CC0-43EF94CB734B}"/>
-              </a:ext>
-              <a:ext uri="{C183D7F6-B498-43B3-948B-1728B52AA6E4}">
-                <adec:decorative xmlns:adec="http://schemas.microsoft.com/office/drawing/2017/decorative" val="1"/>
-              </a:ext>
-            </a:extLst>
-          </p:cNvPr>
-          <p:cNvCxnSpPr>
-            <a:cxnSpLocks noGrp="1" noRot="1" noChangeAspect="1" noMove="1" noResize="1" noEditPoints="1" noAdjustHandles="1" noChangeArrowheads="1" noChangeShapeType="1"/>
-          </p:cNvCxnSpPr>
-          <p:nvPr>
-            <p:extLst>
-              <p:ext uri="{386F3935-93C4-4BCD-93E2-E3B085C9AB24}">
-                <p16:designElem xmlns:p16="http://schemas.microsoft.com/office/powerpoint/2015/main" val="1"/>
-              </p:ext>
-            </p:extLst>
-          </p:nvPr>
-        </p:nvCxnSpPr>
-        <p:spPr>
-          <a:xfrm>
-            <a:off x="9480331" y="5123793"/>
-            <a:ext cx="935420" cy="0"/>
-          </a:xfrm>
-          <a:prstGeom prst="line">
-            <a:avLst/>
-          </a:prstGeom>
-          <a:ln w="25400" cap="sq">
-            <a:solidFill>
-              <a:schemeClr val="tx1">
-                <a:lumMod val="85000"/>
-                <a:lumOff val="15000"/>
-              </a:schemeClr>
-            </a:solidFill>
-            <a:bevel/>
-          </a:ln>
-        </p:spPr>
-        <p:style>
-          <a:lnRef idx="1">
-            <a:schemeClr val="accent1"/>
-          </a:lnRef>
-          <a:fillRef idx="0">
-            <a:schemeClr val="accent1"/>
-          </a:fillRef>
-          <a:effectRef idx="0">
-            <a:schemeClr val="accent1"/>
-          </a:effectRef>
-          <a:fontRef idx="minor">
-            <a:schemeClr val="tx1"/>
-          </a:fontRef>
-        </p:style>
-      </p:cxnSp>
-    </p:spTree>
-    <p:extLst>
-      <p:ext uri="{BB962C8B-B14F-4D97-AF65-F5344CB8AC3E}">
-        <p14:creationId xmlns:p14="http://schemas.microsoft.com/office/powerpoint/2010/main" val="2430017358"/>
       </p:ext>
     </p:extLst>
   </p:cSld>
@@ -13653,6 +17401,227 @@
 </file>
 
 <file path=ppt/theme/theme2.xml><?xml version="1.0" encoding="utf-8"?>
+<a:theme xmlns:a="http://schemas.openxmlformats.org/drawingml/2006/main" name="Motiv Office">
+  <a:themeElements>
+    <a:clrScheme name="Vlastní 1">
+      <a:dk1>
+        <a:srgbClr val="2C2D2B"/>
+      </a:dk1>
+      <a:lt1>
+        <a:sysClr val="window" lastClr="FFFFFF"/>
+      </a:lt1>
+      <a:dk2>
+        <a:srgbClr val="46AFE4"/>
+      </a:dk2>
+      <a:lt2>
+        <a:srgbClr val="2C2D2B"/>
+      </a:lt2>
+      <a:accent1>
+        <a:srgbClr val="FFFFFF"/>
+      </a:accent1>
+      <a:accent2>
+        <a:srgbClr val="46AFE4"/>
+      </a:accent2>
+      <a:accent3>
+        <a:srgbClr val="2C2D2B"/>
+      </a:accent3>
+      <a:accent4>
+        <a:srgbClr val="FFFFFF"/>
+      </a:accent4>
+      <a:accent5>
+        <a:srgbClr val="46AFE4"/>
+      </a:accent5>
+      <a:accent6>
+        <a:srgbClr val="2C2D2B"/>
+      </a:accent6>
+      <a:hlink>
+        <a:srgbClr val="FFFFFF"/>
+      </a:hlink>
+      <a:folHlink>
+        <a:srgbClr val="46AFE4"/>
+      </a:folHlink>
+    </a:clrScheme>
+    <a:fontScheme name="Vlastní 2">
+      <a:majorFont>
+        <a:latin typeface="Aptos Black "/>
+        <a:ea typeface=""/>
+        <a:cs typeface=""/>
+      </a:majorFont>
+      <a:minorFont>
+        <a:latin typeface="Aptos Light"/>
+        <a:ea typeface=""/>
+        <a:cs typeface=""/>
+      </a:minorFont>
+    </a:fontScheme>
+    <a:fmtScheme name="Office">
+      <a:fillStyleLst>
+        <a:solidFill>
+          <a:schemeClr val="phClr"/>
+        </a:solidFill>
+        <a:gradFill rotWithShape="1">
+          <a:gsLst>
+            <a:gs pos="0">
+              <a:schemeClr val="phClr">
+                <a:lumMod val="110000"/>
+                <a:satMod val="105000"/>
+                <a:tint val="67000"/>
+              </a:schemeClr>
+            </a:gs>
+            <a:gs pos="50000">
+              <a:schemeClr val="phClr">
+                <a:lumMod val="105000"/>
+                <a:satMod val="103000"/>
+                <a:tint val="73000"/>
+              </a:schemeClr>
+            </a:gs>
+            <a:gs pos="100000">
+              <a:schemeClr val="phClr">
+                <a:lumMod val="105000"/>
+                <a:satMod val="109000"/>
+                <a:tint val="81000"/>
+              </a:schemeClr>
+            </a:gs>
+          </a:gsLst>
+          <a:lin ang="5400000" scaled="0"/>
+        </a:gradFill>
+        <a:gradFill rotWithShape="1">
+          <a:gsLst>
+            <a:gs pos="0">
+              <a:schemeClr val="phClr">
+                <a:satMod val="103000"/>
+                <a:lumMod val="102000"/>
+                <a:tint val="94000"/>
+              </a:schemeClr>
+            </a:gs>
+            <a:gs pos="50000">
+              <a:schemeClr val="phClr">
+                <a:satMod val="110000"/>
+                <a:lumMod val="100000"/>
+                <a:shade val="100000"/>
+              </a:schemeClr>
+            </a:gs>
+            <a:gs pos="100000">
+              <a:schemeClr val="phClr">
+                <a:lumMod val="99000"/>
+                <a:satMod val="120000"/>
+                <a:shade val="78000"/>
+              </a:schemeClr>
+            </a:gs>
+          </a:gsLst>
+          <a:lin ang="5400000" scaled="0"/>
+        </a:gradFill>
+      </a:fillStyleLst>
+      <a:lnStyleLst>
+        <a:ln w="6350" cap="flat" cmpd="sng" algn="ctr">
+          <a:solidFill>
+            <a:schemeClr val="phClr"/>
+          </a:solidFill>
+          <a:prstDash val="solid"/>
+          <a:miter lim="800000"/>
+        </a:ln>
+        <a:ln w="12700" cap="flat" cmpd="sng" algn="ctr">
+          <a:solidFill>
+            <a:schemeClr val="phClr"/>
+          </a:solidFill>
+          <a:prstDash val="solid"/>
+          <a:miter lim="800000"/>
+        </a:ln>
+        <a:ln w="19050" cap="flat" cmpd="sng" algn="ctr">
+          <a:solidFill>
+            <a:schemeClr val="phClr"/>
+          </a:solidFill>
+          <a:prstDash val="solid"/>
+          <a:miter lim="800000"/>
+        </a:ln>
+      </a:lnStyleLst>
+      <a:effectStyleLst>
+        <a:effectStyle>
+          <a:effectLst/>
+        </a:effectStyle>
+        <a:effectStyle>
+          <a:effectLst/>
+        </a:effectStyle>
+        <a:effectStyle>
+          <a:effectLst>
+            <a:outerShdw blurRad="57150" dist="19050" dir="5400000" algn="ctr" rotWithShape="0">
+              <a:srgbClr val="000000">
+                <a:alpha val="63000"/>
+              </a:srgbClr>
+            </a:outerShdw>
+          </a:effectLst>
+        </a:effectStyle>
+      </a:effectStyleLst>
+      <a:bgFillStyleLst>
+        <a:solidFill>
+          <a:schemeClr val="phClr"/>
+        </a:solidFill>
+        <a:solidFill>
+          <a:schemeClr val="phClr">
+            <a:tint val="95000"/>
+            <a:satMod val="170000"/>
+          </a:schemeClr>
+        </a:solidFill>
+        <a:gradFill rotWithShape="1">
+          <a:gsLst>
+            <a:gs pos="0">
+              <a:schemeClr val="phClr">
+                <a:tint val="93000"/>
+                <a:satMod val="150000"/>
+                <a:shade val="98000"/>
+                <a:lumMod val="102000"/>
+              </a:schemeClr>
+            </a:gs>
+            <a:gs pos="50000">
+              <a:schemeClr val="phClr">
+                <a:tint val="98000"/>
+                <a:satMod val="130000"/>
+                <a:shade val="90000"/>
+                <a:lumMod val="103000"/>
+              </a:schemeClr>
+            </a:gs>
+            <a:gs pos="100000">
+              <a:schemeClr val="phClr">
+                <a:shade val="63000"/>
+                <a:satMod val="120000"/>
+              </a:schemeClr>
+            </a:gs>
+          </a:gsLst>
+          <a:lin ang="5400000" scaled="0"/>
+        </a:gradFill>
+      </a:bgFillStyleLst>
+    </a:fmtScheme>
+  </a:themeElements>
+  <a:objectDefaults>
+    <a:txDef>
+      <a:spPr/>
+      <a:bodyPr vert="horz" lIns="91440" tIns="45720" rIns="91440" bIns="45720" rtlCol="0" anchor="t">
+        <a:normAutofit/>
+      </a:bodyPr>
+      <a:lstStyle>
+        <a:defPPr algn="l">
+          <a:spcBef>
+            <a:spcPts val="1200"/>
+          </a:spcBef>
+          <a:defRPr sz="2400" dirty="0">
+            <a:solidFill>
+              <a:schemeClr val="bg1"/>
+            </a:solidFill>
+            <a:latin typeface="Prometo Light" panose="020B0404030203060203" pitchFamily="34" charset="0"/>
+          </a:defRPr>
+        </a:defPPr>
+      </a:lstStyle>
+    </a:txDef>
+  </a:objectDefaults>
+  <a:extraClrSchemeLst/>
+  <a:extLst>
+    <a:ext uri="{05A4C25C-085E-4340-85A3-A5531E510DB2}">
+      <thm15:themeFamily xmlns:thm15="http://schemas.microsoft.com/office/thememl/2012/main" name="Office Theme" id="{62F939B6-93AF-4DB8-9C6B-D6C7DFDC589F}" vid="{4A3C46E8-61CC-4603-A589-7422A47A8E4A}"/>
+    </a:ext>
+  </a:extLst>
+</a:theme>
+</file>
+
+<file path=ppt/theme/theme3.xml><?xml version="1.0" encoding="utf-8"?>
 <a:theme xmlns:a="http://schemas.openxmlformats.org/drawingml/2006/main" name="Office Theme">
   <a:themeElements>
     <a:clrScheme name="Office">
